--- a/SPL-1 Matrix Factorization (mid presentation).pptx
+++ b/SPL-1 Matrix Factorization (mid presentation).pptx
@@ -5,59 +5,58 @@
     <p:sldMasterId id="2147483648" r:id="rId1"/>
   </p:sldMasterIdLst>
   <p:notesMasterIdLst>
-    <p:notesMasterId r:id="rId24"/>
+    <p:notesMasterId r:id="rId23"/>
   </p:notesMasterIdLst>
   <p:sldIdLst>
     <p:sldId id="256" r:id="rId2"/>
-    <p:sldId id="257" r:id="rId3"/>
-    <p:sldId id="258" r:id="rId4"/>
-    <p:sldId id="259" r:id="rId5"/>
-    <p:sldId id="260" r:id="rId6"/>
-    <p:sldId id="261" r:id="rId7"/>
-    <p:sldId id="262" r:id="rId8"/>
-    <p:sldId id="263" r:id="rId9"/>
-    <p:sldId id="264" r:id="rId10"/>
-    <p:sldId id="265" r:id="rId11"/>
-    <p:sldId id="266" r:id="rId12"/>
-    <p:sldId id="267" r:id="rId13"/>
-    <p:sldId id="268" r:id="rId14"/>
+    <p:sldId id="272" r:id="rId3"/>
+    <p:sldId id="257" r:id="rId4"/>
+    <p:sldId id="258" r:id="rId5"/>
+    <p:sldId id="259" r:id="rId6"/>
+    <p:sldId id="260" r:id="rId7"/>
+    <p:sldId id="261" r:id="rId8"/>
+    <p:sldId id="262" r:id="rId9"/>
+    <p:sldId id="263" r:id="rId10"/>
+    <p:sldId id="264" r:id="rId11"/>
+    <p:sldId id="265" r:id="rId12"/>
+    <p:sldId id="266" r:id="rId13"/>
+    <p:sldId id="267" r:id="rId14"/>
     <p:sldId id="269" r:id="rId15"/>
     <p:sldId id="270" r:id="rId16"/>
     <p:sldId id="271" r:id="rId17"/>
-    <p:sldId id="272" r:id="rId18"/>
-    <p:sldId id="273" r:id="rId19"/>
-    <p:sldId id="274" r:id="rId20"/>
-    <p:sldId id="275" r:id="rId21"/>
-    <p:sldId id="276" r:id="rId22"/>
-    <p:sldId id="277" r:id="rId23"/>
+    <p:sldId id="273" r:id="rId18"/>
+    <p:sldId id="274" r:id="rId19"/>
+    <p:sldId id="275" r:id="rId20"/>
+    <p:sldId id="276" r:id="rId21"/>
+    <p:sldId id="277" r:id="rId22"/>
   </p:sldIdLst>
   <p:sldSz cx="9144000" cy="5143500" type="screen16x9"/>
   <p:notesSz cx="6858000" cy="9144000"/>
   <p:embeddedFontLst>
     <p:embeddedFont>
-      <p:font typeface="Cambria Math" pitchFamily="18" charset="0"/>
-      <p:regular r:id="rId25"/>
+      <p:font typeface="Montserrat" charset="0"/>
+      <p:regular r:id="rId24"/>
+      <p:bold r:id="rId25"/>
+      <p:italic r:id="rId26"/>
+      <p:boldItalic r:id="rId27"/>
     </p:embeddedFont>
     <p:embeddedFont>
       <p:font typeface="Nunito" charset="0"/>
-      <p:regular r:id="rId26"/>
-      <p:bold r:id="rId27"/>
-      <p:italic r:id="rId28"/>
-      <p:boldItalic r:id="rId29"/>
+      <p:regular r:id="rId28"/>
+      <p:bold r:id="rId29"/>
+      <p:italic r:id="rId30"/>
+      <p:boldItalic r:id="rId31"/>
     </p:embeddedFont>
     <p:embeddedFont>
       <p:font typeface="Lato" charset="0"/>
-      <p:regular r:id="rId30"/>
-      <p:bold r:id="rId31"/>
-      <p:italic r:id="rId32"/>
-      <p:boldItalic r:id="rId33"/>
+      <p:regular r:id="rId32"/>
+      <p:bold r:id="rId33"/>
+      <p:italic r:id="rId34"/>
+      <p:boldItalic r:id="rId35"/>
     </p:embeddedFont>
     <p:embeddedFont>
-      <p:font typeface="Montserrat" charset="0"/>
-      <p:regular r:id="rId34"/>
-      <p:bold r:id="rId35"/>
-      <p:italic r:id="rId36"/>
-      <p:boldItalic r:id="rId37"/>
+      <p:font typeface="Cambria Math" pitchFamily="18" charset="0"/>
+      <p:regular r:id="rId36"/>
     </p:embeddedFont>
   </p:embeddedFontLst>
   <p:defaultTextStyle>
@@ -291,7 +290,7 @@
   </p:defaultTextStyle>
   <p:extLst>
     <p:ext uri="{EFAFB233-063F-42B5-8137-9DF3F51BA10A}">
-      <p15:sldGuideLst xmlns:ahyp="http://schemas.microsoft.com/office/drawing/2018/hyperlinkcolor" xmlns:p15="http://schemas.microsoft.com/office/powerpoint/2012/main" xmlns:p14="http://schemas.microsoft.com/office/powerpoint/2010/main" xmlns:com="http://schemas.openxmlformats.org/drawingml/2006/compatibility" xmlns:pvml="urn:schemas-microsoft-com:office:powerpoint" xmlns:v="urn:schemas-microsoft-com:vml" xmlns:o="urn:schemas-microsoft-com:office:office" xmlns:dgm="http://schemas.openxmlformats.org/drawingml/2006/diagram" xmlns:c="http://schemas.openxmlformats.org/drawingml/2006/chart" xmlns:mv="urn:schemas-microsoft-com:mac:vml" xmlns:mc="http://schemas.openxmlformats.org/markup-compatibility/2006" xmlns="">
+      <p15:sldGuideLst xmlns="" xmlns:mc="http://schemas.openxmlformats.org/markup-compatibility/2006" xmlns:mv="urn:schemas-microsoft-com:mac:vml" xmlns:c="http://schemas.openxmlformats.org/drawingml/2006/chart" xmlns:dgm="http://schemas.openxmlformats.org/drawingml/2006/diagram" xmlns:o="urn:schemas-microsoft-com:office:office" xmlns:v="urn:schemas-microsoft-com:vml" xmlns:pvml="urn:schemas-microsoft-com:office:powerpoint" xmlns:com="http://schemas.openxmlformats.org/drawingml/2006/compatibility" xmlns:p14="http://schemas.microsoft.com/office/powerpoint/2010/main" xmlns:p15="http://schemas.microsoft.com/office/powerpoint/2012/main" xmlns:ahyp="http://schemas.microsoft.com/office/drawing/2018/hyperlinkcolor">
         <p15:guide id="1" orient="horz" pos="1620">
           <p15:clr>
             <a:srgbClr val="A4A3A4"/>
@@ -305,7 +304,7 @@
       </p15:sldGuideLst>
     </p:ext>
     <p:ext uri="http://customooxmlschemas.google.com/">
-      <go:slidesCustomData xmlns:go="http://customooxmlschemas.google.com/" xmlns:ahyp="http://schemas.microsoft.com/office/drawing/2018/hyperlinkcolor" xmlns:p15="http://schemas.microsoft.com/office/powerpoint/2012/main" xmlns:p14="http://schemas.microsoft.com/office/powerpoint/2010/main" xmlns:com="http://schemas.openxmlformats.org/drawingml/2006/compatibility" xmlns:pvml="urn:schemas-microsoft-com:office:powerpoint" xmlns:v="urn:schemas-microsoft-com:vml" xmlns:o="urn:schemas-microsoft-com:office:office" xmlns:dgm="http://schemas.openxmlformats.org/drawingml/2006/diagram" xmlns:c="http://schemas.openxmlformats.org/drawingml/2006/chart" xmlns:mv="urn:schemas-microsoft-com:mac:vml" xmlns:mc="http://schemas.openxmlformats.org/markup-compatibility/2006" xmlns="" r:id="rId41" roundtripDataSignature="AMtx7mjx3mAB8stEVjLdcFGS6dMkjVa2Ew=="/>
+      <go:slidesCustomData xmlns="" xmlns:mc="http://schemas.openxmlformats.org/markup-compatibility/2006" xmlns:mv="urn:schemas-microsoft-com:mac:vml" xmlns:c="http://schemas.openxmlformats.org/drawingml/2006/chart" xmlns:dgm="http://schemas.openxmlformats.org/drawingml/2006/diagram" xmlns:o="urn:schemas-microsoft-com:office:office" xmlns:v="urn:schemas-microsoft-com:vml" xmlns:pvml="urn:schemas-microsoft-com:office:powerpoint" xmlns:com="http://schemas.openxmlformats.org/drawingml/2006/compatibility" xmlns:p14="http://schemas.microsoft.com/office/powerpoint/2010/main" xmlns:p15="http://schemas.microsoft.com/office/powerpoint/2012/main" xmlns:ahyp="http://schemas.microsoft.com/office/drawing/2018/hyperlinkcolor" xmlns:go="http://customooxmlschemas.google.com/" r:id="rId41" roundtripDataSignature="AMtx7mjx3mAB8stEVjLdcFGS6dMkjVa2Ew=="/>
     </p:ext>
   </p:extLst>
 </p:presentation>
@@ -1022,6 +1021,128 @@
   <p:cSld>
     <p:spTree>
       <p:nvGrpSpPr>
+        <p:cNvPr id="1" name="Shape 205"/>
+        <p:cNvGrpSpPr/>
+        <p:nvPr/>
+      </p:nvGrpSpPr>
+      <p:grpSpPr>
+        <a:xfrm>
+          <a:off x="0" y="0"/>
+          <a:ext cx="0" cy="0"/>
+          <a:chOff x="0" y="0"/>
+          <a:chExt cx="0" cy="0"/>
+        </a:xfrm>
+      </p:grpSpPr>
+      <p:sp>
+        <p:nvSpPr>
+          <p:cNvPr id="206" name="Google Shape;206;p9:notes"/>
+          <p:cNvSpPr>
+            <a:spLocks noGrp="1" noRot="1" noChangeAspect="1"/>
+          </p:cNvSpPr>
+          <p:nvPr>
+            <p:ph type="sldImg" idx="2"/>
+          </p:nvPr>
+        </p:nvSpPr>
+        <p:spPr>
+          <a:xfrm>
+            <a:off x="381300" y="685800"/>
+            <a:ext cx="6096000" cy="3429000"/>
+          </a:xfrm>
+          <a:custGeom>
+            <a:avLst/>
+            <a:gdLst/>
+            <a:ahLst/>
+            <a:cxnLst/>
+            <a:rect l="l" t="t" r="r" b="b"/>
+            <a:pathLst>
+              <a:path w="120000" h="120000" extrusionOk="0">
+                <a:moveTo>
+                  <a:pt x="0" y="0"/>
+                </a:moveTo>
+                <a:lnTo>
+                  <a:pt x="120000" y="0"/>
+                </a:lnTo>
+                <a:lnTo>
+                  <a:pt x="120000" y="120000"/>
+                </a:lnTo>
+                <a:lnTo>
+                  <a:pt x="0" y="120000"/>
+                </a:lnTo>
+                <a:close/>
+              </a:path>
+            </a:pathLst>
+          </a:custGeom>
+          <a:noFill/>
+          <a:ln w="9525" cap="flat" cmpd="sng">
+            <a:solidFill>
+              <a:srgbClr val="000000"/>
+            </a:solidFill>
+            <a:prstDash val="solid"/>
+            <a:round/>
+            <a:headEnd type="none" w="sm" len="sm"/>
+            <a:tailEnd type="none" w="sm" len="sm"/>
+          </a:ln>
+        </p:spPr>
+      </p:sp>
+      <p:sp>
+        <p:nvSpPr>
+          <p:cNvPr id="207" name="Google Shape;207;p9:notes"/>
+          <p:cNvSpPr txBox="1">
+            <a:spLocks noGrp="1"/>
+          </p:cNvSpPr>
+          <p:nvPr>
+            <p:ph type="body" idx="1"/>
+          </p:nvPr>
+        </p:nvSpPr>
+        <p:spPr>
+          <a:xfrm>
+            <a:off x="685800" y="4343400"/>
+            <a:ext cx="5486400" cy="4114800"/>
+          </a:xfrm>
+          <a:prstGeom prst="rect">
+            <a:avLst/>
+          </a:prstGeom>
+          <a:noFill/>
+          <a:ln>
+            <a:noFill/>
+          </a:ln>
+        </p:spPr>
+        <p:txBody>
+          <a:bodyPr spcFirstLastPara="1" wrap="square" lIns="91425" tIns="91425" rIns="91425" bIns="91425" anchor="t" anchorCtr="0">
+            <a:noAutofit/>
+          </a:bodyPr>
+          <a:lstStyle/>
+          <a:p>
+            <a:pPr marL="0" lvl="0" indent="0" algn="l" rtl="0">
+              <a:lnSpc>
+                <a:spcPct val="100000"/>
+              </a:lnSpc>
+              <a:spcBef>
+                <a:spcPts val="0"/>
+              </a:spcBef>
+              <a:spcAft>
+                <a:spcPts val="0"/>
+              </a:spcAft>
+              <a:buSzPts val="1100"/>
+              <a:buNone/>
+            </a:pPr>
+            <a:endParaRPr/>
+          </a:p>
+        </p:txBody>
+      </p:sp>
+    </p:spTree>
+  </p:cSld>
+  <p:clrMapOvr>
+    <a:masterClrMapping/>
+  </p:clrMapOvr>
+</p:notes>
+</file>
+
+<file path=ppt/notesSlides/notesSlide11.xml><?xml version="1.0" encoding="utf-8"?>
+<p:notes xmlns:a="http://schemas.openxmlformats.org/drawingml/2006/main" xmlns:r="http://schemas.openxmlformats.org/officeDocument/2006/relationships" xmlns:p="http://schemas.openxmlformats.org/presentationml/2006/main" showMasterSp="0" showMasterPhAnim="0">
+  <p:cSld>
+    <p:spTree>
+      <p:nvGrpSpPr>
         <p:cNvPr id="1" name="Shape 217"/>
         <p:cNvGrpSpPr/>
         <p:nvPr/>
@@ -1046,7 +1167,7 @@
         </p:nvSpPr>
         <p:spPr>
           <a:xfrm>
-            <a:off x="381300" y="685800"/>
+            <a:off x="381000" y="685800"/>
             <a:ext cx="6096000" cy="3429000"/>
           </a:xfrm>
           <a:custGeom>
@@ -1139,7 +1260,7 @@
 </p:notes>
 </file>
 
-<file path=ppt/notesSlides/notesSlide11.xml><?xml version="1.0" encoding="utf-8"?>
+<file path=ppt/notesSlides/notesSlide12.xml><?xml version="1.0" encoding="utf-8"?>
 <p:notes xmlns:a="http://schemas.openxmlformats.org/drawingml/2006/main" xmlns:r="http://schemas.openxmlformats.org/officeDocument/2006/relationships" xmlns:p="http://schemas.openxmlformats.org/presentationml/2006/main" showMasterSp="0" showMasterPhAnim="0">
   <p:cSld>
     <p:spTree>
@@ -1261,7 +1382,7 @@
 </p:notes>
 </file>
 
-<file path=ppt/notesSlides/notesSlide12.xml><?xml version="1.0" encoding="utf-8"?>
+<file path=ppt/notesSlides/notesSlide13.xml><?xml version="1.0" encoding="utf-8"?>
 <p:notes xmlns:a="http://schemas.openxmlformats.org/drawingml/2006/main" xmlns:r="http://schemas.openxmlformats.org/officeDocument/2006/relationships" xmlns:p="http://schemas.openxmlformats.org/presentationml/2006/main" showMasterSp="0" showMasterPhAnim="0">
   <p:cSld>
     <p:spTree>
@@ -1281,128 +1402,6 @@
       <p:sp>
         <p:nvSpPr>
           <p:cNvPr id="232" name="Google Shape;232;p12:notes"/>
-          <p:cNvSpPr>
-            <a:spLocks noGrp="1" noRot="1" noChangeAspect="1"/>
-          </p:cNvSpPr>
-          <p:nvPr>
-            <p:ph type="sldImg" idx="2"/>
-          </p:nvPr>
-        </p:nvSpPr>
-        <p:spPr>
-          <a:xfrm>
-            <a:off x="381300" y="685800"/>
-            <a:ext cx="6096000" cy="3429000"/>
-          </a:xfrm>
-          <a:custGeom>
-            <a:avLst/>
-            <a:gdLst/>
-            <a:ahLst/>
-            <a:cxnLst/>
-            <a:rect l="l" t="t" r="r" b="b"/>
-            <a:pathLst>
-              <a:path w="120000" h="120000" extrusionOk="0">
-                <a:moveTo>
-                  <a:pt x="0" y="0"/>
-                </a:moveTo>
-                <a:lnTo>
-                  <a:pt x="120000" y="0"/>
-                </a:lnTo>
-                <a:lnTo>
-                  <a:pt x="120000" y="120000"/>
-                </a:lnTo>
-                <a:lnTo>
-                  <a:pt x="0" y="120000"/>
-                </a:lnTo>
-                <a:close/>
-              </a:path>
-            </a:pathLst>
-          </a:custGeom>
-          <a:noFill/>
-          <a:ln w="9525" cap="flat" cmpd="sng">
-            <a:solidFill>
-              <a:srgbClr val="000000"/>
-            </a:solidFill>
-            <a:prstDash val="solid"/>
-            <a:round/>
-            <a:headEnd type="none" w="sm" len="sm"/>
-            <a:tailEnd type="none" w="sm" len="sm"/>
-          </a:ln>
-        </p:spPr>
-      </p:sp>
-      <p:sp>
-        <p:nvSpPr>
-          <p:cNvPr id="233" name="Google Shape;233;p12:notes"/>
-          <p:cNvSpPr txBox="1">
-            <a:spLocks noGrp="1"/>
-          </p:cNvSpPr>
-          <p:nvPr>
-            <p:ph type="body" idx="1"/>
-          </p:nvPr>
-        </p:nvSpPr>
-        <p:spPr>
-          <a:xfrm>
-            <a:off x="685800" y="4343400"/>
-            <a:ext cx="5486400" cy="4114800"/>
-          </a:xfrm>
-          <a:prstGeom prst="rect">
-            <a:avLst/>
-          </a:prstGeom>
-          <a:noFill/>
-          <a:ln>
-            <a:noFill/>
-          </a:ln>
-        </p:spPr>
-        <p:txBody>
-          <a:bodyPr spcFirstLastPara="1" wrap="square" lIns="91425" tIns="91425" rIns="91425" bIns="91425" anchor="t" anchorCtr="0">
-            <a:noAutofit/>
-          </a:bodyPr>
-          <a:lstStyle/>
-          <a:p>
-            <a:pPr marL="0" lvl="0" indent="0" algn="l" rtl="0">
-              <a:lnSpc>
-                <a:spcPct val="100000"/>
-              </a:lnSpc>
-              <a:spcBef>
-                <a:spcPts val="0"/>
-              </a:spcBef>
-              <a:spcAft>
-                <a:spcPts val="0"/>
-              </a:spcAft>
-              <a:buSzPts val="1100"/>
-              <a:buNone/>
-            </a:pPr>
-            <a:endParaRPr/>
-          </a:p>
-        </p:txBody>
-      </p:sp>
-    </p:spTree>
-  </p:cSld>
-  <p:clrMapOvr>
-    <a:masterClrMapping/>
-  </p:clrMapOvr>
-</p:notes>
-</file>
-
-<file path=ppt/notesSlides/notesSlide13.xml><?xml version="1.0" encoding="utf-8"?>
-<p:notes xmlns:a="http://schemas.openxmlformats.org/drawingml/2006/main" xmlns:r="http://schemas.openxmlformats.org/officeDocument/2006/relationships" xmlns:p="http://schemas.openxmlformats.org/presentationml/2006/main" showMasterSp="0" showMasterPhAnim="0">
-  <p:cSld>
-    <p:spTree>
-      <p:nvGrpSpPr>
-        <p:cNvPr id="1" name="Shape 243"/>
-        <p:cNvGrpSpPr/>
-        <p:nvPr/>
-      </p:nvGrpSpPr>
-      <p:grpSpPr>
-        <a:xfrm>
-          <a:off x="0" y="0"/>
-          <a:ext cx="0" cy="0"/>
-          <a:chOff x="0" y="0"/>
-          <a:chExt cx="0" cy="0"/>
-        </a:xfrm>
-      </p:grpSpPr>
-      <p:sp>
-        <p:nvSpPr>
-          <p:cNvPr id="244" name="Google Shape;244;p13:notes"/>
           <p:cNvSpPr>
             <a:spLocks noGrp="1" noRot="1" noChangeAspect="1"/>
           </p:cNvSpPr>
@@ -1453,7 +1452,7 @@
       </p:sp>
       <p:sp>
         <p:nvSpPr>
-          <p:cNvPr id="245" name="Google Shape;245;p13:notes"/>
+          <p:cNvPr id="233" name="Google Shape;233;p12:notes"/>
           <p:cNvSpPr txBox="1">
             <a:spLocks noGrp="1"/>
           </p:cNvSpPr>
@@ -1656,7 +1655,7 @@
         </p:nvSpPr>
         <p:spPr>
           <a:xfrm>
-            <a:off x="381300" y="685800"/>
+            <a:off x="381000" y="685800"/>
             <a:ext cx="6096000" cy="3429000"/>
           </a:xfrm>
           <a:custGeom>
@@ -1876,128 +1875,6 @@
   <p:cSld>
     <p:spTree>
       <p:nvGrpSpPr>
-        <p:cNvPr id="1" name="Shape 277"/>
-        <p:cNvGrpSpPr/>
-        <p:nvPr/>
-      </p:nvGrpSpPr>
-      <p:grpSpPr>
-        <a:xfrm>
-          <a:off x="0" y="0"/>
-          <a:ext cx="0" cy="0"/>
-          <a:chOff x="0" y="0"/>
-          <a:chExt cx="0" cy="0"/>
-        </a:xfrm>
-      </p:grpSpPr>
-      <p:sp>
-        <p:nvSpPr>
-          <p:cNvPr id="278" name="Google Shape;278;p17:notes"/>
-          <p:cNvSpPr>
-            <a:spLocks noGrp="1" noRot="1" noChangeAspect="1"/>
-          </p:cNvSpPr>
-          <p:nvPr>
-            <p:ph type="sldImg" idx="2"/>
-          </p:nvPr>
-        </p:nvSpPr>
-        <p:spPr>
-          <a:xfrm>
-            <a:off x="381300" y="685800"/>
-            <a:ext cx="6096000" cy="3429000"/>
-          </a:xfrm>
-          <a:custGeom>
-            <a:avLst/>
-            <a:gdLst/>
-            <a:ahLst/>
-            <a:cxnLst/>
-            <a:rect l="l" t="t" r="r" b="b"/>
-            <a:pathLst>
-              <a:path w="120000" h="120000" extrusionOk="0">
-                <a:moveTo>
-                  <a:pt x="0" y="0"/>
-                </a:moveTo>
-                <a:lnTo>
-                  <a:pt x="120000" y="0"/>
-                </a:lnTo>
-                <a:lnTo>
-                  <a:pt x="120000" y="120000"/>
-                </a:lnTo>
-                <a:lnTo>
-                  <a:pt x="0" y="120000"/>
-                </a:lnTo>
-                <a:close/>
-              </a:path>
-            </a:pathLst>
-          </a:custGeom>
-          <a:noFill/>
-          <a:ln w="9525" cap="flat" cmpd="sng">
-            <a:solidFill>
-              <a:srgbClr val="000000"/>
-            </a:solidFill>
-            <a:prstDash val="solid"/>
-            <a:round/>
-            <a:headEnd type="none" w="sm" len="sm"/>
-            <a:tailEnd type="none" w="sm" len="sm"/>
-          </a:ln>
-        </p:spPr>
-      </p:sp>
-      <p:sp>
-        <p:nvSpPr>
-          <p:cNvPr id="279" name="Google Shape;279;p17:notes"/>
-          <p:cNvSpPr txBox="1">
-            <a:spLocks noGrp="1"/>
-          </p:cNvSpPr>
-          <p:nvPr>
-            <p:ph type="body" idx="1"/>
-          </p:nvPr>
-        </p:nvSpPr>
-        <p:spPr>
-          <a:xfrm>
-            <a:off x="685800" y="4343400"/>
-            <a:ext cx="5486400" cy="4114800"/>
-          </a:xfrm>
-          <a:prstGeom prst="rect">
-            <a:avLst/>
-          </a:prstGeom>
-          <a:noFill/>
-          <a:ln>
-            <a:noFill/>
-          </a:ln>
-        </p:spPr>
-        <p:txBody>
-          <a:bodyPr spcFirstLastPara="1" wrap="square" lIns="91425" tIns="91425" rIns="91425" bIns="91425" anchor="t" anchorCtr="0">
-            <a:noAutofit/>
-          </a:bodyPr>
-          <a:lstStyle/>
-          <a:p>
-            <a:pPr marL="0" lvl="0" indent="0" algn="l" rtl="0">
-              <a:lnSpc>
-                <a:spcPct val="100000"/>
-              </a:lnSpc>
-              <a:spcBef>
-                <a:spcPts val="0"/>
-              </a:spcBef>
-              <a:spcAft>
-                <a:spcPts val="0"/>
-              </a:spcAft>
-              <a:buSzPts val="1100"/>
-              <a:buNone/>
-            </a:pPr>
-            <a:endParaRPr/>
-          </a:p>
-        </p:txBody>
-      </p:sp>
-    </p:spTree>
-  </p:cSld>
-  <p:clrMapOvr>
-    <a:masterClrMapping/>
-  </p:clrMapOvr>
-</p:notes>
-</file>
-
-<file path=ppt/notesSlides/notesSlide18.xml><?xml version="1.0" encoding="utf-8"?>
-<p:notes xmlns:a="http://schemas.openxmlformats.org/drawingml/2006/main" xmlns:r="http://schemas.openxmlformats.org/officeDocument/2006/relationships" xmlns:p="http://schemas.openxmlformats.org/presentationml/2006/main" showMasterSp="0" showMasterPhAnim="0">
-  <p:cSld>
-    <p:spTree>
-      <p:nvGrpSpPr>
         <p:cNvPr id="1" name="Shape 291"/>
         <p:cNvGrpSpPr/>
         <p:nvPr/>
@@ -2115,7 +1992,7 @@
 </p:notes>
 </file>
 
-<file path=ppt/notesSlides/notesSlide19.xml><?xml version="1.0" encoding="utf-8"?>
+<file path=ppt/notesSlides/notesSlide18.xml><?xml version="1.0" encoding="utf-8"?>
 <p:notes xmlns:a="http://schemas.openxmlformats.org/drawingml/2006/main" xmlns:r="http://schemas.openxmlformats.org/officeDocument/2006/relationships" xmlns:p="http://schemas.openxmlformats.org/presentationml/2006/main" showMasterSp="0" showMasterPhAnim="0">
   <p:cSld>
     <p:spTree>
@@ -2237,129 +2114,7 @@
 </p:notes>
 </file>
 
-<file path=ppt/notesSlides/notesSlide2.xml><?xml version="1.0" encoding="utf-8"?>
-<p:notes xmlns:a="http://schemas.openxmlformats.org/drawingml/2006/main" xmlns:r="http://schemas.openxmlformats.org/officeDocument/2006/relationships" xmlns:p="http://schemas.openxmlformats.org/presentationml/2006/main" showMasterSp="0" showMasterPhAnim="0">
-  <p:cSld>
-    <p:spTree>
-      <p:nvGrpSpPr>
-        <p:cNvPr id="1" name="Shape 136"/>
-        <p:cNvGrpSpPr/>
-        <p:nvPr/>
-      </p:nvGrpSpPr>
-      <p:grpSpPr>
-        <a:xfrm>
-          <a:off x="0" y="0"/>
-          <a:ext cx="0" cy="0"/>
-          <a:chOff x="0" y="0"/>
-          <a:chExt cx="0" cy="0"/>
-        </a:xfrm>
-      </p:grpSpPr>
-      <p:sp>
-        <p:nvSpPr>
-          <p:cNvPr id="137" name="Google Shape;137;p2:notes"/>
-          <p:cNvSpPr>
-            <a:spLocks noGrp="1" noRot="1" noChangeAspect="1"/>
-          </p:cNvSpPr>
-          <p:nvPr>
-            <p:ph type="sldImg" idx="2"/>
-          </p:nvPr>
-        </p:nvSpPr>
-        <p:spPr>
-          <a:xfrm>
-            <a:off x="381300" y="685800"/>
-            <a:ext cx="6096000" cy="3429000"/>
-          </a:xfrm>
-          <a:custGeom>
-            <a:avLst/>
-            <a:gdLst/>
-            <a:ahLst/>
-            <a:cxnLst/>
-            <a:rect l="l" t="t" r="r" b="b"/>
-            <a:pathLst>
-              <a:path w="120000" h="120000" extrusionOk="0">
-                <a:moveTo>
-                  <a:pt x="0" y="0"/>
-                </a:moveTo>
-                <a:lnTo>
-                  <a:pt x="120000" y="0"/>
-                </a:lnTo>
-                <a:lnTo>
-                  <a:pt x="120000" y="120000"/>
-                </a:lnTo>
-                <a:lnTo>
-                  <a:pt x="0" y="120000"/>
-                </a:lnTo>
-                <a:close/>
-              </a:path>
-            </a:pathLst>
-          </a:custGeom>
-          <a:noFill/>
-          <a:ln w="9525" cap="flat" cmpd="sng">
-            <a:solidFill>
-              <a:srgbClr val="000000"/>
-            </a:solidFill>
-            <a:prstDash val="solid"/>
-            <a:round/>
-            <a:headEnd type="none" w="sm" len="sm"/>
-            <a:tailEnd type="none" w="sm" len="sm"/>
-          </a:ln>
-        </p:spPr>
-      </p:sp>
-      <p:sp>
-        <p:nvSpPr>
-          <p:cNvPr id="138" name="Google Shape;138;p2:notes"/>
-          <p:cNvSpPr txBox="1">
-            <a:spLocks noGrp="1"/>
-          </p:cNvSpPr>
-          <p:nvPr>
-            <p:ph type="body" idx="1"/>
-          </p:nvPr>
-        </p:nvSpPr>
-        <p:spPr>
-          <a:xfrm>
-            <a:off x="685800" y="4343400"/>
-            <a:ext cx="5486400" cy="4114800"/>
-          </a:xfrm>
-          <a:prstGeom prst="rect">
-            <a:avLst/>
-          </a:prstGeom>
-          <a:noFill/>
-          <a:ln>
-            <a:noFill/>
-          </a:ln>
-        </p:spPr>
-        <p:txBody>
-          <a:bodyPr spcFirstLastPara="1" wrap="square" lIns="91425" tIns="91425" rIns="91425" bIns="91425" anchor="t" anchorCtr="0">
-            <a:noAutofit/>
-          </a:bodyPr>
-          <a:lstStyle/>
-          <a:p>
-            <a:pPr marL="0" lvl="0" indent="0" algn="l" rtl="0">
-              <a:lnSpc>
-                <a:spcPct val="100000"/>
-              </a:lnSpc>
-              <a:spcBef>
-                <a:spcPts val="0"/>
-              </a:spcBef>
-              <a:spcAft>
-                <a:spcPts val="0"/>
-              </a:spcAft>
-              <a:buSzPts val="1100"/>
-              <a:buNone/>
-            </a:pPr>
-            <a:endParaRPr/>
-          </a:p>
-        </p:txBody>
-      </p:sp>
-    </p:spTree>
-  </p:cSld>
-  <p:clrMapOvr>
-    <a:masterClrMapping/>
-  </p:clrMapOvr>
-</p:notes>
-</file>
-
-<file path=ppt/notesSlides/notesSlide20.xml><?xml version="1.0" encoding="utf-8"?>
+<file path=ppt/notesSlides/notesSlide19.xml><?xml version="1.0" encoding="utf-8"?>
 <p:notes xmlns:a="http://schemas.openxmlformats.org/drawingml/2006/main" xmlns:r="http://schemas.openxmlformats.org/officeDocument/2006/relationships" xmlns:p="http://schemas.openxmlformats.org/presentationml/2006/main" showMasterSp="0" showMasterPhAnim="0">
   <p:cSld>
     <p:spTree>
@@ -2481,7 +2236,129 @@
 </p:notes>
 </file>
 
-<file path=ppt/notesSlides/notesSlide21.xml><?xml version="1.0" encoding="utf-8"?>
+<file path=ppt/notesSlides/notesSlide2.xml><?xml version="1.0" encoding="utf-8"?>
+<p:notes xmlns:a="http://schemas.openxmlformats.org/drawingml/2006/main" xmlns:r="http://schemas.openxmlformats.org/officeDocument/2006/relationships" xmlns:p="http://schemas.openxmlformats.org/presentationml/2006/main" showMasterSp="0" showMasterPhAnim="0">
+  <p:cSld>
+    <p:spTree>
+      <p:nvGrpSpPr>
+        <p:cNvPr id="1" name="Shape 277"/>
+        <p:cNvGrpSpPr/>
+        <p:nvPr/>
+      </p:nvGrpSpPr>
+      <p:grpSpPr>
+        <a:xfrm>
+          <a:off x="0" y="0"/>
+          <a:ext cx="0" cy="0"/>
+          <a:chOff x="0" y="0"/>
+          <a:chExt cx="0" cy="0"/>
+        </a:xfrm>
+      </p:grpSpPr>
+      <p:sp>
+        <p:nvSpPr>
+          <p:cNvPr id="278" name="Google Shape;278;p17:notes"/>
+          <p:cNvSpPr>
+            <a:spLocks noGrp="1" noRot="1" noChangeAspect="1"/>
+          </p:cNvSpPr>
+          <p:nvPr>
+            <p:ph type="sldImg" idx="2"/>
+          </p:nvPr>
+        </p:nvSpPr>
+        <p:spPr>
+          <a:xfrm>
+            <a:off x="381300" y="685800"/>
+            <a:ext cx="6096000" cy="3429000"/>
+          </a:xfrm>
+          <a:custGeom>
+            <a:avLst/>
+            <a:gdLst/>
+            <a:ahLst/>
+            <a:cxnLst/>
+            <a:rect l="l" t="t" r="r" b="b"/>
+            <a:pathLst>
+              <a:path w="120000" h="120000" extrusionOk="0">
+                <a:moveTo>
+                  <a:pt x="0" y="0"/>
+                </a:moveTo>
+                <a:lnTo>
+                  <a:pt x="120000" y="0"/>
+                </a:lnTo>
+                <a:lnTo>
+                  <a:pt x="120000" y="120000"/>
+                </a:lnTo>
+                <a:lnTo>
+                  <a:pt x="0" y="120000"/>
+                </a:lnTo>
+                <a:close/>
+              </a:path>
+            </a:pathLst>
+          </a:custGeom>
+          <a:noFill/>
+          <a:ln w="9525" cap="flat" cmpd="sng">
+            <a:solidFill>
+              <a:srgbClr val="000000"/>
+            </a:solidFill>
+            <a:prstDash val="solid"/>
+            <a:round/>
+            <a:headEnd type="none" w="sm" len="sm"/>
+            <a:tailEnd type="none" w="sm" len="sm"/>
+          </a:ln>
+        </p:spPr>
+      </p:sp>
+      <p:sp>
+        <p:nvSpPr>
+          <p:cNvPr id="279" name="Google Shape;279;p17:notes"/>
+          <p:cNvSpPr txBox="1">
+            <a:spLocks noGrp="1"/>
+          </p:cNvSpPr>
+          <p:nvPr>
+            <p:ph type="body" idx="1"/>
+          </p:nvPr>
+        </p:nvSpPr>
+        <p:spPr>
+          <a:xfrm>
+            <a:off x="685800" y="4343400"/>
+            <a:ext cx="5486400" cy="4114800"/>
+          </a:xfrm>
+          <a:prstGeom prst="rect">
+            <a:avLst/>
+          </a:prstGeom>
+          <a:noFill/>
+          <a:ln>
+            <a:noFill/>
+          </a:ln>
+        </p:spPr>
+        <p:txBody>
+          <a:bodyPr spcFirstLastPara="1" wrap="square" lIns="91425" tIns="91425" rIns="91425" bIns="91425" anchor="t" anchorCtr="0">
+            <a:noAutofit/>
+          </a:bodyPr>
+          <a:lstStyle/>
+          <a:p>
+            <a:pPr marL="0" lvl="0" indent="0" algn="l" rtl="0">
+              <a:lnSpc>
+                <a:spcPct val="100000"/>
+              </a:lnSpc>
+              <a:spcBef>
+                <a:spcPts val="0"/>
+              </a:spcBef>
+              <a:spcAft>
+                <a:spcPts val="0"/>
+              </a:spcAft>
+              <a:buSzPts val="1100"/>
+              <a:buNone/>
+            </a:pPr>
+            <a:endParaRPr/>
+          </a:p>
+        </p:txBody>
+      </p:sp>
+    </p:spTree>
+  </p:cSld>
+  <p:clrMapOvr>
+    <a:masterClrMapping/>
+  </p:clrMapOvr>
+</p:notes>
+</file>
+
+<file path=ppt/notesSlides/notesSlide20.xml><?xml version="1.0" encoding="utf-8"?>
 <p:notes xmlns:a="http://schemas.openxmlformats.org/drawingml/2006/main" xmlns:r="http://schemas.openxmlformats.org/officeDocument/2006/relationships" xmlns:p="http://schemas.openxmlformats.org/presentationml/2006/main" showMasterSp="0" showMasterPhAnim="0">
   <p:cSld>
     <p:spTree>
@@ -2603,7 +2480,7 @@
 </p:notes>
 </file>
 
-<file path=ppt/notesSlides/notesSlide22.xml><?xml version="1.0" encoding="utf-8"?>
+<file path=ppt/notesSlides/notesSlide21.xml><?xml version="1.0" encoding="utf-8"?>
 <p:notes xmlns:a="http://schemas.openxmlformats.org/drawingml/2006/main" xmlns:r="http://schemas.openxmlformats.org/officeDocument/2006/relationships" xmlns:p="http://schemas.openxmlformats.org/presentationml/2006/main" showMasterSp="0" showMasterPhAnim="0">
   <p:cSld>
     <p:spTree>
@@ -2730,6 +2607,128 @@
   <p:cSld>
     <p:spTree>
       <p:nvGrpSpPr>
+        <p:cNvPr id="1" name="Shape 136"/>
+        <p:cNvGrpSpPr/>
+        <p:nvPr/>
+      </p:nvGrpSpPr>
+      <p:grpSpPr>
+        <a:xfrm>
+          <a:off x="0" y="0"/>
+          <a:ext cx="0" cy="0"/>
+          <a:chOff x="0" y="0"/>
+          <a:chExt cx="0" cy="0"/>
+        </a:xfrm>
+      </p:grpSpPr>
+      <p:sp>
+        <p:nvSpPr>
+          <p:cNvPr id="137" name="Google Shape;137;p2:notes"/>
+          <p:cNvSpPr>
+            <a:spLocks noGrp="1" noRot="1" noChangeAspect="1"/>
+          </p:cNvSpPr>
+          <p:nvPr>
+            <p:ph type="sldImg" idx="2"/>
+          </p:nvPr>
+        </p:nvSpPr>
+        <p:spPr>
+          <a:xfrm>
+            <a:off x="381000" y="685800"/>
+            <a:ext cx="6096000" cy="3429000"/>
+          </a:xfrm>
+          <a:custGeom>
+            <a:avLst/>
+            <a:gdLst/>
+            <a:ahLst/>
+            <a:cxnLst/>
+            <a:rect l="l" t="t" r="r" b="b"/>
+            <a:pathLst>
+              <a:path w="120000" h="120000" extrusionOk="0">
+                <a:moveTo>
+                  <a:pt x="0" y="0"/>
+                </a:moveTo>
+                <a:lnTo>
+                  <a:pt x="120000" y="0"/>
+                </a:lnTo>
+                <a:lnTo>
+                  <a:pt x="120000" y="120000"/>
+                </a:lnTo>
+                <a:lnTo>
+                  <a:pt x="0" y="120000"/>
+                </a:lnTo>
+                <a:close/>
+              </a:path>
+            </a:pathLst>
+          </a:custGeom>
+          <a:noFill/>
+          <a:ln w="9525" cap="flat" cmpd="sng">
+            <a:solidFill>
+              <a:srgbClr val="000000"/>
+            </a:solidFill>
+            <a:prstDash val="solid"/>
+            <a:round/>
+            <a:headEnd type="none" w="sm" len="sm"/>
+            <a:tailEnd type="none" w="sm" len="sm"/>
+          </a:ln>
+        </p:spPr>
+      </p:sp>
+      <p:sp>
+        <p:nvSpPr>
+          <p:cNvPr id="138" name="Google Shape;138;p2:notes"/>
+          <p:cNvSpPr txBox="1">
+            <a:spLocks noGrp="1"/>
+          </p:cNvSpPr>
+          <p:nvPr>
+            <p:ph type="body" idx="1"/>
+          </p:nvPr>
+        </p:nvSpPr>
+        <p:spPr>
+          <a:xfrm>
+            <a:off x="685800" y="4343400"/>
+            <a:ext cx="5486400" cy="4114800"/>
+          </a:xfrm>
+          <a:prstGeom prst="rect">
+            <a:avLst/>
+          </a:prstGeom>
+          <a:noFill/>
+          <a:ln>
+            <a:noFill/>
+          </a:ln>
+        </p:spPr>
+        <p:txBody>
+          <a:bodyPr spcFirstLastPara="1" wrap="square" lIns="91425" tIns="91425" rIns="91425" bIns="91425" anchor="t" anchorCtr="0">
+            <a:noAutofit/>
+          </a:bodyPr>
+          <a:lstStyle/>
+          <a:p>
+            <a:pPr marL="0" lvl="0" indent="0" algn="l" rtl="0">
+              <a:lnSpc>
+                <a:spcPct val="100000"/>
+              </a:lnSpc>
+              <a:spcBef>
+                <a:spcPts val="0"/>
+              </a:spcBef>
+              <a:spcAft>
+                <a:spcPts val="0"/>
+              </a:spcAft>
+              <a:buSzPts val="1100"/>
+              <a:buNone/>
+            </a:pPr>
+            <a:endParaRPr/>
+          </a:p>
+        </p:txBody>
+      </p:sp>
+    </p:spTree>
+  </p:cSld>
+  <p:clrMapOvr>
+    <a:masterClrMapping/>
+  </p:clrMapOvr>
+</p:notes>
+</file>
+
+<file path=ppt/notesSlides/notesSlide4.xml><?xml version="1.0" encoding="utf-8"?>
+<p:notes xmlns:a="http://schemas.openxmlformats.org/drawingml/2006/main" xmlns:r="http://schemas.openxmlformats.org/officeDocument/2006/relationships" xmlns:p="http://schemas.openxmlformats.org/presentationml/2006/main" showMasterSp="0" showMasterPhAnim="0">
+  <p:cSld>
+    <p:spTree>
+      <p:nvGrpSpPr>
         <p:cNvPr id="1" name="Shape 143"/>
         <p:cNvGrpSpPr/>
         <p:nvPr/>
@@ -2847,7 +2846,7 @@
 </p:notes>
 </file>
 
-<file path=ppt/notesSlides/notesSlide4.xml><?xml version="1.0" encoding="utf-8"?>
+<file path=ppt/notesSlides/notesSlide5.xml><?xml version="1.0" encoding="utf-8"?>
 <p:notes xmlns:a="http://schemas.openxmlformats.org/drawingml/2006/main" xmlns:r="http://schemas.openxmlformats.org/officeDocument/2006/relationships" xmlns:p="http://schemas.openxmlformats.org/presentationml/2006/main" showMasterSp="0" showMasterPhAnim="0">
   <p:cSld>
     <p:spTree>
@@ -2876,7 +2875,7 @@
         </p:nvSpPr>
         <p:spPr>
           <a:xfrm>
-            <a:off x="381300" y="685800"/>
+            <a:off x="381000" y="685800"/>
             <a:ext cx="6096000" cy="3429000"/>
           </a:xfrm>
           <a:custGeom>
@@ -2969,7 +2968,7 @@
 </p:notes>
 </file>
 
-<file path=ppt/notesSlides/notesSlide5.xml><?xml version="1.0" encoding="utf-8"?>
+<file path=ppt/notesSlides/notesSlide6.xml><?xml version="1.0" encoding="utf-8"?>
 <p:notes xmlns:a="http://schemas.openxmlformats.org/drawingml/2006/main" xmlns:r="http://schemas.openxmlformats.org/officeDocument/2006/relationships" xmlns:p="http://schemas.openxmlformats.org/presentationml/2006/main" showMasterSp="0" showMasterPhAnim="0">
   <p:cSld>
     <p:spTree>
@@ -3091,7 +3090,7 @@
 </p:notes>
 </file>
 
-<file path=ppt/notesSlides/notesSlide6.xml><?xml version="1.0" encoding="utf-8"?>
+<file path=ppt/notesSlides/notesSlide7.xml><?xml version="1.0" encoding="utf-8"?>
 <p:notes xmlns:a="http://schemas.openxmlformats.org/drawingml/2006/main" xmlns:r="http://schemas.openxmlformats.org/officeDocument/2006/relationships" xmlns:p="http://schemas.openxmlformats.org/presentationml/2006/main" showMasterSp="0" showMasterPhAnim="0">
   <p:cSld>
     <p:spTree>
@@ -3120,7 +3119,7 @@
         </p:nvSpPr>
         <p:spPr>
           <a:xfrm>
-            <a:off x="381300" y="685800"/>
+            <a:off x="381000" y="685800"/>
             <a:ext cx="6096000" cy="3429000"/>
           </a:xfrm>
           <a:custGeom>
@@ -3213,7 +3212,7 @@
 </p:notes>
 </file>
 
-<file path=ppt/notesSlides/notesSlide7.xml><?xml version="1.0" encoding="utf-8"?>
+<file path=ppt/notesSlides/notesSlide8.xml><?xml version="1.0" encoding="utf-8"?>
 <p:notes xmlns:a="http://schemas.openxmlformats.org/drawingml/2006/main" xmlns:r="http://schemas.openxmlformats.org/officeDocument/2006/relationships" xmlns:p="http://schemas.openxmlformats.org/presentationml/2006/main" showMasterSp="0" showMasterPhAnim="0">
   <p:cSld>
     <p:spTree>
@@ -3335,7 +3334,7 @@
 </p:notes>
 </file>
 
-<file path=ppt/notesSlides/notesSlide8.xml><?xml version="1.0" encoding="utf-8"?>
+<file path=ppt/notesSlides/notesSlide9.xml><?xml version="1.0" encoding="utf-8"?>
 <p:notes xmlns:a="http://schemas.openxmlformats.org/drawingml/2006/main" xmlns:r="http://schemas.openxmlformats.org/officeDocument/2006/relationships" xmlns:p="http://schemas.openxmlformats.org/presentationml/2006/main" showMasterSp="0" showMasterPhAnim="0">
   <p:cSld>
     <p:spTree>
@@ -3364,7 +3363,7 @@
         </p:nvSpPr>
         <p:spPr>
           <a:xfrm>
-            <a:off x="381300" y="685800"/>
+            <a:off x="381000" y="685800"/>
             <a:ext cx="6096000" cy="3429000"/>
           </a:xfrm>
           <a:custGeom>
@@ -3406,128 +3405,6 @@
       <p:sp>
         <p:nvSpPr>
           <p:cNvPr id="201" name="Google Shape;201;p8:notes"/>
-          <p:cNvSpPr txBox="1">
-            <a:spLocks noGrp="1"/>
-          </p:cNvSpPr>
-          <p:nvPr>
-            <p:ph type="body" idx="1"/>
-          </p:nvPr>
-        </p:nvSpPr>
-        <p:spPr>
-          <a:xfrm>
-            <a:off x="685800" y="4343400"/>
-            <a:ext cx="5486400" cy="4114800"/>
-          </a:xfrm>
-          <a:prstGeom prst="rect">
-            <a:avLst/>
-          </a:prstGeom>
-          <a:noFill/>
-          <a:ln>
-            <a:noFill/>
-          </a:ln>
-        </p:spPr>
-        <p:txBody>
-          <a:bodyPr spcFirstLastPara="1" wrap="square" lIns="91425" tIns="91425" rIns="91425" bIns="91425" anchor="t" anchorCtr="0">
-            <a:noAutofit/>
-          </a:bodyPr>
-          <a:lstStyle/>
-          <a:p>
-            <a:pPr marL="0" lvl="0" indent="0" algn="l" rtl="0">
-              <a:lnSpc>
-                <a:spcPct val="100000"/>
-              </a:lnSpc>
-              <a:spcBef>
-                <a:spcPts val="0"/>
-              </a:spcBef>
-              <a:spcAft>
-                <a:spcPts val="0"/>
-              </a:spcAft>
-              <a:buSzPts val="1100"/>
-              <a:buNone/>
-            </a:pPr>
-            <a:endParaRPr/>
-          </a:p>
-        </p:txBody>
-      </p:sp>
-    </p:spTree>
-  </p:cSld>
-  <p:clrMapOvr>
-    <a:masterClrMapping/>
-  </p:clrMapOvr>
-</p:notes>
-</file>
-
-<file path=ppt/notesSlides/notesSlide9.xml><?xml version="1.0" encoding="utf-8"?>
-<p:notes xmlns:a="http://schemas.openxmlformats.org/drawingml/2006/main" xmlns:r="http://schemas.openxmlformats.org/officeDocument/2006/relationships" xmlns:p="http://schemas.openxmlformats.org/presentationml/2006/main" showMasterSp="0" showMasterPhAnim="0">
-  <p:cSld>
-    <p:spTree>
-      <p:nvGrpSpPr>
-        <p:cNvPr id="1" name="Shape 205"/>
-        <p:cNvGrpSpPr/>
-        <p:nvPr/>
-      </p:nvGrpSpPr>
-      <p:grpSpPr>
-        <a:xfrm>
-          <a:off x="0" y="0"/>
-          <a:ext cx="0" cy="0"/>
-          <a:chOff x="0" y="0"/>
-          <a:chExt cx="0" cy="0"/>
-        </a:xfrm>
-      </p:grpSpPr>
-      <p:sp>
-        <p:nvSpPr>
-          <p:cNvPr id="206" name="Google Shape;206;p9:notes"/>
-          <p:cNvSpPr>
-            <a:spLocks noGrp="1" noRot="1" noChangeAspect="1"/>
-          </p:cNvSpPr>
-          <p:nvPr>
-            <p:ph type="sldImg" idx="2"/>
-          </p:nvPr>
-        </p:nvSpPr>
-        <p:spPr>
-          <a:xfrm>
-            <a:off x="381300" y="685800"/>
-            <a:ext cx="6096000" cy="3429000"/>
-          </a:xfrm>
-          <a:custGeom>
-            <a:avLst/>
-            <a:gdLst/>
-            <a:ahLst/>
-            <a:cxnLst/>
-            <a:rect l="l" t="t" r="r" b="b"/>
-            <a:pathLst>
-              <a:path w="120000" h="120000" extrusionOk="0">
-                <a:moveTo>
-                  <a:pt x="0" y="0"/>
-                </a:moveTo>
-                <a:lnTo>
-                  <a:pt x="120000" y="0"/>
-                </a:lnTo>
-                <a:lnTo>
-                  <a:pt x="120000" y="120000"/>
-                </a:lnTo>
-                <a:lnTo>
-                  <a:pt x="0" y="120000"/>
-                </a:lnTo>
-                <a:close/>
-              </a:path>
-            </a:pathLst>
-          </a:custGeom>
-          <a:noFill/>
-          <a:ln w="9525" cap="flat" cmpd="sng">
-            <a:solidFill>
-              <a:srgbClr val="000000"/>
-            </a:solidFill>
-            <a:prstDash val="solid"/>
-            <a:round/>
-            <a:headEnd type="none" w="sm" len="sm"/>
-            <a:tailEnd type="none" w="sm" len="sm"/>
-          </a:ln>
-        </p:spPr>
-      </p:sp>
-      <p:sp>
-        <p:nvSpPr>
-          <p:cNvPr id="207" name="Google Shape;207;p9:notes"/>
           <p:cNvSpPr txBox="1">
             <a:spLocks noGrp="1"/>
           </p:cNvSpPr>
@@ -15917,6 +15794,1691 @@
   <p:cSld>
     <p:spTree>
       <p:nvGrpSpPr>
+        <p:cNvPr id="1" name="Shape 208"/>
+        <p:cNvGrpSpPr/>
+        <p:nvPr/>
+      </p:nvGrpSpPr>
+      <p:grpSpPr>
+        <a:xfrm>
+          <a:off x="0" y="0"/>
+          <a:ext cx="0" cy="0"/>
+          <a:chOff x="0" y="0"/>
+          <a:chExt cx="0" cy="0"/>
+        </a:xfrm>
+      </p:grpSpPr>
+      <p:sp>
+        <p:nvSpPr>
+          <p:cNvPr id="209" name="Google Shape;209;p9"/>
+          <p:cNvSpPr txBox="1">
+            <a:spLocks noGrp="1"/>
+          </p:cNvSpPr>
+          <p:nvPr>
+            <p:ph type="title"/>
+          </p:nvPr>
+        </p:nvSpPr>
+        <p:spPr>
+          <a:xfrm>
+            <a:off x="1297500" y="393750"/>
+            <a:ext cx="7038900" cy="914100"/>
+          </a:xfrm>
+          <a:prstGeom prst="rect">
+            <a:avLst/>
+          </a:prstGeom>
+          <a:noFill/>
+          <a:ln>
+            <a:noFill/>
+          </a:ln>
+        </p:spPr>
+        <p:txBody>
+          <a:bodyPr spcFirstLastPara="1" wrap="square" lIns="91425" tIns="91425" rIns="91425" bIns="91425" anchor="t" anchorCtr="0">
+            <a:normAutofit/>
+          </a:bodyPr>
+          <a:lstStyle/>
+          <a:p>
+            <a:pPr marL="0" lvl="0" indent="0" algn="l" rtl="0">
+              <a:lnSpc>
+                <a:spcPct val="100000"/>
+              </a:lnSpc>
+              <a:spcBef>
+                <a:spcPts val="0"/>
+              </a:spcBef>
+              <a:spcAft>
+                <a:spcPts val="0"/>
+              </a:spcAft>
+              <a:buSzPts val="2400"/>
+              <a:buNone/>
+            </a:pPr>
+            <a:r>
+              <a:rPr lang="en" b="1">
+                <a:solidFill>
+                  <a:schemeClr val="dk1"/>
+                </a:solidFill>
+              </a:rPr>
+              <a:t>Transpose matrix</a:t>
+            </a:r>
+            <a:endParaRPr b="1">
+              <a:solidFill>
+                <a:schemeClr val="dk1"/>
+              </a:solidFill>
+            </a:endParaRPr>
+          </a:p>
+        </p:txBody>
+      </p:sp>
+      <p:graphicFrame>
+        <p:nvGraphicFramePr>
+          <p:cNvPr id="210" name="Google Shape;210;p9"/>
+          <p:cNvGraphicFramePr/>
+          <p:nvPr/>
+        </p:nvGraphicFramePr>
+        <p:xfrm>
+          <a:off x="6860700" y="1914225"/>
+          <a:ext cx="1649450" cy="1915525"/>
+        </p:xfrm>
+        <a:graphic>
+          <a:graphicData uri="http://schemas.openxmlformats.org/drawingml/2006/table">
+            <a:tbl>
+              <a:tblPr>
+                <a:noFill/>
+                <a:tableStyleId>{B1467741-9774-427B-8A85-8F639238AC20}</a:tableStyleId>
+              </a:tblPr>
+              <a:tblGrid>
+                <a:gridCol w="824725"/>
+                <a:gridCol w="824725"/>
+              </a:tblGrid>
+              <a:tr h="630125">
+                <a:tc>
+                  <a:txBody>
+                    <a:bodyPr/>
+                    <a:lstStyle/>
+                    <a:p>
+                      <a:pPr marL="0" marR="0" lvl="0" indent="0" algn="ctr" rtl="0">
+                        <a:lnSpc>
+                          <a:spcPct val="100000"/>
+                        </a:lnSpc>
+                        <a:spcBef>
+                          <a:spcPts val="0"/>
+                        </a:spcBef>
+                        <a:spcAft>
+                          <a:spcPts val="0"/>
+                        </a:spcAft>
+                        <a:buClr>
+                          <a:srgbClr val="000000"/>
+                        </a:buClr>
+                        <a:buSzPts val="1400"/>
+                        <a:buFont typeface="Arial"/>
+                        <a:buNone/>
+                      </a:pPr>
+                      <a:r>
+                        <a:rPr lang="en" sz="1400" u="none" strike="noStrike" cap="none">
+                          <a:solidFill>
+                            <a:schemeClr val="dk1"/>
+                          </a:solidFill>
+                        </a:rPr>
+                        <a:t>a</a:t>
+                      </a:r>
+                      <a:endParaRPr sz="1400" u="none" strike="noStrike" cap="none">
+                        <a:solidFill>
+                          <a:schemeClr val="dk1"/>
+                        </a:solidFill>
+                      </a:endParaRPr>
+                    </a:p>
+                  </a:txBody>
+                  <a:tcPr marL="91425" marR="91425" marT="91425" marB="91425">
+                    <a:lnL w="9525" cap="flat" cmpd="sng">
+                      <a:solidFill>
+                        <a:schemeClr val="dk1"/>
+                      </a:solidFill>
+                      <a:prstDash val="solid"/>
+                      <a:round/>
+                      <a:headEnd type="none" w="sm" len="sm"/>
+                      <a:tailEnd type="none" w="sm" len="sm"/>
+                    </a:lnL>
+                    <a:lnR w="9525" cap="flat" cmpd="sng">
+                      <a:solidFill>
+                        <a:schemeClr val="dk1"/>
+                      </a:solidFill>
+                      <a:prstDash val="solid"/>
+                      <a:round/>
+                      <a:headEnd type="none" w="sm" len="sm"/>
+                      <a:tailEnd type="none" w="sm" len="sm"/>
+                    </a:lnR>
+                    <a:lnT w="9525" cap="flat" cmpd="sng">
+                      <a:solidFill>
+                        <a:schemeClr val="dk1"/>
+                      </a:solidFill>
+                      <a:prstDash val="solid"/>
+                      <a:round/>
+                      <a:headEnd type="none" w="sm" len="sm"/>
+                      <a:tailEnd type="none" w="sm" len="sm"/>
+                    </a:lnT>
+                    <a:lnB w="9525" cap="flat" cmpd="sng">
+                      <a:solidFill>
+                        <a:schemeClr val="dk1"/>
+                      </a:solidFill>
+                      <a:prstDash val="solid"/>
+                      <a:round/>
+                      <a:headEnd type="none" w="sm" len="sm"/>
+                      <a:tailEnd type="none" w="sm" len="sm"/>
+                    </a:lnB>
+                  </a:tcPr>
+                </a:tc>
+                <a:tc>
+                  <a:txBody>
+                    <a:bodyPr/>
+                    <a:lstStyle/>
+                    <a:p>
+                      <a:pPr marL="0" marR="0" lvl="0" indent="0" algn="ctr" rtl="0">
+                        <a:lnSpc>
+                          <a:spcPct val="100000"/>
+                        </a:lnSpc>
+                        <a:spcBef>
+                          <a:spcPts val="0"/>
+                        </a:spcBef>
+                        <a:spcAft>
+                          <a:spcPts val="0"/>
+                        </a:spcAft>
+                        <a:buClr>
+                          <a:srgbClr val="000000"/>
+                        </a:buClr>
+                        <a:buSzPts val="1400"/>
+                        <a:buFont typeface="Arial"/>
+                        <a:buNone/>
+                      </a:pPr>
+                      <a:r>
+                        <a:rPr lang="en" sz="1400" u="none" strike="noStrike" cap="none">
+                          <a:solidFill>
+                            <a:schemeClr val="dk1"/>
+                          </a:solidFill>
+                        </a:rPr>
+                        <a:t>b</a:t>
+                      </a:r>
+                      <a:endParaRPr sz="1400" u="none" strike="noStrike" cap="none">
+                        <a:solidFill>
+                          <a:schemeClr val="dk1"/>
+                        </a:solidFill>
+                      </a:endParaRPr>
+                    </a:p>
+                  </a:txBody>
+                  <a:tcPr marL="91425" marR="91425" marT="91425" marB="91425">
+                    <a:lnL w="9525" cap="flat" cmpd="sng">
+                      <a:solidFill>
+                        <a:schemeClr val="dk1"/>
+                      </a:solidFill>
+                      <a:prstDash val="solid"/>
+                      <a:round/>
+                      <a:headEnd type="none" w="sm" len="sm"/>
+                      <a:tailEnd type="none" w="sm" len="sm"/>
+                    </a:lnL>
+                    <a:lnR w="9525" cap="flat" cmpd="sng">
+                      <a:solidFill>
+                        <a:schemeClr val="dk1"/>
+                      </a:solidFill>
+                      <a:prstDash val="solid"/>
+                      <a:round/>
+                      <a:headEnd type="none" w="sm" len="sm"/>
+                      <a:tailEnd type="none" w="sm" len="sm"/>
+                    </a:lnR>
+                    <a:lnT w="9525" cap="flat" cmpd="sng">
+                      <a:solidFill>
+                        <a:schemeClr val="dk1"/>
+                      </a:solidFill>
+                      <a:prstDash val="solid"/>
+                      <a:round/>
+                      <a:headEnd type="none" w="sm" len="sm"/>
+                      <a:tailEnd type="none" w="sm" len="sm"/>
+                    </a:lnT>
+                    <a:lnB w="9525" cap="flat" cmpd="sng">
+                      <a:solidFill>
+                        <a:schemeClr val="dk1"/>
+                      </a:solidFill>
+                      <a:prstDash val="solid"/>
+                      <a:round/>
+                      <a:headEnd type="none" w="sm" len="sm"/>
+                      <a:tailEnd type="none" w="sm" len="sm"/>
+                    </a:lnB>
+                  </a:tcPr>
+                </a:tc>
+              </a:tr>
+              <a:tr h="655275">
+                <a:tc>
+                  <a:txBody>
+                    <a:bodyPr/>
+                    <a:lstStyle/>
+                    <a:p>
+                      <a:pPr marL="0" marR="0" lvl="0" indent="0" algn="ctr" rtl="0">
+                        <a:lnSpc>
+                          <a:spcPct val="100000"/>
+                        </a:lnSpc>
+                        <a:spcBef>
+                          <a:spcPts val="0"/>
+                        </a:spcBef>
+                        <a:spcAft>
+                          <a:spcPts val="0"/>
+                        </a:spcAft>
+                        <a:buClr>
+                          <a:srgbClr val="000000"/>
+                        </a:buClr>
+                        <a:buSzPts val="1400"/>
+                        <a:buFont typeface="Arial"/>
+                        <a:buNone/>
+                      </a:pPr>
+                      <a:r>
+                        <a:rPr lang="en" sz="1400" u="none" strike="noStrike" cap="none">
+                          <a:solidFill>
+                            <a:schemeClr val="dk1"/>
+                          </a:solidFill>
+                        </a:rPr>
+                        <a:t>c</a:t>
+                      </a:r>
+                      <a:endParaRPr sz="1400" u="none" strike="noStrike" cap="none">
+                        <a:solidFill>
+                          <a:schemeClr val="dk1"/>
+                        </a:solidFill>
+                      </a:endParaRPr>
+                    </a:p>
+                  </a:txBody>
+                  <a:tcPr marL="91425" marR="91425" marT="91425" marB="91425">
+                    <a:lnL w="9525" cap="flat" cmpd="sng">
+                      <a:solidFill>
+                        <a:schemeClr val="dk1"/>
+                      </a:solidFill>
+                      <a:prstDash val="solid"/>
+                      <a:round/>
+                      <a:headEnd type="none" w="sm" len="sm"/>
+                      <a:tailEnd type="none" w="sm" len="sm"/>
+                    </a:lnL>
+                    <a:lnR w="9525" cap="flat" cmpd="sng">
+                      <a:solidFill>
+                        <a:schemeClr val="dk1"/>
+                      </a:solidFill>
+                      <a:prstDash val="solid"/>
+                      <a:round/>
+                      <a:headEnd type="none" w="sm" len="sm"/>
+                      <a:tailEnd type="none" w="sm" len="sm"/>
+                    </a:lnR>
+                    <a:lnT w="9525" cap="flat" cmpd="sng">
+                      <a:solidFill>
+                        <a:schemeClr val="dk1"/>
+                      </a:solidFill>
+                      <a:prstDash val="solid"/>
+                      <a:round/>
+                      <a:headEnd type="none" w="sm" len="sm"/>
+                      <a:tailEnd type="none" w="sm" len="sm"/>
+                    </a:lnT>
+                    <a:lnB w="9525" cap="flat" cmpd="sng">
+                      <a:solidFill>
+                        <a:schemeClr val="dk1"/>
+                      </a:solidFill>
+                      <a:prstDash val="solid"/>
+                      <a:round/>
+                      <a:headEnd type="none" w="sm" len="sm"/>
+                      <a:tailEnd type="none" w="sm" len="sm"/>
+                    </a:lnB>
+                  </a:tcPr>
+                </a:tc>
+                <a:tc>
+                  <a:txBody>
+                    <a:bodyPr/>
+                    <a:lstStyle/>
+                    <a:p>
+                      <a:pPr marL="0" marR="0" lvl="0" indent="0" algn="ctr" rtl="0">
+                        <a:lnSpc>
+                          <a:spcPct val="100000"/>
+                        </a:lnSpc>
+                        <a:spcBef>
+                          <a:spcPts val="0"/>
+                        </a:spcBef>
+                        <a:spcAft>
+                          <a:spcPts val="0"/>
+                        </a:spcAft>
+                        <a:buClr>
+                          <a:srgbClr val="000000"/>
+                        </a:buClr>
+                        <a:buSzPts val="1400"/>
+                        <a:buFont typeface="Arial"/>
+                        <a:buNone/>
+                      </a:pPr>
+                      <a:r>
+                        <a:rPr lang="en" sz="1400" u="none" strike="noStrike" cap="none">
+                          <a:solidFill>
+                            <a:schemeClr val="dk1"/>
+                          </a:solidFill>
+                        </a:rPr>
+                        <a:t>d</a:t>
+                      </a:r>
+                      <a:endParaRPr sz="1400" u="none" strike="noStrike" cap="none">
+                        <a:solidFill>
+                          <a:schemeClr val="dk1"/>
+                        </a:solidFill>
+                      </a:endParaRPr>
+                    </a:p>
+                  </a:txBody>
+                  <a:tcPr marL="91425" marR="91425" marT="91425" marB="91425">
+                    <a:lnL w="9525" cap="flat" cmpd="sng">
+                      <a:solidFill>
+                        <a:schemeClr val="dk1"/>
+                      </a:solidFill>
+                      <a:prstDash val="solid"/>
+                      <a:round/>
+                      <a:headEnd type="none" w="sm" len="sm"/>
+                      <a:tailEnd type="none" w="sm" len="sm"/>
+                    </a:lnL>
+                    <a:lnR w="9525" cap="flat" cmpd="sng">
+                      <a:solidFill>
+                        <a:schemeClr val="dk1"/>
+                      </a:solidFill>
+                      <a:prstDash val="solid"/>
+                      <a:round/>
+                      <a:headEnd type="none" w="sm" len="sm"/>
+                      <a:tailEnd type="none" w="sm" len="sm"/>
+                    </a:lnR>
+                    <a:lnT w="9525" cap="flat" cmpd="sng">
+                      <a:solidFill>
+                        <a:schemeClr val="dk1"/>
+                      </a:solidFill>
+                      <a:prstDash val="solid"/>
+                      <a:round/>
+                      <a:headEnd type="none" w="sm" len="sm"/>
+                      <a:tailEnd type="none" w="sm" len="sm"/>
+                    </a:lnT>
+                    <a:lnB w="9525" cap="flat" cmpd="sng">
+                      <a:solidFill>
+                        <a:schemeClr val="dk1"/>
+                      </a:solidFill>
+                      <a:prstDash val="solid"/>
+                      <a:round/>
+                      <a:headEnd type="none" w="sm" len="sm"/>
+                      <a:tailEnd type="none" w="sm" len="sm"/>
+                    </a:lnB>
+                  </a:tcPr>
+                </a:tc>
+              </a:tr>
+              <a:tr h="630125">
+                <a:tc>
+                  <a:txBody>
+                    <a:bodyPr/>
+                    <a:lstStyle/>
+                    <a:p>
+                      <a:pPr marL="0" marR="0" lvl="0" indent="0" algn="ctr" rtl="0">
+                        <a:lnSpc>
+                          <a:spcPct val="100000"/>
+                        </a:lnSpc>
+                        <a:spcBef>
+                          <a:spcPts val="0"/>
+                        </a:spcBef>
+                        <a:spcAft>
+                          <a:spcPts val="0"/>
+                        </a:spcAft>
+                        <a:buClr>
+                          <a:srgbClr val="000000"/>
+                        </a:buClr>
+                        <a:buSzPts val="1400"/>
+                        <a:buFont typeface="Arial"/>
+                        <a:buNone/>
+                      </a:pPr>
+                      <a:r>
+                        <a:rPr lang="en" sz="1400" u="none" strike="noStrike" cap="none">
+                          <a:solidFill>
+                            <a:schemeClr val="dk1"/>
+                          </a:solidFill>
+                        </a:rPr>
+                        <a:t>e</a:t>
+                      </a:r>
+                      <a:endParaRPr sz="1400" u="none" strike="noStrike" cap="none">
+                        <a:solidFill>
+                          <a:schemeClr val="dk1"/>
+                        </a:solidFill>
+                      </a:endParaRPr>
+                    </a:p>
+                  </a:txBody>
+                  <a:tcPr marL="91425" marR="91425" marT="91425" marB="91425">
+                    <a:lnL w="9525" cap="flat" cmpd="sng">
+                      <a:solidFill>
+                        <a:schemeClr val="dk1"/>
+                      </a:solidFill>
+                      <a:prstDash val="solid"/>
+                      <a:round/>
+                      <a:headEnd type="none" w="sm" len="sm"/>
+                      <a:tailEnd type="none" w="sm" len="sm"/>
+                    </a:lnL>
+                    <a:lnR w="9525" cap="flat" cmpd="sng">
+                      <a:solidFill>
+                        <a:schemeClr val="dk1"/>
+                      </a:solidFill>
+                      <a:prstDash val="solid"/>
+                      <a:round/>
+                      <a:headEnd type="none" w="sm" len="sm"/>
+                      <a:tailEnd type="none" w="sm" len="sm"/>
+                    </a:lnR>
+                    <a:lnT w="9525" cap="flat" cmpd="sng">
+                      <a:solidFill>
+                        <a:schemeClr val="dk1"/>
+                      </a:solidFill>
+                      <a:prstDash val="solid"/>
+                      <a:round/>
+                      <a:headEnd type="none" w="sm" len="sm"/>
+                      <a:tailEnd type="none" w="sm" len="sm"/>
+                    </a:lnT>
+                    <a:lnB w="9525" cap="flat" cmpd="sng">
+                      <a:solidFill>
+                        <a:schemeClr val="dk1"/>
+                      </a:solidFill>
+                      <a:prstDash val="solid"/>
+                      <a:round/>
+                      <a:headEnd type="none" w="sm" len="sm"/>
+                      <a:tailEnd type="none" w="sm" len="sm"/>
+                    </a:lnB>
+                  </a:tcPr>
+                </a:tc>
+                <a:tc>
+                  <a:txBody>
+                    <a:bodyPr/>
+                    <a:lstStyle/>
+                    <a:p>
+                      <a:pPr marL="0" marR="0" lvl="0" indent="0" algn="ctr" rtl="0">
+                        <a:lnSpc>
+                          <a:spcPct val="100000"/>
+                        </a:lnSpc>
+                        <a:spcBef>
+                          <a:spcPts val="0"/>
+                        </a:spcBef>
+                        <a:spcAft>
+                          <a:spcPts val="0"/>
+                        </a:spcAft>
+                        <a:buClr>
+                          <a:srgbClr val="000000"/>
+                        </a:buClr>
+                        <a:buSzPts val="1400"/>
+                        <a:buFont typeface="Arial"/>
+                        <a:buNone/>
+                      </a:pPr>
+                      <a:r>
+                        <a:rPr lang="en" sz="1400" u="none" strike="noStrike" cap="none">
+                          <a:solidFill>
+                            <a:schemeClr val="dk1"/>
+                          </a:solidFill>
+                        </a:rPr>
+                        <a:t>f</a:t>
+                      </a:r>
+                      <a:endParaRPr sz="1400" u="none" strike="noStrike" cap="none">
+                        <a:solidFill>
+                          <a:schemeClr val="dk1"/>
+                        </a:solidFill>
+                      </a:endParaRPr>
+                    </a:p>
+                  </a:txBody>
+                  <a:tcPr marL="91425" marR="91425" marT="91425" marB="91425">
+                    <a:lnL w="9525" cap="flat" cmpd="sng">
+                      <a:solidFill>
+                        <a:schemeClr val="dk1"/>
+                      </a:solidFill>
+                      <a:prstDash val="solid"/>
+                      <a:round/>
+                      <a:headEnd type="none" w="sm" len="sm"/>
+                      <a:tailEnd type="none" w="sm" len="sm"/>
+                    </a:lnL>
+                    <a:lnR w="9525" cap="flat" cmpd="sng">
+                      <a:solidFill>
+                        <a:schemeClr val="dk1"/>
+                      </a:solidFill>
+                      <a:prstDash val="solid"/>
+                      <a:round/>
+                      <a:headEnd type="none" w="sm" len="sm"/>
+                      <a:tailEnd type="none" w="sm" len="sm"/>
+                    </a:lnR>
+                    <a:lnT w="9525" cap="flat" cmpd="sng">
+                      <a:solidFill>
+                        <a:schemeClr val="dk1"/>
+                      </a:solidFill>
+                      <a:prstDash val="solid"/>
+                      <a:round/>
+                      <a:headEnd type="none" w="sm" len="sm"/>
+                      <a:tailEnd type="none" w="sm" len="sm"/>
+                    </a:lnT>
+                    <a:lnB w="9525" cap="flat" cmpd="sng">
+                      <a:solidFill>
+                        <a:schemeClr val="dk1"/>
+                      </a:solidFill>
+                      <a:prstDash val="solid"/>
+                      <a:round/>
+                      <a:headEnd type="none" w="sm" len="sm"/>
+                      <a:tailEnd type="none" w="sm" len="sm"/>
+                    </a:lnB>
+                  </a:tcPr>
+                </a:tc>
+              </a:tr>
+            </a:tbl>
+          </a:graphicData>
+        </a:graphic>
+      </p:graphicFrame>
+      <p:graphicFrame>
+        <p:nvGraphicFramePr>
+          <p:cNvPr id="211" name="Google Shape;211;p9"/>
+          <p:cNvGraphicFramePr/>
+          <p:nvPr/>
+        </p:nvGraphicFramePr>
+        <p:xfrm>
+          <a:off x="1386225" y="2270100"/>
+          <a:ext cx="2474175" cy="1285400"/>
+        </p:xfrm>
+        <a:graphic>
+          <a:graphicData uri="http://schemas.openxmlformats.org/drawingml/2006/table">
+            <a:tbl>
+              <a:tblPr>
+                <a:noFill/>
+                <a:tableStyleId>{B1467741-9774-427B-8A85-8F639238AC20}</a:tableStyleId>
+              </a:tblPr>
+              <a:tblGrid>
+                <a:gridCol w="824725"/>
+                <a:gridCol w="824725"/>
+                <a:gridCol w="824725"/>
+              </a:tblGrid>
+              <a:tr h="630125">
+                <a:tc>
+                  <a:txBody>
+                    <a:bodyPr/>
+                    <a:lstStyle/>
+                    <a:p>
+                      <a:pPr marL="0" marR="0" lvl="0" indent="0" algn="ctr" rtl="0">
+                        <a:lnSpc>
+                          <a:spcPct val="100000"/>
+                        </a:lnSpc>
+                        <a:spcBef>
+                          <a:spcPts val="0"/>
+                        </a:spcBef>
+                        <a:spcAft>
+                          <a:spcPts val="0"/>
+                        </a:spcAft>
+                        <a:buClr>
+                          <a:srgbClr val="000000"/>
+                        </a:buClr>
+                        <a:buSzPts val="1400"/>
+                        <a:buFont typeface="Arial"/>
+                        <a:buNone/>
+                      </a:pPr>
+                      <a:r>
+                        <a:rPr lang="en" sz="1400" u="none" strike="noStrike" cap="none">
+                          <a:solidFill>
+                            <a:schemeClr val="dk1"/>
+                          </a:solidFill>
+                        </a:rPr>
+                        <a:t>a</a:t>
+                      </a:r>
+                      <a:endParaRPr sz="1400" u="none" strike="noStrike" cap="none">
+                        <a:solidFill>
+                          <a:schemeClr val="dk1"/>
+                        </a:solidFill>
+                      </a:endParaRPr>
+                    </a:p>
+                  </a:txBody>
+                  <a:tcPr marL="91425" marR="91425" marT="91425" marB="91425">
+                    <a:lnL w="9525" cap="flat" cmpd="sng">
+                      <a:solidFill>
+                        <a:schemeClr val="dk1"/>
+                      </a:solidFill>
+                      <a:prstDash val="solid"/>
+                      <a:round/>
+                      <a:headEnd type="none" w="sm" len="sm"/>
+                      <a:tailEnd type="none" w="sm" len="sm"/>
+                    </a:lnL>
+                    <a:lnR w="9525" cap="flat" cmpd="sng">
+                      <a:solidFill>
+                        <a:schemeClr val="dk1"/>
+                      </a:solidFill>
+                      <a:prstDash val="solid"/>
+                      <a:round/>
+                      <a:headEnd type="none" w="sm" len="sm"/>
+                      <a:tailEnd type="none" w="sm" len="sm"/>
+                    </a:lnR>
+                    <a:lnT w="9525" cap="flat" cmpd="sng">
+                      <a:solidFill>
+                        <a:schemeClr val="dk1"/>
+                      </a:solidFill>
+                      <a:prstDash val="solid"/>
+                      <a:round/>
+                      <a:headEnd type="none" w="sm" len="sm"/>
+                      <a:tailEnd type="none" w="sm" len="sm"/>
+                    </a:lnT>
+                    <a:lnB w="9525" cap="flat" cmpd="sng">
+                      <a:solidFill>
+                        <a:schemeClr val="dk1"/>
+                      </a:solidFill>
+                      <a:prstDash val="solid"/>
+                      <a:round/>
+                      <a:headEnd type="none" w="sm" len="sm"/>
+                      <a:tailEnd type="none" w="sm" len="sm"/>
+                    </a:lnB>
+                  </a:tcPr>
+                </a:tc>
+                <a:tc>
+                  <a:txBody>
+                    <a:bodyPr/>
+                    <a:lstStyle/>
+                    <a:p>
+                      <a:pPr marL="0" marR="0" lvl="0" indent="0" algn="ctr" rtl="0">
+                        <a:lnSpc>
+                          <a:spcPct val="100000"/>
+                        </a:lnSpc>
+                        <a:spcBef>
+                          <a:spcPts val="0"/>
+                        </a:spcBef>
+                        <a:spcAft>
+                          <a:spcPts val="0"/>
+                        </a:spcAft>
+                        <a:buClr>
+                          <a:srgbClr val="000000"/>
+                        </a:buClr>
+                        <a:buSzPts val="1400"/>
+                        <a:buFont typeface="Arial"/>
+                        <a:buNone/>
+                      </a:pPr>
+                      <a:r>
+                        <a:rPr lang="en" sz="1400" u="none" strike="noStrike" cap="none">
+                          <a:solidFill>
+                            <a:schemeClr val="dk1"/>
+                          </a:solidFill>
+                        </a:rPr>
+                        <a:t>c</a:t>
+                      </a:r>
+                      <a:endParaRPr sz="1400" u="none" strike="noStrike" cap="none">
+                        <a:solidFill>
+                          <a:schemeClr val="dk1"/>
+                        </a:solidFill>
+                      </a:endParaRPr>
+                    </a:p>
+                  </a:txBody>
+                  <a:tcPr marL="91425" marR="91425" marT="91425" marB="91425">
+                    <a:lnL w="9525" cap="flat" cmpd="sng">
+                      <a:solidFill>
+                        <a:schemeClr val="dk1"/>
+                      </a:solidFill>
+                      <a:prstDash val="solid"/>
+                      <a:round/>
+                      <a:headEnd type="none" w="sm" len="sm"/>
+                      <a:tailEnd type="none" w="sm" len="sm"/>
+                    </a:lnL>
+                    <a:lnR w="9525" cap="flat" cmpd="sng">
+                      <a:solidFill>
+                        <a:schemeClr val="dk1"/>
+                      </a:solidFill>
+                      <a:prstDash val="solid"/>
+                      <a:round/>
+                      <a:headEnd type="none" w="sm" len="sm"/>
+                      <a:tailEnd type="none" w="sm" len="sm"/>
+                    </a:lnR>
+                    <a:lnT w="9525" cap="flat" cmpd="sng">
+                      <a:solidFill>
+                        <a:schemeClr val="dk1"/>
+                      </a:solidFill>
+                      <a:prstDash val="solid"/>
+                      <a:round/>
+                      <a:headEnd type="none" w="sm" len="sm"/>
+                      <a:tailEnd type="none" w="sm" len="sm"/>
+                    </a:lnT>
+                    <a:lnB w="9525" cap="flat" cmpd="sng">
+                      <a:solidFill>
+                        <a:schemeClr val="dk1"/>
+                      </a:solidFill>
+                      <a:prstDash val="solid"/>
+                      <a:round/>
+                      <a:headEnd type="none" w="sm" len="sm"/>
+                      <a:tailEnd type="none" w="sm" len="sm"/>
+                    </a:lnB>
+                  </a:tcPr>
+                </a:tc>
+                <a:tc>
+                  <a:txBody>
+                    <a:bodyPr/>
+                    <a:lstStyle/>
+                    <a:p>
+                      <a:pPr marL="0" marR="0" lvl="0" indent="0" algn="ctr" rtl="0">
+                        <a:lnSpc>
+                          <a:spcPct val="100000"/>
+                        </a:lnSpc>
+                        <a:spcBef>
+                          <a:spcPts val="0"/>
+                        </a:spcBef>
+                        <a:spcAft>
+                          <a:spcPts val="0"/>
+                        </a:spcAft>
+                        <a:buClr>
+                          <a:srgbClr val="000000"/>
+                        </a:buClr>
+                        <a:buSzPts val="1400"/>
+                        <a:buFont typeface="Arial"/>
+                        <a:buNone/>
+                      </a:pPr>
+                      <a:r>
+                        <a:rPr lang="en" sz="1400" u="none" strike="noStrike" cap="none">
+                          <a:solidFill>
+                            <a:schemeClr val="dk1"/>
+                          </a:solidFill>
+                        </a:rPr>
+                        <a:t>e</a:t>
+                      </a:r>
+                      <a:endParaRPr sz="1400" u="none" strike="noStrike" cap="none">
+                        <a:solidFill>
+                          <a:schemeClr val="dk1"/>
+                        </a:solidFill>
+                      </a:endParaRPr>
+                    </a:p>
+                  </a:txBody>
+                  <a:tcPr marL="91425" marR="91425" marT="91425" marB="91425">
+                    <a:lnL w="9525" cap="flat" cmpd="sng">
+                      <a:solidFill>
+                        <a:schemeClr val="dk1"/>
+                      </a:solidFill>
+                      <a:prstDash val="solid"/>
+                      <a:round/>
+                      <a:headEnd type="none" w="sm" len="sm"/>
+                      <a:tailEnd type="none" w="sm" len="sm"/>
+                    </a:lnL>
+                    <a:lnR w="9525" cap="flat" cmpd="sng">
+                      <a:solidFill>
+                        <a:schemeClr val="dk1"/>
+                      </a:solidFill>
+                      <a:prstDash val="solid"/>
+                      <a:round/>
+                      <a:headEnd type="none" w="sm" len="sm"/>
+                      <a:tailEnd type="none" w="sm" len="sm"/>
+                    </a:lnR>
+                    <a:lnT w="9525" cap="flat" cmpd="sng">
+                      <a:solidFill>
+                        <a:schemeClr val="dk1"/>
+                      </a:solidFill>
+                      <a:prstDash val="solid"/>
+                      <a:round/>
+                      <a:headEnd type="none" w="sm" len="sm"/>
+                      <a:tailEnd type="none" w="sm" len="sm"/>
+                    </a:lnT>
+                    <a:lnB w="9525" cap="flat" cmpd="sng">
+                      <a:solidFill>
+                        <a:schemeClr val="dk1"/>
+                      </a:solidFill>
+                      <a:prstDash val="solid"/>
+                      <a:round/>
+                      <a:headEnd type="none" w="sm" len="sm"/>
+                      <a:tailEnd type="none" w="sm" len="sm"/>
+                    </a:lnB>
+                  </a:tcPr>
+                </a:tc>
+              </a:tr>
+              <a:tr h="655275">
+                <a:tc>
+                  <a:txBody>
+                    <a:bodyPr/>
+                    <a:lstStyle/>
+                    <a:p>
+                      <a:pPr marL="0" marR="0" lvl="0" indent="0" algn="ctr" rtl="0">
+                        <a:lnSpc>
+                          <a:spcPct val="100000"/>
+                        </a:lnSpc>
+                        <a:spcBef>
+                          <a:spcPts val="0"/>
+                        </a:spcBef>
+                        <a:spcAft>
+                          <a:spcPts val="0"/>
+                        </a:spcAft>
+                        <a:buClr>
+                          <a:srgbClr val="000000"/>
+                        </a:buClr>
+                        <a:buSzPts val="1400"/>
+                        <a:buFont typeface="Arial"/>
+                        <a:buNone/>
+                      </a:pPr>
+                      <a:r>
+                        <a:rPr lang="en" sz="1400" u="none" strike="noStrike" cap="none">
+                          <a:solidFill>
+                            <a:schemeClr val="dk1"/>
+                          </a:solidFill>
+                        </a:rPr>
+                        <a:t>b</a:t>
+                      </a:r>
+                      <a:endParaRPr sz="1400" u="none" strike="noStrike" cap="none">
+                        <a:solidFill>
+                          <a:schemeClr val="dk1"/>
+                        </a:solidFill>
+                      </a:endParaRPr>
+                    </a:p>
+                  </a:txBody>
+                  <a:tcPr marL="91425" marR="91425" marT="91425" marB="91425">
+                    <a:lnL w="9525" cap="flat" cmpd="sng">
+                      <a:solidFill>
+                        <a:schemeClr val="dk1"/>
+                      </a:solidFill>
+                      <a:prstDash val="solid"/>
+                      <a:round/>
+                      <a:headEnd type="none" w="sm" len="sm"/>
+                      <a:tailEnd type="none" w="sm" len="sm"/>
+                    </a:lnL>
+                    <a:lnR w="9525" cap="flat" cmpd="sng">
+                      <a:solidFill>
+                        <a:schemeClr val="dk1"/>
+                      </a:solidFill>
+                      <a:prstDash val="solid"/>
+                      <a:round/>
+                      <a:headEnd type="none" w="sm" len="sm"/>
+                      <a:tailEnd type="none" w="sm" len="sm"/>
+                    </a:lnR>
+                    <a:lnT w="9525" cap="flat" cmpd="sng">
+                      <a:solidFill>
+                        <a:schemeClr val="dk1"/>
+                      </a:solidFill>
+                      <a:prstDash val="solid"/>
+                      <a:round/>
+                      <a:headEnd type="none" w="sm" len="sm"/>
+                      <a:tailEnd type="none" w="sm" len="sm"/>
+                    </a:lnT>
+                    <a:lnB w="9525" cap="flat" cmpd="sng">
+                      <a:solidFill>
+                        <a:schemeClr val="dk1"/>
+                      </a:solidFill>
+                      <a:prstDash val="solid"/>
+                      <a:round/>
+                      <a:headEnd type="none" w="sm" len="sm"/>
+                      <a:tailEnd type="none" w="sm" len="sm"/>
+                    </a:lnB>
+                  </a:tcPr>
+                </a:tc>
+                <a:tc>
+                  <a:txBody>
+                    <a:bodyPr/>
+                    <a:lstStyle/>
+                    <a:p>
+                      <a:pPr marL="0" marR="0" lvl="0" indent="0" algn="ctr" rtl="0">
+                        <a:lnSpc>
+                          <a:spcPct val="100000"/>
+                        </a:lnSpc>
+                        <a:spcBef>
+                          <a:spcPts val="0"/>
+                        </a:spcBef>
+                        <a:spcAft>
+                          <a:spcPts val="0"/>
+                        </a:spcAft>
+                        <a:buClr>
+                          <a:srgbClr val="000000"/>
+                        </a:buClr>
+                        <a:buSzPts val="1400"/>
+                        <a:buFont typeface="Arial"/>
+                        <a:buNone/>
+                      </a:pPr>
+                      <a:r>
+                        <a:rPr lang="en" sz="1400" u="none" strike="noStrike" cap="none">
+                          <a:solidFill>
+                            <a:schemeClr val="dk1"/>
+                          </a:solidFill>
+                        </a:rPr>
+                        <a:t>d</a:t>
+                      </a:r>
+                      <a:endParaRPr sz="1400" u="none" strike="noStrike" cap="none">
+                        <a:solidFill>
+                          <a:schemeClr val="dk1"/>
+                        </a:solidFill>
+                      </a:endParaRPr>
+                    </a:p>
+                  </a:txBody>
+                  <a:tcPr marL="91425" marR="91425" marT="91425" marB="91425">
+                    <a:lnL w="9525" cap="flat" cmpd="sng">
+                      <a:solidFill>
+                        <a:schemeClr val="dk1"/>
+                      </a:solidFill>
+                      <a:prstDash val="solid"/>
+                      <a:round/>
+                      <a:headEnd type="none" w="sm" len="sm"/>
+                      <a:tailEnd type="none" w="sm" len="sm"/>
+                    </a:lnL>
+                    <a:lnR w="9525" cap="flat" cmpd="sng">
+                      <a:solidFill>
+                        <a:schemeClr val="dk1"/>
+                      </a:solidFill>
+                      <a:prstDash val="solid"/>
+                      <a:round/>
+                      <a:headEnd type="none" w="sm" len="sm"/>
+                      <a:tailEnd type="none" w="sm" len="sm"/>
+                    </a:lnR>
+                    <a:lnT w="9525" cap="flat" cmpd="sng">
+                      <a:solidFill>
+                        <a:schemeClr val="dk1"/>
+                      </a:solidFill>
+                      <a:prstDash val="solid"/>
+                      <a:round/>
+                      <a:headEnd type="none" w="sm" len="sm"/>
+                      <a:tailEnd type="none" w="sm" len="sm"/>
+                    </a:lnT>
+                    <a:lnB w="9525" cap="flat" cmpd="sng">
+                      <a:solidFill>
+                        <a:schemeClr val="dk1"/>
+                      </a:solidFill>
+                      <a:prstDash val="solid"/>
+                      <a:round/>
+                      <a:headEnd type="none" w="sm" len="sm"/>
+                      <a:tailEnd type="none" w="sm" len="sm"/>
+                    </a:lnB>
+                  </a:tcPr>
+                </a:tc>
+                <a:tc>
+                  <a:txBody>
+                    <a:bodyPr/>
+                    <a:lstStyle/>
+                    <a:p>
+                      <a:pPr marL="0" marR="0" lvl="0" indent="0" algn="ctr" rtl="0">
+                        <a:lnSpc>
+                          <a:spcPct val="100000"/>
+                        </a:lnSpc>
+                        <a:spcBef>
+                          <a:spcPts val="0"/>
+                        </a:spcBef>
+                        <a:spcAft>
+                          <a:spcPts val="0"/>
+                        </a:spcAft>
+                        <a:buClr>
+                          <a:srgbClr val="000000"/>
+                        </a:buClr>
+                        <a:buSzPts val="1400"/>
+                        <a:buFont typeface="Arial"/>
+                        <a:buNone/>
+                      </a:pPr>
+                      <a:r>
+                        <a:rPr lang="en" sz="1400" u="none" strike="noStrike" cap="none">
+                          <a:solidFill>
+                            <a:schemeClr val="dk1"/>
+                          </a:solidFill>
+                        </a:rPr>
+                        <a:t>f</a:t>
+                      </a:r>
+                      <a:endParaRPr sz="1400" u="none" strike="noStrike" cap="none">
+                        <a:solidFill>
+                          <a:schemeClr val="dk1"/>
+                        </a:solidFill>
+                      </a:endParaRPr>
+                    </a:p>
+                  </a:txBody>
+                  <a:tcPr marL="91425" marR="91425" marT="91425" marB="91425">
+                    <a:lnL w="9525" cap="flat" cmpd="sng">
+                      <a:solidFill>
+                        <a:schemeClr val="dk1"/>
+                      </a:solidFill>
+                      <a:prstDash val="solid"/>
+                      <a:round/>
+                      <a:headEnd type="none" w="sm" len="sm"/>
+                      <a:tailEnd type="none" w="sm" len="sm"/>
+                    </a:lnL>
+                    <a:lnR w="9525" cap="flat" cmpd="sng">
+                      <a:solidFill>
+                        <a:schemeClr val="dk1"/>
+                      </a:solidFill>
+                      <a:prstDash val="solid"/>
+                      <a:round/>
+                      <a:headEnd type="none" w="sm" len="sm"/>
+                      <a:tailEnd type="none" w="sm" len="sm"/>
+                    </a:lnR>
+                    <a:lnT w="9525" cap="flat" cmpd="sng">
+                      <a:solidFill>
+                        <a:schemeClr val="dk1"/>
+                      </a:solidFill>
+                      <a:prstDash val="solid"/>
+                      <a:round/>
+                      <a:headEnd type="none" w="sm" len="sm"/>
+                      <a:tailEnd type="none" w="sm" len="sm"/>
+                    </a:lnT>
+                    <a:lnB w="9525" cap="flat" cmpd="sng">
+                      <a:solidFill>
+                        <a:schemeClr val="dk1"/>
+                      </a:solidFill>
+                      <a:prstDash val="solid"/>
+                      <a:round/>
+                      <a:headEnd type="none" w="sm" len="sm"/>
+                      <a:tailEnd type="none" w="sm" len="sm"/>
+                    </a:lnB>
+                  </a:tcPr>
+                </a:tc>
+              </a:tr>
+            </a:tbl>
+          </a:graphicData>
+        </a:graphic>
+      </p:graphicFrame>
+      <p:cxnSp>
+        <p:nvCxnSpPr>
+          <p:cNvPr id="212" name="Google Shape;212;p9"/>
+          <p:cNvCxnSpPr/>
+          <p:nvPr/>
+        </p:nvCxnSpPr>
+        <p:spPr>
+          <a:xfrm>
+            <a:off x="3861950" y="2912800"/>
+            <a:ext cx="3006600" cy="0"/>
+          </a:xfrm>
+          <a:prstGeom prst="straightConnector1">
+            <a:avLst/>
+          </a:prstGeom>
+          <a:noFill/>
+          <a:ln w="9525" cap="flat" cmpd="sng">
+            <a:solidFill>
+              <a:schemeClr val="dk1"/>
+            </a:solidFill>
+            <a:prstDash val="solid"/>
+            <a:round/>
+            <a:headEnd type="none" w="sm" len="sm"/>
+            <a:tailEnd type="triangle" w="med" len="med"/>
+          </a:ln>
+        </p:spPr>
+      </p:cxnSp>
+      <p:sp>
+        <p:nvSpPr>
+          <p:cNvPr id="213" name="Google Shape;213;p9"/>
+          <p:cNvSpPr txBox="1"/>
+          <p:nvPr/>
+        </p:nvSpPr>
+        <p:spPr>
+          <a:xfrm>
+            <a:off x="7175588" y="3848450"/>
+            <a:ext cx="978300" cy="400200"/>
+          </a:xfrm>
+          <a:prstGeom prst="rect">
+            <a:avLst/>
+          </a:prstGeom>
+          <a:noFill/>
+          <a:ln>
+            <a:noFill/>
+          </a:ln>
+        </p:spPr>
+        <p:txBody>
+          <a:bodyPr spcFirstLastPara="1" wrap="square" lIns="91425" tIns="91425" rIns="91425" bIns="91425" anchor="t" anchorCtr="0">
+            <a:spAutoFit/>
+          </a:bodyPr>
+          <a:lstStyle/>
+          <a:p>
+            <a:pPr marL="0" marR="0" lvl="0" indent="0" algn="ctr" rtl="0">
+              <a:lnSpc>
+                <a:spcPct val="100000"/>
+              </a:lnSpc>
+              <a:spcBef>
+                <a:spcPts val="0"/>
+              </a:spcBef>
+              <a:spcAft>
+                <a:spcPts val="0"/>
+              </a:spcAft>
+              <a:buClr>
+                <a:srgbClr val="000000"/>
+              </a:buClr>
+              <a:buSzPts val="1400"/>
+              <a:buFont typeface="Arial"/>
+              <a:buNone/>
+            </a:pPr>
+            <a:r>
+              <a:rPr lang="en" sz="1400" b="0" i="0" u="none" strike="noStrike" cap="none">
+                <a:solidFill>
+                  <a:schemeClr val="dk1"/>
+                </a:solidFill>
+                <a:latin typeface="Lato"/>
+                <a:ea typeface="Lato"/>
+                <a:cs typeface="Lato"/>
+                <a:sym typeface="Lato"/>
+              </a:rPr>
+              <a:t>(3*2)</a:t>
+            </a:r>
+            <a:endParaRPr sz="1400" b="0" i="0" u="none" strike="noStrike" cap="none">
+              <a:solidFill>
+                <a:schemeClr val="dk1"/>
+              </a:solidFill>
+              <a:latin typeface="Lato"/>
+              <a:ea typeface="Lato"/>
+              <a:cs typeface="Lato"/>
+              <a:sym typeface="Lato"/>
+            </a:endParaRPr>
+          </a:p>
+        </p:txBody>
+      </p:sp>
+      <p:sp>
+        <p:nvSpPr>
+          <p:cNvPr id="214" name="Google Shape;214;p9"/>
+          <p:cNvSpPr txBox="1"/>
+          <p:nvPr/>
+        </p:nvSpPr>
+        <p:spPr>
+          <a:xfrm>
+            <a:off x="2122775" y="3582675"/>
+            <a:ext cx="978300" cy="400200"/>
+          </a:xfrm>
+          <a:prstGeom prst="rect">
+            <a:avLst/>
+          </a:prstGeom>
+          <a:noFill/>
+          <a:ln>
+            <a:noFill/>
+          </a:ln>
+        </p:spPr>
+        <p:txBody>
+          <a:bodyPr spcFirstLastPara="1" wrap="square" lIns="91425" tIns="91425" rIns="91425" bIns="91425" anchor="t" anchorCtr="0">
+            <a:spAutoFit/>
+          </a:bodyPr>
+          <a:lstStyle/>
+          <a:p>
+            <a:pPr marL="0" marR="0" lvl="0" indent="0" algn="ctr" rtl="0">
+              <a:lnSpc>
+                <a:spcPct val="100000"/>
+              </a:lnSpc>
+              <a:spcBef>
+                <a:spcPts val="0"/>
+              </a:spcBef>
+              <a:spcAft>
+                <a:spcPts val="0"/>
+              </a:spcAft>
+              <a:buClr>
+                <a:srgbClr val="000000"/>
+              </a:buClr>
+              <a:buSzPts val="1400"/>
+              <a:buFont typeface="Arial"/>
+              <a:buNone/>
+            </a:pPr>
+            <a:r>
+              <a:rPr lang="en" sz="1400" b="0" i="0" u="none" strike="noStrike" cap="none">
+                <a:solidFill>
+                  <a:schemeClr val="dk1"/>
+                </a:solidFill>
+                <a:latin typeface="Lato"/>
+                <a:ea typeface="Lato"/>
+                <a:cs typeface="Lato"/>
+                <a:sym typeface="Lato"/>
+              </a:rPr>
+              <a:t>(2*3)</a:t>
+            </a:r>
+            <a:endParaRPr sz="1400" b="0" i="0" u="none" strike="noStrike" cap="none">
+              <a:solidFill>
+                <a:schemeClr val="dk1"/>
+              </a:solidFill>
+              <a:latin typeface="Lato"/>
+              <a:ea typeface="Lato"/>
+              <a:cs typeface="Lato"/>
+              <a:sym typeface="Lato"/>
+            </a:endParaRPr>
+          </a:p>
+        </p:txBody>
+      </p:sp>
+      <p:sp>
+        <p:nvSpPr>
+          <p:cNvPr id="215" name="Google Shape;215;p9"/>
+          <p:cNvSpPr txBox="1"/>
+          <p:nvPr/>
+        </p:nvSpPr>
+        <p:spPr>
+          <a:xfrm>
+            <a:off x="1297500" y="1078250"/>
+            <a:ext cx="5991900" cy="400200"/>
+          </a:xfrm>
+          <a:prstGeom prst="rect">
+            <a:avLst/>
+          </a:prstGeom>
+          <a:noFill/>
+          <a:ln>
+            <a:noFill/>
+          </a:ln>
+        </p:spPr>
+        <p:txBody>
+          <a:bodyPr spcFirstLastPara="1" wrap="square" lIns="91425" tIns="91425" rIns="91425" bIns="91425" anchor="t" anchorCtr="0">
+            <a:spAutoFit/>
+          </a:bodyPr>
+          <a:lstStyle/>
+          <a:p>
+            <a:pPr marL="0" marR="0" lvl="0" indent="0" algn="l" rtl="0">
+              <a:lnSpc>
+                <a:spcPct val="100000"/>
+              </a:lnSpc>
+              <a:spcBef>
+                <a:spcPts val="0"/>
+              </a:spcBef>
+              <a:spcAft>
+                <a:spcPts val="0"/>
+              </a:spcAft>
+              <a:buClr>
+                <a:srgbClr val="000000"/>
+              </a:buClr>
+              <a:buSzPts val="1400"/>
+              <a:buFont typeface="Arial"/>
+              <a:buNone/>
+            </a:pPr>
+            <a:r>
+              <a:rPr lang="en" sz="1400" b="0" i="0" u="none" strike="noStrike" cap="none">
+                <a:solidFill>
+                  <a:schemeClr val="dk1"/>
+                </a:solidFill>
+                <a:latin typeface="Lato"/>
+                <a:ea typeface="Lato"/>
+                <a:cs typeface="Lato"/>
+                <a:sym typeface="Lato"/>
+              </a:rPr>
+              <a:t>Transforming the row into columns and columns into rows.</a:t>
+            </a:r>
+            <a:endParaRPr sz="1400" b="0" i="0" u="none" strike="noStrike" cap="none">
+              <a:solidFill>
+                <a:schemeClr val="dk1"/>
+              </a:solidFill>
+              <a:latin typeface="Lato"/>
+              <a:ea typeface="Lato"/>
+              <a:cs typeface="Lato"/>
+              <a:sym typeface="Lato"/>
+            </a:endParaRPr>
+          </a:p>
+        </p:txBody>
+      </p:sp>
+      <p:graphicFrame>
+        <p:nvGraphicFramePr>
+          <p:cNvPr id="216" name="Google Shape;216;p9"/>
+          <p:cNvGraphicFramePr/>
+          <p:nvPr/>
+        </p:nvGraphicFramePr>
+        <p:xfrm>
+          <a:off x="4267938" y="2065000"/>
+          <a:ext cx="2145475" cy="641175"/>
+        </p:xfrm>
+        <a:graphic>
+          <a:graphicData uri="http://schemas.openxmlformats.org/drawingml/2006/table">
+            <a:tbl>
+              <a:tblPr>
+                <a:noFill/>
+                <a:tableStyleId>{B1467741-9774-427B-8A85-8F639238AC20}</a:tableStyleId>
+              </a:tblPr>
+              <a:tblGrid>
+                <a:gridCol w="2145475"/>
+              </a:tblGrid>
+              <a:tr h="641175">
+                <a:tc>
+                  <a:txBody>
+                    <a:bodyPr/>
+                    <a:lstStyle/>
+                    <a:p>
+                      <a:pPr marL="0" marR="0" lvl="0" indent="0" algn="ctr" rtl="0">
+                        <a:lnSpc>
+                          <a:spcPct val="100000"/>
+                        </a:lnSpc>
+                        <a:spcBef>
+                          <a:spcPts val="0"/>
+                        </a:spcBef>
+                        <a:spcAft>
+                          <a:spcPts val="0"/>
+                        </a:spcAft>
+                        <a:buClr>
+                          <a:srgbClr val="000000"/>
+                        </a:buClr>
+                        <a:buSzPts val="2500"/>
+                        <a:buFont typeface="Arial"/>
+                        <a:buNone/>
+                      </a:pPr>
+                      <a:r>
+                        <a:rPr lang="en" sz="2500" b="1" i="1" u="none" strike="noStrike" cap="none">
+                          <a:solidFill>
+                            <a:schemeClr val="dk1"/>
+                          </a:solidFill>
+                          <a:latin typeface="Lato"/>
+                          <a:ea typeface="Lato"/>
+                          <a:cs typeface="Lato"/>
+                          <a:sym typeface="Lato"/>
+                        </a:rPr>
+                        <a:t>A</a:t>
+                      </a:r>
+                      <a:r>
+                        <a:rPr lang="en" sz="2500" b="1" i="1" u="none" strike="noStrike" cap="none" baseline="-25000">
+                          <a:solidFill>
+                            <a:schemeClr val="dk1"/>
+                          </a:solidFill>
+                          <a:latin typeface="Lato"/>
+                          <a:ea typeface="Lato"/>
+                          <a:cs typeface="Lato"/>
+                          <a:sym typeface="Lato"/>
+                        </a:rPr>
+                        <a:t>i,j</a:t>
+                      </a:r>
+                      <a:r>
+                        <a:rPr lang="en" sz="2500" b="1" i="1" u="none" strike="noStrike" cap="none">
+                          <a:solidFill>
+                            <a:schemeClr val="dk1"/>
+                          </a:solidFill>
+                          <a:latin typeface="Lato"/>
+                          <a:ea typeface="Lato"/>
+                          <a:cs typeface="Lato"/>
+                          <a:sym typeface="Lato"/>
+                        </a:rPr>
+                        <a:t>= A</a:t>
+                      </a:r>
+                      <a:r>
+                        <a:rPr lang="en" sz="2500" b="1" i="1" u="none" strike="noStrike" cap="none" baseline="-25000">
+                          <a:solidFill>
+                            <a:schemeClr val="dk1"/>
+                          </a:solidFill>
+                          <a:latin typeface="Lato"/>
+                          <a:ea typeface="Lato"/>
+                          <a:cs typeface="Lato"/>
+                          <a:sym typeface="Lato"/>
+                        </a:rPr>
+                        <a:t>j,i</a:t>
+                      </a:r>
+                      <a:endParaRPr sz="2500" b="1" i="1" u="none" strike="noStrike" cap="none">
+                        <a:solidFill>
+                          <a:schemeClr val="dk1"/>
+                        </a:solidFill>
+                        <a:latin typeface="Lato"/>
+                        <a:ea typeface="Lato"/>
+                        <a:cs typeface="Lato"/>
+                        <a:sym typeface="Lato"/>
+                      </a:endParaRPr>
+                    </a:p>
+                  </a:txBody>
+                  <a:tcPr marL="91425" marR="91425" marT="91425" marB="91425">
+                    <a:lnL w="9525" cap="flat" cmpd="sng">
+                      <a:solidFill>
+                        <a:schemeClr val="dk1"/>
+                      </a:solidFill>
+                      <a:prstDash val="solid"/>
+                      <a:round/>
+                      <a:headEnd type="none" w="sm" len="sm"/>
+                      <a:tailEnd type="none" w="sm" len="sm"/>
+                    </a:lnL>
+                    <a:lnR w="9525" cap="flat" cmpd="sng">
+                      <a:solidFill>
+                        <a:schemeClr val="dk1"/>
+                      </a:solidFill>
+                      <a:prstDash val="solid"/>
+                      <a:round/>
+                      <a:headEnd type="none" w="sm" len="sm"/>
+                      <a:tailEnd type="none" w="sm" len="sm"/>
+                    </a:lnR>
+                    <a:lnT w="9525" cap="flat" cmpd="sng">
+                      <a:solidFill>
+                        <a:schemeClr val="dk1"/>
+                      </a:solidFill>
+                      <a:prstDash val="solid"/>
+                      <a:round/>
+                      <a:headEnd type="none" w="sm" len="sm"/>
+                      <a:tailEnd type="none" w="sm" len="sm"/>
+                    </a:lnT>
+                    <a:lnB w="9525" cap="flat" cmpd="sng">
+                      <a:solidFill>
+                        <a:schemeClr val="dk1"/>
+                      </a:solidFill>
+                      <a:prstDash val="solid"/>
+                      <a:round/>
+                      <a:headEnd type="none" w="sm" len="sm"/>
+                      <a:tailEnd type="none" w="sm" len="sm"/>
+                    </a:lnB>
+                  </a:tcPr>
+                </a:tc>
+              </a:tr>
+            </a:tbl>
+          </a:graphicData>
+        </a:graphic>
+      </p:graphicFrame>
+    </p:spTree>
+  </p:cSld>
+  <p:clrMapOvr>
+    <a:masterClrMapping/>
+  </p:clrMapOvr>
+  <p:timing>
+    <p:tnLst>
+      <p:par>
+        <p:cTn id="1" dur="indefinite" restart="never" nodeType="tmRoot">
+          <p:childTnLst>
+            <p:seq concurrent="1" nextAc="seek">
+              <p:cTn id="2" dur="indefinite" nodeType="mainSeq">
+                <p:childTnLst>
+                  <p:par>
+                    <p:cTn id="3" fill="hold">
+                      <p:stCondLst>
+                        <p:cond delay="indefinite"/>
+                      </p:stCondLst>
+                      <p:childTnLst>
+                        <p:par>
+                          <p:cTn id="4" fill="hold">
+                            <p:stCondLst>
+                              <p:cond delay="0"/>
+                            </p:stCondLst>
+                            <p:childTnLst>
+                              <p:par>
+                                <p:cTn id="5" presetID="10" presetClass="entr" presetSubtype="0" fill="hold" nodeType="clickEffect">
+                                  <p:stCondLst>
+                                    <p:cond delay="0"/>
+                                  </p:stCondLst>
+                                  <p:childTnLst>
+                                    <p:set>
+                                      <p:cBhvr>
+                                        <p:cTn id="6" dur="1" fill="hold">
+                                          <p:stCondLst>
+                                            <p:cond delay="0"/>
+                                          </p:stCondLst>
+                                        </p:cTn>
+                                        <p:tgtEl>
+                                          <p:spTgt spid="211"/>
+                                        </p:tgtEl>
+                                        <p:attrNameLst>
+                                          <p:attrName>style.visibility</p:attrName>
+                                        </p:attrNameLst>
+                                      </p:cBhvr>
+                                      <p:to>
+                                        <p:strVal val="visible"/>
+                                      </p:to>
+                                    </p:set>
+                                    <p:animEffect transition="in" filter="fade">
+                                      <p:cBhvr>
+                                        <p:cTn id="7" dur="1000"/>
+                                        <p:tgtEl>
+                                          <p:spTgt spid="211"/>
+                                        </p:tgtEl>
+                                      </p:cBhvr>
+                                    </p:animEffect>
+                                  </p:childTnLst>
+                                </p:cTn>
+                              </p:par>
+                            </p:childTnLst>
+                          </p:cTn>
+                        </p:par>
+                      </p:childTnLst>
+                    </p:cTn>
+                  </p:par>
+                  <p:par>
+                    <p:cTn id="8" fill="hold">
+                      <p:stCondLst>
+                        <p:cond delay="indefinite"/>
+                      </p:stCondLst>
+                      <p:childTnLst>
+                        <p:par>
+                          <p:cTn id="9" fill="hold">
+                            <p:stCondLst>
+                              <p:cond delay="0"/>
+                            </p:stCondLst>
+                            <p:childTnLst>
+                              <p:par>
+                                <p:cTn id="10" presetID="10" presetClass="entr" presetSubtype="0" fill="hold" nodeType="clickEffect">
+                                  <p:stCondLst>
+                                    <p:cond delay="0"/>
+                                  </p:stCondLst>
+                                  <p:childTnLst>
+                                    <p:set>
+                                      <p:cBhvr>
+                                        <p:cTn id="11" dur="1" fill="hold">
+                                          <p:stCondLst>
+                                            <p:cond delay="0"/>
+                                          </p:stCondLst>
+                                        </p:cTn>
+                                        <p:tgtEl>
+                                          <p:spTgt spid="210"/>
+                                        </p:tgtEl>
+                                        <p:attrNameLst>
+                                          <p:attrName>style.visibility</p:attrName>
+                                        </p:attrNameLst>
+                                      </p:cBhvr>
+                                      <p:to>
+                                        <p:strVal val="visible"/>
+                                      </p:to>
+                                    </p:set>
+                                    <p:animEffect transition="in" filter="fade">
+                                      <p:cBhvr>
+                                        <p:cTn id="12" dur="1000"/>
+                                        <p:tgtEl>
+                                          <p:spTgt spid="210"/>
+                                        </p:tgtEl>
+                                      </p:cBhvr>
+                                    </p:animEffect>
+                                  </p:childTnLst>
+                                </p:cTn>
+                              </p:par>
+                              <p:par>
+                                <p:cTn id="13" presetID="10" presetClass="entr" presetSubtype="0" fill="hold" nodeType="withEffect">
+                                  <p:stCondLst>
+                                    <p:cond delay="0"/>
+                                  </p:stCondLst>
+                                  <p:childTnLst>
+                                    <p:set>
+                                      <p:cBhvr>
+                                        <p:cTn id="14" dur="1" fill="hold">
+                                          <p:stCondLst>
+                                            <p:cond delay="0"/>
+                                          </p:stCondLst>
+                                        </p:cTn>
+                                        <p:tgtEl>
+                                          <p:spTgt spid="212"/>
+                                        </p:tgtEl>
+                                        <p:attrNameLst>
+                                          <p:attrName>style.visibility</p:attrName>
+                                        </p:attrNameLst>
+                                      </p:cBhvr>
+                                      <p:to>
+                                        <p:strVal val="visible"/>
+                                      </p:to>
+                                    </p:set>
+                                    <p:animEffect transition="in" filter="fade">
+                                      <p:cBhvr>
+                                        <p:cTn id="15" dur="1000"/>
+                                        <p:tgtEl>
+                                          <p:spTgt spid="212"/>
+                                        </p:tgtEl>
+                                      </p:cBhvr>
+                                    </p:animEffect>
+                                  </p:childTnLst>
+                                </p:cTn>
+                              </p:par>
+                            </p:childTnLst>
+                          </p:cTn>
+                        </p:par>
+                      </p:childTnLst>
+                    </p:cTn>
+                  </p:par>
+                  <p:par>
+                    <p:cTn id="16" fill="hold">
+                      <p:stCondLst>
+                        <p:cond delay="indefinite"/>
+                      </p:stCondLst>
+                      <p:childTnLst>
+                        <p:par>
+                          <p:cTn id="17" fill="hold">
+                            <p:stCondLst>
+                              <p:cond delay="0"/>
+                            </p:stCondLst>
+                            <p:childTnLst>
+                              <p:par>
+                                <p:cTn id="18" presetID="10" presetClass="entr" presetSubtype="0" fill="hold" nodeType="clickEffect">
+                                  <p:stCondLst>
+                                    <p:cond delay="0"/>
+                                  </p:stCondLst>
+                                  <p:childTnLst>
+                                    <p:set>
+                                      <p:cBhvr>
+                                        <p:cTn id="19" dur="1" fill="hold">
+                                          <p:stCondLst>
+                                            <p:cond delay="0"/>
+                                          </p:stCondLst>
+                                        </p:cTn>
+                                        <p:tgtEl>
+                                          <p:spTgt spid="213"/>
+                                        </p:tgtEl>
+                                        <p:attrNameLst>
+                                          <p:attrName>style.visibility</p:attrName>
+                                        </p:attrNameLst>
+                                      </p:cBhvr>
+                                      <p:to>
+                                        <p:strVal val="visible"/>
+                                      </p:to>
+                                    </p:set>
+                                    <p:animEffect transition="in" filter="fade">
+                                      <p:cBhvr>
+                                        <p:cTn id="20" dur="1000"/>
+                                        <p:tgtEl>
+                                          <p:spTgt spid="213"/>
+                                        </p:tgtEl>
+                                      </p:cBhvr>
+                                    </p:animEffect>
+                                  </p:childTnLst>
+                                </p:cTn>
+                              </p:par>
+                              <p:par>
+                                <p:cTn id="21" presetID="10" presetClass="entr" presetSubtype="0" fill="hold" nodeType="withEffect">
+                                  <p:stCondLst>
+                                    <p:cond delay="0"/>
+                                  </p:stCondLst>
+                                  <p:childTnLst>
+                                    <p:set>
+                                      <p:cBhvr>
+                                        <p:cTn id="22" dur="1" fill="hold">
+                                          <p:stCondLst>
+                                            <p:cond delay="0"/>
+                                          </p:stCondLst>
+                                        </p:cTn>
+                                        <p:tgtEl>
+                                          <p:spTgt spid="214"/>
+                                        </p:tgtEl>
+                                        <p:attrNameLst>
+                                          <p:attrName>style.visibility</p:attrName>
+                                        </p:attrNameLst>
+                                      </p:cBhvr>
+                                      <p:to>
+                                        <p:strVal val="visible"/>
+                                      </p:to>
+                                    </p:set>
+                                    <p:animEffect transition="in" filter="fade">
+                                      <p:cBhvr>
+                                        <p:cTn id="23" dur="1000"/>
+                                        <p:tgtEl>
+                                          <p:spTgt spid="214"/>
+                                        </p:tgtEl>
+                                      </p:cBhvr>
+                                    </p:animEffect>
+                                  </p:childTnLst>
+                                </p:cTn>
+                              </p:par>
+                            </p:childTnLst>
+                          </p:cTn>
+                        </p:par>
+                      </p:childTnLst>
+                    </p:cTn>
+                  </p:par>
+                </p:childTnLst>
+              </p:cTn>
+              <p:prevCondLst>
+                <p:cond evt="onPrev" delay="0">
+                  <p:tgtEl>
+                    <p:sldTgt/>
+                  </p:tgtEl>
+                </p:cond>
+              </p:prevCondLst>
+              <p:nextCondLst>
+                <p:cond evt="onNext" delay="0">
+                  <p:tgtEl>
+                    <p:sldTgt/>
+                  </p:tgtEl>
+                </p:cond>
+              </p:nextCondLst>
+            </p:seq>
+          </p:childTnLst>
+        </p:cTn>
+      </p:par>
+    </p:tnLst>
+  </p:timing>
+</p:sld>
+</file>
+
+<file path=ppt/slides/slide11.xml><?xml version="1.0" encoding="utf-8"?>
+<p:sld xmlns:a="http://schemas.openxmlformats.org/drawingml/2006/main" xmlns:r="http://schemas.openxmlformats.org/officeDocument/2006/relationships" xmlns:p="http://schemas.openxmlformats.org/presentationml/2006/main">
+  <p:cSld>
+    <p:spTree>
+      <p:nvGrpSpPr>
         <p:cNvPr id="1" name="Shape 220"/>
         <p:cNvGrpSpPr/>
         <p:nvPr/>
@@ -15972,14 +17534,14 @@
               <a:buNone/>
             </a:pPr>
             <a:r>
-              <a:rPr lang="en" b="1">
+              <a:rPr lang="en" b="1" dirty="0" smtClean="0">
                 <a:solidFill>
                   <a:schemeClr val="dk1"/>
                 </a:solidFill>
               </a:rPr>
-              <a:t>Transpose matrix</a:t>
+              <a:t>Source code</a:t>
             </a:r>
-            <a:endParaRPr b="1">
+            <a:endParaRPr b="1" dirty="0">
               <a:solidFill>
                 <a:schemeClr val="dk1"/>
               </a:solidFill>
@@ -16029,7 +17591,7 @@
 </p:sld>
 </file>
 
-<file path=ppt/slides/slide11.xml><?xml version="1.0" encoding="utf-8"?>
+<file path=ppt/slides/slide12.xml><?xml version="1.0" encoding="utf-8"?>
 <p:sld xmlns:a="http://schemas.openxmlformats.org/drawingml/2006/main" xmlns:r="http://schemas.openxmlformats.org/officeDocument/2006/relationships" xmlns:p="http://schemas.openxmlformats.org/presentationml/2006/main">
   <p:cSld>
     <p:spTree>
@@ -16478,7 +18040,7 @@
 </p:sld>
 </file>
 
-<file path=ppt/slides/slide12.xml><?xml version="1.0" encoding="utf-8"?>
+<file path=ppt/slides/slide13.xml><?xml version="1.0" encoding="utf-8"?>
 <p:sld xmlns:a="http://schemas.openxmlformats.org/drawingml/2006/main" xmlns:r="http://schemas.openxmlformats.org/officeDocument/2006/relationships" xmlns:p="http://schemas.openxmlformats.org/presentationml/2006/main">
   <p:cSld>
     <p:spTree>
@@ -16590,14 +18152,14 @@
               <a:buNone/>
             </a:pPr>
             <a:r>
-              <a:rPr lang="en" b="1">
+              <a:rPr lang="en" b="1" dirty="0" smtClean="0">
                 <a:solidFill>
                   <a:schemeClr val="dk1"/>
                 </a:solidFill>
               </a:rPr>
-              <a:t>Pseudo inverse of a matrix</a:t>
+              <a:t>Source code</a:t>
             </a:r>
-            <a:endParaRPr b="1">
+            <a:endParaRPr b="1" dirty="0">
               <a:solidFill>
                 <a:schemeClr val="dk1"/>
               </a:solidFill>
@@ -17067,839 +18629,6 @@
                                         <p:cTn id="19" dur="1000"/>
                                         <p:tgtEl>
                                           <p:spTgt spid="242"/>
-                                        </p:tgtEl>
-                                      </p:cBhvr>
-                                    </p:animEffect>
-                                  </p:childTnLst>
-                                </p:cTn>
-                              </p:par>
-                            </p:childTnLst>
-                          </p:cTn>
-                        </p:par>
-                      </p:childTnLst>
-                    </p:cTn>
-                  </p:par>
-                </p:childTnLst>
-              </p:cTn>
-              <p:prevCondLst>
-                <p:cond evt="onPrev" delay="0">
-                  <p:tgtEl>
-                    <p:sldTgt/>
-                  </p:tgtEl>
-                </p:cond>
-              </p:prevCondLst>
-              <p:nextCondLst>
-                <p:cond evt="onNext" delay="0">
-                  <p:tgtEl>
-                    <p:sldTgt/>
-                  </p:tgtEl>
-                </p:cond>
-              </p:nextCondLst>
-            </p:seq>
-          </p:childTnLst>
-        </p:cTn>
-      </p:par>
-    </p:tnLst>
-  </p:timing>
-</p:sld>
-</file>
-
-<file path=ppt/slides/slide13.xml><?xml version="1.0" encoding="utf-8"?>
-<p:sld xmlns:a="http://schemas.openxmlformats.org/drawingml/2006/main" xmlns:r="http://schemas.openxmlformats.org/officeDocument/2006/relationships" xmlns:p="http://schemas.openxmlformats.org/presentationml/2006/main">
-  <p:cSld>
-    <p:spTree>
-      <p:nvGrpSpPr>
-        <p:cNvPr id="1" name="Shape 246"/>
-        <p:cNvGrpSpPr/>
-        <p:nvPr/>
-      </p:nvGrpSpPr>
-      <p:grpSpPr>
-        <a:xfrm>
-          <a:off x="0" y="0"/>
-          <a:ext cx="0" cy="0"/>
-          <a:chOff x="0" y="0"/>
-          <a:chExt cx="0" cy="0"/>
-        </a:xfrm>
-      </p:grpSpPr>
-      <p:sp>
-        <p:nvSpPr>
-          <p:cNvPr id="247" name="Google Shape;247;p13"/>
-          <p:cNvSpPr txBox="1">
-            <a:spLocks noGrp="1"/>
-          </p:cNvSpPr>
-          <p:nvPr>
-            <p:ph type="title"/>
-          </p:nvPr>
-        </p:nvSpPr>
-        <p:spPr>
-          <a:xfrm>
-            <a:off x="1297500" y="393750"/>
-            <a:ext cx="7038900" cy="914100"/>
-          </a:xfrm>
-          <a:prstGeom prst="rect">
-            <a:avLst/>
-          </a:prstGeom>
-          <a:noFill/>
-          <a:ln>
-            <a:noFill/>
-          </a:ln>
-        </p:spPr>
-        <p:txBody>
-          <a:bodyPr spcFirstLastPara="1" wrap="square" lIns="91425" tIns="91425" rIns="91425" bIns="91425" anchor="t" anchorCtr="0">
-            <a:normAutofit/>
-          </a:bodyPr>
-          <a:lstStyle/>
-          <a:p>
-            <a:pPr marL="0" lvl="0" indent="0" algn="l" rtl="0">
-              <a:lnSpc>
-                <a:spcPct val="100000"/>
-              </a:lnSpc>
-              <a:spcBef>
-                <a:spcPts val="0"/>
-              </a:spcBef>
-              <a:spcAft>
-                <a:spcPts val="0"/>
-              </a:spcAft>
-              <a:buSzPts val="2400"/>
-              <a:buNone/>
-            </a:pPr>
-            <a:r>
-              <a:rPr lang="en" b="1">
-                <a:solidFill>
-                  <a:schemeClr val="dk1"/>
-                </a:solidFill>
-              </a:rPr>
-              <a:t>Gaussian Initialization</a:t>
-            </a:r>
-            <a:endParaRPr b="1">
-              <a:solidFill>
-                <a:schemeClr val="dk1"/>
-              </a:solidFill>
-            </a:endParaRPr>
-          </a:p>
-        </p:txBody>
-      </p:sp>
-      <p:pic>
-        <p:nvPicPr>
-          <p:cNvPr id="248" name="Google Shape;248;p13"/>
-          <p:cNvPicPr preferRelativeResize="0"/>
-          <p:nvPr/>
-        </p:nvPicPr>
-        <p:blipFill rotWithShape="1">
-          <a:blip r:embed="rId3">
-            <a:alphaModFix/>
-          </a:blip>
-          <a:srcRect/>
-          <a:stretch/>
-        </p:blipFill>
-        <p:spPr>
-          <a:xfrm>
-            <a:off x="1297497" y="2377222"/>
-            <a:ext cx="2467950" cy="2219075"/>
-          </a:xfrm>
-          <a:prstGeom prst="rect">
-            <a:avLst/>
-          </a:prstGeom>
-          <a:noFill/>
-          <a:ln>
-            <a:noFill/>
-          </a:ln>
-        </p:spPr>
-      </p:pic>
-      <p:pic>
-        <p:nvPicPr>
-          <p:cNvPr id="249" name="Google Shape;249;p13"/>
-          <p:cNvPicPr preferRelativeResize="0"/>
-          <p:nvPr/>
-        </p:nvPicPr>
-        <p:blipFill rotWithShape="1">
-          <a:blip r:embed="rId4">
-            <a:alphaModFix/>
-          </a:blip>
-          <a:srcRect/>
-          <a:stretch/>
-        </p:blipFill>
-        <p:spPr>
-          <a:xfrm>
-            <a:off x="3971175" y="2893350"/>
-            <a:ext cx="4568100" cy="1321950"/>
-          </a:xfrm>
-          <a:prstGeom prst="rect">
-            <a:avLst/>
-          </a:prstGeom>
-          <a:noFill/>
-          <a:ln>
-            <a:noFill/>
-          </a:ln>
-        </p:spPr>
-      </p:pic>
-      <p:sp>
-        <p:nvSpPr>
-          <p:cNvPr id="250" name="Google Shape;250;p13"/>
-          <p:cNvSpPr txBox="1"/>
-          <p:nvPr/>
-        </p:nvSpPr>
-        <p:spPr>
-          <a:xfrm>
-            <a:off x="1297500" y="983850"/>
-            <a:ext cx="6058500" cy="400200"/>
-          </a:xfrm>
-          <a:prstGeom prst="rect">
-            <a:avLst/>
-          </a:prstGeom>
-          <a:noFill/>
-          <a:ln>
-            <a:noFill/>
-          </a:ln>
-        </p:spPr>
-        <p:txBody>
-          <a:bodyPr spcFirstLastPara="1" wrap="square" lIns="91425" tIns="91425" rIns="91425" bIns="91425" anchor="t" anchorCtr="0">
-            <a:spAutoFit/>
-          </a:bodyPr>
-          <a:lstStyle/>
-          <a:p>
-            <a:pPr marL="0" marR="0" lvl="0" indent="0" algn="l" rtl="0">
-              <a:lnSpc>
-                <a:spcPct val="100000"/>
-              </a:lnSpc>
-              <a:spcBef>
-                <a:spcPts val="0"/>
-              </a:spcBef>
-              <a:spcAft>
-                <a:spcPts val="0"/>
-              </a:spcAft>
-              <a:buClr>
-                <a:srgbClr val="000000"/>
-              </a:buClr>
-              <a:buSzPts val="1400"/>
-              <a:buFont typeface="Arial"/>
-              <a:buNone/>
-            </a:pPr>
-            <a:r>
-              <a:rPr lang="en" sz="1400" b="0" i="0" u="none" strike="noStrike" cap="none">
-                <a:solidFill>
-                  <a:schemeClr val="dk1"/>
-                </a:solidFill>
-                <a:latin typeface="Lato"/>
-                <a:ea typeface="Lato"/>
-                <a:cs typeface="Lato"/>
-                <a:sym typeface="Lato"/>
-              </a:rPr>
-              <a:t>Initializing new two matrices using gaussian initializing formula.</a:t>
-            </a:r>
-            <a:endParaRPr sz="1400" b="0" i="0" u="none" strike="noStrike" cap="none">
-              <a:solidFill>
-                <a:schemeClr val="dk1"/>
-              </a:solidFill>
-              <a:latin typeface="Lato"/>
-              <a:ea typeface="Lato"/>
-              <a:cs typeface="Lato"/>
-              <a:sym typeface="Lato"/>
-            </a:endParaRPr>
-          </a:p>
-        </p:txBody>
-      </p:sp>
-      <mc:AlternateContent xmlns:mc="http://schemas.openxmlformats.org/markup-compatibility/2006">
-        <mc:Choice xmlns:a14="http://schemas.microsoft.com/office/drawing/2010/main" Requires="a14">
-          <p:graphicFrame>
-            <p:nvGraphicFramePr>
-              <p:cNvPr id="251" name="Google Shape;251;p13"/>
-              <p:cNvGraphicFramePr/>
-              <p:nvPr>
-                <p:extLst>
-                  <p:ext uri="{D42A27DB-BD31-4B8C-83A1-F6EECF244321}">
-                    <p14:modId xmlns:p14="http://schemas.microsoft.com/office/powerpoint/2010/main" val="484239899"/>
-                  </p:ext>
-                </p:extLst>
-              </p:nvPr>
-            </p:nvGraphicFramePr>
-            <p:xfrm>
-              <a:off x="2385067" y="1556283"/>
-              <a:ext cx="4362725" cy="666150"/>
-            </p:xfrm>
-            <a:graphic>
-              <a:graphicData uri="http://schemas.openxmlformats.org/drawingml/2006/table">
-                <a:tbl>
-                  <a:tblPr>
-                    <a:noFill/>
-                    <a:tableStyleId>{B1467741-9774-427B-8A85-8F639238AC20}</a:tableStyleId>
-                  </a:tblPr>
-                  <a:tblGrid>
-                    <a:gridCol w="4362725"/>
-                  </a:tblGrid>
-                  <a:tr h="666150">
-                    <a:tc>
-                      <a:txBody>
-                        <a:bodyPr/>
-                        <a:lstStyle/>
-                        <a:p>
-                          <a:pPr marL="0" marR="0" lvl="0" indent="0" algn="l" defTabSz="914400" rtl="0" eaLnBrk="1" fontAlgn="auto" latinLnBrk="0" hangingPunct="1">
-                            <a:lnSpc>
-                              <a:spcPct val="100000"/>
-                            </a:lnSpc>
-                            <a:spcBef>
-                              <a:spcPts val="0"/>
-                            </a:spcBef>
-                            <a:spcAft>
-                              <a:spcPts val="0"/>
-                            </a:spcAft>
-                            <a:buClr>
-                              <a:srgbClr val="000000"/>
-                            </a:buClr>
-                            <a:buSzTx/>
-                            <a:buFont typeface="Arial"/>
-                            <a:buNone/>
-                            <a:tabLst/>
-                            <a:defRPr/>
-                          </a:pPr>
-                          <a14:m>
-                            <m:oMathPara xmlns:m="http://schemas.openxmlformats.org/officeDocument/2006/math">
-                              <m:oMathParaPr>
-                                <m:jc m:val="centerGroup"/>
-                              </m:oMathParaPr>
-                              <m:oMath xmlns:m="http://schemas.openxmlformats.org/officeDocument/2006/math">
-                                <m:r>
-                                  <a:rPr lang="pt-BR" sz="1400" b="1" i="1" smtClean="0">
-                                    <a:solidFill>
-                                      <a:schemeClr val="dk1"/>
-                                    </a:solidFill>
-                                    <a:latin typeface="Cambria Math"/>
-                                    <a:ea typeface="Lato"/>
-                                    <a:cs typeface="Lato"/>
-                                    <a:sym typeface="Lato"/>
-                                  </a:rPr>
-                                  <m:t>𝒇</m:t>
-                                </m:r>
-                                <m:d>
-                                  <m:dPr>
-                                    <m:ctrlPr>
-                                      <a:rPr lang="ar-AE" sz="1400" b="1" i="1" smtClean="0">
-                                        <a:solidFill>
-                                          <a:schemeClr val="dk1"/>
-                                        </a:solidFill>
-                                        <a:latin typeface="Cambria Math"/>
-                                        <a:ea typeface="Lato"/>
-                                        <a:cs typeface="Lato"/>
-                                        <a:sym typeface="Lato"/>
-                                      </a:rPr>
-                                    </m:ctrlPr>
-                                  </m:dPr>
-                                  <m:e>
-                                    <m:r>
-                                      <a:rPr lang="pt-BR" sz="1400" b="1" i="1" smtClean="0">
-                                        <a:solidFill>
-                                          <a:schemeClr val="dk1"/>
-                                        </a:solidFill>
-                                        <a:latin typeface="Cambria Math"/>
-                                        <a:ea typeface="Lato"/>
-                                        <a:cs typeface="Lato"/>
-                                        <a:sym typeface="Lato"/>
-                                      </a:rPr>
-                                      <m:t>𝒙</m:t>
-                                    </m:r>
-                                  </m:e>
-                                </m:d>
-                                <m:r>
-                                  <a:rPr lang="ar-AE" sz="1400" b="1" i="1" smtClean="0">
-                                    <a:solidFill>
-                                      <a:schemeClr val="dk1"/>
-                                    </a:solidFill>
-                                    <a:latin typeface="Cambria Math"/>
-                                    <a:ea typeface="Lato"/>
-                                    <a:cs typeface="Lato"/>
-                                    <a:sym typeface="Lato"/>
-                                  </a:rPr>
-                                  <m:t>=</m:t>
-                                </m:r>
-                                <m:f>
-                                  <m:fPr>
-                                    <m:ctrlPr>
-                                      <a:rPr lang="ar-AE" sz="1400" b="1" i="1" smtClean="0">
-                                        <a:solidFill>
-                                          <a:schemeClr val="dk1"/>
-                                        </a:solidFill>
-                                        <a:latin typeface="Cambria Math"/>
-                                        <a:sym typeface="Lato"/>
-                                      </a:rPr>
-                                    </m:ctrlPr>
-                                  </m:fPr>
-                                  <m:num>
-                                    <m:r>
-                                      <a:rPr lang="pt-BR" sz="1400" b="1" i="1" smtClean="0">
-                                        <a:solidFill>
-                                          <a:schemeClr val="dk1"/>
-                                        </a:solidFill>
-                                        <a:latin typeface="Cambria Math"/>
-                                        <a:sym typeface="Lato"/>
-                                      </a:rPr>
-                                      <m:t>𝟏</m:t>
-                                    </m:r>
-                                  </m:num>
-                                  <m:den>
-                                    <m:r>
-                                      <a:rPr lang="pt-BR" sz="1400" b="1" i="1" smtClean="0">
-                                        <a:solidFill>
-                                          <a:schemeClr val="dk1"/>
-                                        </a:solidFill>
-                                        <a:latin typeface="Cambria Math"/>
-                                        <a:ea typeface="Cambria Math"/>
-                                        <a:sym typeface="Lato"/>
-                                      </a:rPr>
-                                      <m:t>𝝈</m:t>
-                                    </m:r>
-                                    <m:rad>
-                                      <m:radPr>
-                                        <m:degHide m:val="on"/>
-                                        <m:ctrlPr>
-                                          <a:rPr lang="ar-AE" sz="1400" b="1" i="1" smtClean="0">
-                                            <a:solidFill>
-                                              <a:schemeClr val="dk1"/>
-                                            </a:solidFill>
-                                            <a:latin typeface="Cambria Math"/>
-                                            <a:ea typeface="Cambria Math"/>
-                                            <a:sym typeface="Lato"/>
-                                          </a:rPr>
-                                        </m:ctrlPr>
-                                      </m:radPr>
-                                      <m:deg/>
-                                      <m:e>
-                                        <m:r>
-                                          <a:rPr lang="pt-BR" sz="1400" b="1" i="1" smtClean="0">
-                                            <a:solidFill>
-                                              <a:schemeClr val="dk1"/>
-                                            </a:solidFill>
-                                            <a:latin typeface="Cambria Math"/>
-                                            <a:ea typeface="Cambria Math"/>
-                                            <a:sym typeface="Lato"/>
-                                          </a:rPr>
-                                          <m:t>𝟐</m:t>
-                                        </m:r>
-                                        <m:r>
-                                          <a:rPr lang="pt-BR" sz="1400" b="1" i="1" smtClean="0">
-                                            <a:solidFill>
-                                              <a:schemeClr val="dk1"/>
-                                            </a:solidFill>
-                                            <a:latin typeface="Cambria Math"/>
-                                            <a:ea typeface="Cambria Math"/>
-                                            <a:sym typeface="Lato"/>
-                                          </a:rPr>
-                                          <m:t>𝝅</m:t>
-                                        </m:r>
-                                      </m:e>
-                                    </m:rad>
-                                  </m:den>
-                                </m:f>
-                                <m:sSup>
-                                  <m:sSupPr>
-                                    <m:ctrlPr>
-                                      <a:rPr lang="ar-AE" sz="1400" b="1" i="1" smtClean="0">
-                                        <a:solidFill>
-                                          <a:schemeClr val="dk1"/>
-                                        </a:solidFill>
-                                        <a:latin typeface="Cambria Math"/>
-                                        <a:sym typeface="Lato"/>
-                                      </a:rPr>
-                                    </m:ctrlPr>
-                                  </m:sSupPr>
-                                  <m:e>
-                                    <m:r>
-                                      <a:rPr lang="pt-BR" sz="1400" b="1" i="1" smtClean="0">
-                                        <a:solidFill>
-                                          <a:schemeClr val="dk1"/>
-                                        </a:solidFill>
-                                        <a:latin typeface="Cambria Math"/>
-                                        <a:sym typeface="Lato"/>
-                                      </a:rPr>
-                                      <m:t>𝒆</m:t>
-                                    </m:r>
-                                  </m:e>
-                                  <m:sup>
-                                    <m:sSup>
-                                      <m:sSupPr>
-                                        <m:ctrlPr>
-                                          <a:rPr lang="ar-AE" sz="1400" b="1" i="1" smtClean="0">
-                                            <a:solidFill>
-                                              <a:schemeClr val="dk1"/>
-                                            </a:solidFill>
-                                            <a:latin typeface="Cambria Math"/>
-                                            <a:sym typeface="Lato"/>
-                                          </a:rPr>
-                                        </m:ctrlPr>
-                                      </m:sSupPr>
-                                      <m:e>
-                                        <m:r>
-                                          <a:rPr lang="ar-AE" sz="1400" b="1" i="1" smtClean="0">
-                                            <a:solidFill>
-                                              <a:schemeClr val="dk1"/>
-                                            </a:solidFill>
-                                            <a:latin typeface="Cambria Math"/>
-                                            <a:sym typeface="Lato"/>
-                                          </a:rPr>
-                                          <m:t>−</m:t>
-                                        </m:r>
-                                        <m:f>
-                                          <m:fPr>
-                                            <m:ctrlPr>
-                                              <a:rPr lang="ar-AE" sz="1400" b="1" i="1" smtClean="0">
-                                                <a:solidFill>
-                                                  <a:schemeClr val="dk1"/>
-                                                </a:solidFill>
-                                                <a:latin typeface="Cambria Math"/>
-                                                <a:sym typeface="Lato"/>
-                                              </a:rPr>
-                                            </m:ctrlPr>
-                                          </m:fPr>
-                                          <m:num>
-                                            <m:r>
-                                              <a:rPr lang="pt-BR" sz="1400" b="1" i="1" smtClean="0">
-                                                <a:solidFill>
-                                                  <a:schemeClr val="dk1"/>
-                                                </a:solidFill>
-                                                <a:latin typeface="Cambria Math"/>
-                                                <a:sym typeface="Lato"/>
-                                              </a:rPr>
-                                              <m:t>𝟏</m:t>
-                                            </m:r>
-                                          </m:num>
-                                          <m:den>
-                                            <m:r>
-                                              <a:rPr lang="pt-BR" sz="1400" b="1" i="1" smtClean="0">
-                                                <a:solidFill>
-                                                  <a:schemeClr val="dk1"/>
-                                                </a:solidFill>
-                                                <a:latin typeface="Cambria Math"/>
-                                                <a:sym typeface="Lato"/>
-                                              </a:rPr>
-                                              <m:t>𝟐</m:t>
-                                            </m:r>
-                                          </m:den>
-                                        </m:f>
-                                        <m:d>
-                                          <m:dPr>
-                                            <m:ctrlPr>
-                                              <a:rPr lang="ar-AE" sz="1400" b="1" i="1" smtClean="0">
-                                                <a:solidFill>
-                                                  <a:schemeClr val="dk1"/>
-                                                </a:solidFill>
-                                                <a:latin typeface="Cambria Math"/>
-                                                <a:sym typeface="Lato"/>
-                                              </a:rPr>
-                                            </m:ctrlPr>
-                                          </m:dPr>
-                                          <m:e>
-                                            <m:f>
-                                              <m:fPr>
-                                                <m:ctrlPr>
-                                                  <a:rPr lang="ar-AE" sz="1400" b="1" i="1" smtClean="0">
-                                                    <a:solidFill>
-                                                      <a:schemeClr val="dk1"/>
-                                                    </a:solidFill>
-                                                    <a:latin typeface="Cambria Math"/>
-                                                    <a:sym typeface="Lato"/>
-                                                  </a:rPr>
-                                                </m:ctrlPr>
-                                              </m:fPr>
-                                              <m:num>
-                                                <m:r>
-                                                  <a:rPr lang="pt-BR" sz="1400" b="1" i="1" smtClean="0">
-                                                    <a:solidFill>
-                                                      <a:schemeClr val="dk1"/>
-                                                    </a:solidFill>
-                                                    <a:latin typeface="Cambria Math"/>
-                                                    <a:sym typeface="Lato"/>
-                                                  </a:rPr>
-                                                  <m:t>𝒙</m:t>
-                                                </m:r>
-                                                <m:r>
-                                                  <a:rPr lang="pt-BR" sz="1400" b="1" i="1" smtClean="0">
-                                                    <a:solidFill>
-                                                      <a:schemeClr val="dk1"/>
-                                                    </a:solidFill>
-                                                    <a:latin typeface="Cambria Math"/>
-                                                    <a:sym typeface="Lato"/>
-                                                  </a:rPr>
-                                                  <m:t>−</m:t>
-                                                </m:r>
-                                                <m:r>
-                                                  <a:rPr lang="pt-BR" sz="1400" b="1" i="1" smtClean="0">
-                                                    <a:solidFill>
-                                                      <a:schemeClr val="dk1"/>
-                                                    </a:solidFill>
-                                                    <a:latin typeface="Cambria Math"/>
-                                                    <a:ea typeface="Cambria Math"/>
-                                                    <a:sym typeface="Lato"/>
-                                                  </a:rPr>
-                                                  <m:t>𝝁</m:t>
-                                                </m:r>
-                                              </m:num>
-                                              <m:den>
-                                                <m:r>
-                                                  <a:rPr lang="pt-BR" sz="1400" b="1" i="1" smtClean="0">
-                                                    <a:solidFill>
-                                                      <a:schemeClr val="dk1"/>
-                                                    </a:solidFill>
-                                                    <a:latin typeface="Cambria Math"/>
-                                                    <a:ea typeface="Cambria Math"/>
-                                                    <a:sym typeface="Lato"/>
-                                                  </a:rPr>
-                                                  <m:t>𝝈</m:t>
-                                                </m:r>
-                                              </m:den>
-                                            </m:f>
-                                          </m:e>
-                                        </m:d>
-                                      </m:e>
-                                      <m:sup>
-                                        <m:r>
-                                          <a:rPr lang="pt-BR" sz="1400" b="1" i="1" smtClean="0">
-                                            <a:solidFill>
-                                              <a:schemeClr val="dk1"/>
-                                            </a:solidFill>
-                                            <a:latin typeface="Cambria Math"/>
-                                            <a:sym typeface="Lato"/>
-                                          </a:rPr>
-                                          <m:t>𝟐</m:t>
-                                        </m:r>
-                                      </m:sup>
-                                    </m:sSup>
-                                  </m:sup>
-                                </m:sSup>
-                              </m:oMath>
-                            </m:oMathPara>
-                          </a14:m>
-                          <a:endParaRPr lang="ar-AE" sz="1400" b="1" i="1" dirty="0">
-                            <a:solidFill>
-                              <a:schemeClr val="dk1"/>
-                            </a:solidFill>
-                            <a:latin typeface="Lato"/>
-                            <a:ea typeface="Lato"/>
-                            <a:cs typeface="Lato"/>
-                            <a:sym typeface="Lato"/>
-                          </a:endParaRPr>
-                        </a:p>
-                      </a:txBody>
-                      <a:tcPr marL="91425" marR="91425" marT="91425" marB="91425">
-                        <a:lnL w="9525" cap="flat" cmpd="sng">
-                          <a:solidFill>
-                            <a:schemeClr val="dk1"/>
-                          </a:solidFill>
-                          <a:prstDash val="solid"/>
-                          <a:round/>
-                          <a:headEnd type="none" w="sm" len="sm"/>
-                          <a:tailEnd type="none" w="sm" len="sm"/>
-                        </a:lnL>
-                        <a:lnR w="9525" cap="flat" cmpd="sng">
-                          <a:solidFill>
-                            <a:schemeClr val="dk1"/>
-                          </a:solidFill>
-                          <a:prstDash val="solid"/>
-                          <a:round/>
-                          <a:headEnd type="none" w="sm" len="sm"/>
-                          <a:tailEnd type="none" w="sm" len="sm"/>
-                        </a:lnR>
-                        <a:lnT w="9525" cap="flat" cmpd="sng">
-                          <a:solidFill>
-                            <a:schemeClr val="dk1"/>
-                          </a:solidFill>
-                          <a:prstDash val="solid"/>
-                          <a:round/>
-                          <a:headEnd type="none" w="sm" len="sm"/>
-                          <a:tailEnd type="none" w="sm" len="sm"/>
-                        </a:lnT>
-                        <a:lnB w="9525" cap="flat" cmpd="sng">
-                          <a:solidFill>
-                            <a:schemeClr val="dk1"/>
-                          </a:solidFill>
-                          <a:prstDash val="solid"/>
-                          <a:round/>
-                          <a:headEnd type="none" w="sm" len="sm"/>
-                          <a:tailEnd type="none" w="sm" len="sm"/>
-                        </a:lnB>
-                      </a:tcPr>
-                    </a:tc>
-                  </a:tr>
-                </a:tbl>
-              </a:graphicData>
-            </a:graphic>
-          </p:graphicFrame>
-        </mc:Choice>
-        <mc:Fallback>
-          <p:graphicFrame>
-            <p:nvGraphicFramePr>
-              <p:cNvPr id="251" name="Google Shape;251;p13"/>
-              <p:cNvGraphicFramePr/>
-              <p:nvPr>
-                <p:extLst>
-                  <p:ext uri="{D42A27DB-BD31-4B8C-83A1-F6EECF244321}">
-                    <p14:modId xmlns:p14="http://schemas.microsoft.com/office/powerpoint/2010/main" val="484239899"/>
-                  </p:ext>
-                </p:extLst>
-              </p:nvPr>
-            </p:nvGraphicFramePr>
-            <p:xfrm>
-              <a:off x="2385067" y="1556283"/>
-              <a:ext cx="4362725" cy="666150"/>
-            </p:xfrm>
-            <a:graphic>
-              <a:graphicData uri="http://schemas.openxmlformats.org/drawingml/2006/table">
-                <a:tbl>
-                  <a:tblPr>
-                    <a:noFill/>
-                    <a:tableStyleId>{B1467741-9774-427B-8A85-8F639238AC20}</a:tableStyleId>
-                  </a:tblPr>
-                  <a:tblGrid>
-                    <a:gridCol w="4362725"/>
-                  </a:tblGrid>
-                  <a:tr h="666150">
-                    <a:tc>
-                      <a:txBody>
-                        <a:bodyPr/>
-                        <a:lstStyle/>
-                        <a:p>
-                          <a:endParaRPr lang="en-US"/>
-                        </a:p>
-                      </a:txBody>
-                      <a:tcPr marL="91425" marR="91425" marT="91425" marB="91425">
-                        <a:lnL w="9525" cap="flat" cmpd="sng">
-                          <a:solidFill>
-                            <a:schemeClr val="dk1"/>
-                          </a:solidFill>
-                          <a:prstDash val="solid"/>
-                          <a:round/>
-                          <a:headEnd type="none" w="sm" len="sm"/>
-                          <a:tailEnd type="none" w="sm" len="sm"/>
-                        </a:lnL>
-                        <a:lnR w="9525" cap="flat" cmpd="sng">
-                          <a:solidFill>
-                            <a:schemeClr val="dk1"/>
-                          </a:solidFill>
-                          <a:prstDash val="solid"/>
-                          <a:round/>
-                          <a:headEnd type="none" w="sm" len="sm"/>
-                          <a:tailEnd type="none" w="sm" len="sm"/>
-                        </a:lnR>
-                        <a:lnT w="9525" cap="flat" cmpd="sng">
-                          <a:solidFill>
-                            <a:schemeClr val="dk1"/>
-                          </a:solidFill>
-                          <a:prstDash val="solid"/>
-                          <a:round/>
-                          <a:headEnd type="none" w="sm" len="sm"/>
-                          <a:tailEnd type="none" w="sm" len="sm"/>
-                        </a:lnT>
-                        <a:lnB w="9525" cap="flat" cmpd="sng">
-                          <a:solidFill>
-                            <a:schemeClr val="dk1"/>
-                          </a:solidFill>
-                          <a:prstDash val="solid"/>
-                          <a:round/>
-                          <a:headEnd type="none" w="sm" len="sm"/>
-                          <a:tailEnd type="none" w="sm" len="sm"/>
-                        </a:lnB>
-                        <a:blipFill rotWithShape="1">
-                          <a:blip r:embed="rId5"/>
-                          <a:stretch>
-                            <a:fillRect/>
-                          </a:stretch>
-                        </a:blipFill>
-                      </a:tcPr>
-                    </a:tc>
-                  </a:tr>
-                </a:tbl>
-              </a:graphicData>
-            </a:graphic>
-          </p:graphicFrame>
-        </mc:Fallback>
-      </mc:AlternateContent>
-    </p:spTree>
-  </p:cSld>
-  <p:clrMapOvr>
-    <a:masterClrMapping/>
-  </p:clrMapOvr>
-  <p:timing>
-    <p:tnLst>
-      <p:par>
-        <p:cTn id="1" dur="indefinite" restart="never" nodeType="tmRoot">
-          <p:childTnLst>
-            <p:seq concurrent="1" nextAc="seek">
-              <p:cTn id="2" dur="indefinite" nodeType="mainSeq">
-                <p:childTnLst>
-                  <p:par>
-                    <p:cTn id="3" fill="hold">
-                      <p:stCondLst>
-                        <p:cond delay="indefinite"/>
-                      </p:stCondLst>
-                      <p:childTnLst>
-                        <p:par>
-                          <p:cTn id="4" fill="hold">
-                            <p:stCondLst>
-                              <p:cond delay="0"/>
-                            </p:stCondLst>
-                            <p:childTnLst>
-                              <p:par>
-                                <p:cTn id="5" presetID="10" presetClass="entr" presetSubtype="0" fill="hold" nodeType="clickEffect">
-                                  <p:stCondLst>
-                                    <p:cond delay="0"/>
-                                  </p:stCondLst>
-                                  <p:childTnLst>
-                                    <p:set>
-                                      <p:cBhvr>
-                                        <p:cTn id="6" dur="1" fill="hold">
-                                          <p:stCondLst>
-                                            <p:cond delay="0"/>
-                                          </p:stCondLst>
-                                        </p:cTn>
-                                        <p:tgtEl>
-                                          <p:spTgt spid="248"/>
-                                        </p:tgtEl>
-                                        <p:attrNameLst>
-                                          <p:attrName>style.visibility</p:attrName>
-                                        </p:attrNameLst>
-                                      </p:cBhvr>
-                                      <p:to>
-                                        <p:strVal val="visible"/>
-                                      </p:to>
-                                    </p:set>
-                                    <p:animEffect transition="in" filter="fade">
-                                      <p:cBhvr>
-                                        <p:cTn id="7" dur="1000"/>
-                                        <p:tgtEl>
-                                          <p:spTgt spid="248"/>
-                                        </p:tgtEl>
-                                      </p:cBhvr>
-                                    </p:animEffect>
-                                  </p:childTnLst>
-                                </p:cTn>
-                              </p:par>
-                              <p:par>
-                                <p:cTn id="8" presetID="10" presetClass="entr" presetSubtype="0" fill="hold" nodeType="withEffect">
-                                  <p:stCondLst>
-                                    <p:cond delay="0"/>
-                                  </p:stCondLst>
-                                  <p:childTnLst>
-                                    <p:set>
-                                      <p:cBhvr>
-                                        <p:cTn id="9" dur="1" fill="hold">
-                                          <p:stCondLst>
-                                            <p:cond delay="0"/>
-                                          </p:stCondLst>
-                                        </p:cTn>
-                                        <p:tgtEl>
-                                          <p:spTgt spid="249"/>
-                                        </p:tgtEl>
-                                        <p:attrNameLst>
-                                          <p:attrName>style.visibility</p:attrName>
-                                        </p:attrNameLst>
-                                      </p:cBhvr>
-                                      <p:to>
-                                        <p:strVal val="visible"/>
-                                      </p:to>
-                                    </p:set>
-                                    <p:animEffect transition="in" filter="fade">
-                                      <p:cBhvr>
-                                        <p:cTn id="10" dur="1000"/>
-                                        <p:tgtEl>
-                                          <p:spTgt spid="249"/>
                                         </p:tgtEl>
                                       </p:cBhvr>
                                     </p:animEffect>
@@ -18870,8 +19599,8 @@
           </a:ln>
         </p:spPr>
       </p:cxnSp>
-      <mc:AlternateContent xmlns:mc="http://schemas.openxmlformats.org/markup-compatibility/2006">
-        <mc:Choice xmlns:a14="http://schemas.microsoft.com/office/drawing/2010/main" Requires="a14">
+      <mc:AlternateContent xmlns:mc="http://schemas.openxmlformats.org/markup-compatibility/2006" xmlns:a14="http://schemas.microsoft.com/office/drawing/2010/main">
+        <mc:Choice Requires="a14">
           <p:graphicFrame>
             <p:nvGraphicFramePr>
               <p:cNvPr id="9" name="Google Shape;261;p26"/>
@@ -19195,7 +19924,7 @@
             </a:graphic>
           </p:graphicFrame>
         </mc:Choice>
-        <mc:Fallback>
+        <mc:Fallback xmlns="">
           <p:graphicFrame>
             <p:nvGraphicFramePr>
               <p:cNvPr id="9" name="Google Shape;261;p26"/>
@@ -19520,8 +20249,8 @@
           </p:graphicFrame>
         </mc:Fallback>
       </mc:AlternateContent>
-      <mc:AlternateContent xmlns:mc="http://schemas.openxmlformats.org/markup-compatibility/2006">
-        <mc:Choice xmlns:a14="http://schemas.microsoft.com/office/drawing/2010/main" Requires="a14">
+      <mc:AlternateContent xmlns:mc="http://schemas.openxmlformats.org/markup-compatibility/2006" xmlns:a14="http://schemas.microsoft.com/office/drawing/2010/main">
+        <mc:Choice Requires="a14">
           <p:graphicFrame>
             <p:nvGraphicFramePr>
               <p:cNvPr id="10" name="Google Shape;261;p26"/>
@@ -19779,7 +20508,7 @@
             </a:graphic>
           </p:graphicFrame>
         </mc:Choice>
-        <mc:Fallback>
+        <mc:Fallback xmlns="">
           <p:graphicFrame>
             <p:nvGraphicFramePr>
               <p:cNvPr id="10" name="Google Shape;261;p26"/>
@@ -20277,14 +21006,14 @@
               <a:buNone/>
             </a:pPr>
             <a:r>
-              <a:rPr lang="en" b="1">
+              <a:rPr lang="en" b="1" dirty="0" smtClean="0">
                 <a:solidFill>
                   <a:schemeClr val="dk1"/>
                 </a:solidFill>
               </a:rPr>
-              <a:t>Matrix Normalization</a:t>
+              <a:t>Source code</a:t>
             </a:r>
-            <a:endParaRPr b="1">
+            <a:endParaRPr b="1" dirty="0">
               <a:solidFill>
                 <a:schemeClr val="dk1"/>
               </a:solidFill>
@@ -20479,7 +21208,7 @@
               <a:buNone/>
             </a:pPr>
             <a:r>
-              <a:rPr lang="en" sz="1400" b="0" i="0" u="none" strike="noStrike" cap="none">
+              <a:rPr lang="en" sz="1400" b="0" i="0" u="none" strike="noStrike" cap="none" dirty="0">
                 <a:solidFill>
                   <a:schemeClr val="dk1"/>
                 </a:solidFill>
@@ -20488,9 +21217,33 @@
                 <a:cs typeface="Lato"/>
                 <a:sym typeface="Lato"/>
               </a:rPr>
-              <a:t>Calculates element-wise error using .</a:t>
+              <a:t>Calculates element-wise error using </a:t>
             </a:r>
-            <a:endParaRPr sz="1400" b="0" i="0" u="none" strike="noStrike" cap="none">
+            <a:r>
+              <a:rPr lang="en" sz="1400" b="0" i="0" u="none" strike="noStrike" cap="none" dirty="0" smtClean="0">
+                <a:solidFill>
+                  <a:schemeClr val="dk1"/>
+                </a:solidFill>
+                <a:latin typeface="Lato"/>
+                <a:ea typeface="Lato"/>
+                <a:cs typeface="Lato"/>
+                <a:sym typeface="Lato"/>
+              </a:rPr>
+              <a:t>. </a:t>
+            </a:r>
+            <a:r>
+              <a:rPr lang="en" sz="1400" b="1" i="0" u="none" strike="noStrike" cap="none" dirty="0" smtClean="0">
+                <a:solidFill>
+                  <a:schemeClr val="dk1"/>
+                </a:solidFill>
+                <a:latin typeface="Lato"/>
+                <a:ea typeface="Lato"/>
+                <a:cs typeface="Lato"/>
+                <a:sym typeface="Lato"/>
+              </a:rPr>
+              <a:t>(Frobenius norm)</a:t>
+            </a:r>
+            <a:endParaRPr sz="1400" b="1" i="0" u="none" strike="noStrike" cap="none" dirty="0">
               <a:solidFill>
                 <a:schemeClr val="dk1"/>
               </a:solidFill>
@@ -20502,8 +21255,8 @@
           </a:p>
         </p:txBody>
       </p:sp>
-      <mc:AlternateContent xmlns:mc="http://schemas.openxmlformats.org/markup-compatibility/2006">
-        <mc:Choice xmlns:a14="http://schemas.microsoft.com/office/drawing/2010/main" Requires="a14">
+      <mc:AlternateContent xmlns:mc="http://schemas.openxmlformats.org/markup-compatibility/2006" xmlns:a14="http://schemas.microsoft.com/office/drawing/2010/main">
+        <mc:Choice Requires="a14">
           <p:graphicFrame>
             <p:nvGraphicFramePr>
               <p:cNvPr id="6" name="Google Shape;274;p28"/>
@@ -20863,7 +21616,7 @@
             </a:graphic>
           </p:graphicFrame>
         </mc:Choice>
-        <mc:Fallback>
+        <mc:Fallback xmlns="">
           <p:graphicFrame>
             <p:nvGraphicFramePr>
               <p:cNvPr id="6" name="Google Shape;274;p28"/>
@@ -21320,6 +22073,1735 @@
   <p:cSld>
     <p:spTree>
       <p:nvGrpSpPr>
+        <p:cNvPr id="1" name="Shape 294"/>
+        <p:cNvGrpSpPr/>
+        <p:nvPr/>
+      </p:nvGrpSpPr>
+      <p:grpSpPr>
+        <a:xfrm>
+          <a:off x="0" y="0"/>
+          <a:ext cx="0" cy="0"/>
+          <a:chOff x="0" y="0"/>
+          <a:chExt cx="0" cy="0"/>
+        </a:xfrm>
+      </p:grpSpPr>
+      <p:sp>
+        <p:nvSpPr>
+          <p:cNvPr id="295" name="Google Shape;295;p18"/>
+          <p:cNvSpPr txBox="1">
+            <a:spLocks noGrp="1"/>
+          </p:cNvSpPr>
+          <p:nvPr>
+            <p:ph type="title"/>
+          </p:nvPr>
+        </p:nvSpPr>
+        <p:spPr>
+          <a:xfrm>
+            <a:off x="1297500" y="393750"/>
+            <a:ext cx="7038900" cy="914100"/>
+          </a:xfrm>
+          <a:prstGeom prst="rect">
+            <a:avLst/>
+          </a:prstGeom>
+          <a:noFill/>
+          <a:ln>
+            <a:noFill/>
+          </a:ln>
+        </p:spPr>
+        <p:txBody>
+          <a:bodyPr spcFirstLastPara="1" wrap="square" lIns="91425" tIns="91425" rIns="91425" bIns="91425" anchor="t" anchorCtr="0">
+            <a:normAutofit/>
+          </a:bodyPr>
+          <a:lstStyle/>
+          <a:p>
+            <a:pPr marL="0" lvl="0" indent="0" algn="l" rtl="0">
+              <a:lnSpc>
+                <a:spcPct val="100000"/>
+              </a:lnSpc>
+              <a:spcBef>
+                <a:spcPts val="0"/>
+              </a:spcBef>
+              <a:spcAft>
+                <a:spcPts val="0"/>
+              </a:spcAft>
+              <a:buSzPts val="2400"/>
+              <a:buNone/>
+            </a:pPr>
+            <a:r>
+              <a:rPr lang="en" b="1" dirty="0">
+                <a:solidFill>
+                  <a:schemeClr val="dk1"/>
+                </a:solidFill>
+              </a:rPr>
+              <a:t>Multiplicative </a:t>
+            </a:r>
+            <a:r>
+              <a:rPr lang="en" b="1" dirty="0" smtClean="0">
+                <a:solidFill>
+                  <a:schemeClr val="dk1"/>
+                </a:solidFill>
+              </a:rPr>
+              <a:t>update</a:t>
+            </a:r>
+            <a:endParaRPr b="1" dirty="0">
+              <a:solidFill>
+                <a:schemeClr val="dk1"/>
+              </a:solidFill>
+            </a:endParaRPr>
+          </a:p>
+        </p:txBody>
+      </p:sp>
+      <p:sp>
+        <p:nvSpPr>
+          <p:cNvPr id="296" name="Google Shape;296;p18"/>
+          <p:cNvSpPr txBox="1"/>
+          <p:nvPr/>
+        </p:nvSpPr>
+        <p:spPr>
+          <a:xfrm>
+            <a:off x="1316550" y="1084725"/>
+            <a:ext cx="7000800" cy="831300"/>
+          </a:xfrm>
+          <a:prstGeom prst="rect">
+            <a:avLst/>
+          </a:prstGeom>
+          <a:noFill/>
+          <a:ln>
+            <a:noFill/>
+          </a:ln>
+        </p:spPr>
+        <p:txBody>
+          <a:bodyPr spcFirstLastPara="1" wrap="square" lIns="91425" tIns="91425" rIns="91425" bIns="91425" anchor="t" anchorCtr="0">
+            <a:spAutoFit/>
+          </a:bodyPr>
+          <a:lstStyle/>
+          <a:p>
+            <a:pPr marL="0" marR="0" lvl="0" indent="0" algn="l" rtl="0">
+              <a:lnSpc>
+                <a:spcPct val="100000"/>
+              </a:lnSpc>
+              <a:spcBef>
+                <a:spcPts val="0"/>
+              </a:spcBef>
+              <a:spcAft>
+                <a:spcPts val="0"/>
+              </a:spcAft>
+              <a:buClr>
+                <a:srgbClr val="000000"/>
+              </a:buClr>
+              <a:buSzPts val="1400"/>
+              <a:buFont typeface="Arial"/>
+              <a:buNone/>
+            </a:pPr>
+            <a:r>
+              <a:rPr lang="en" sz="1400" b="0" i="0" u="none" strike="noStrike" cap="none" dirty="0">
+                <a:solidFill>
+                  <a:schemeClr val="dk1"/>
+                </a:solidFill>
+                <a:latin typeface="Lato" charset="0"/>
+                <a:sym typeface="Arial"/>
+              </a:rPr>
+              <a:t>Let, </a:t>
+            </a:r>
+            <a:r>
+              <a:rPr lang="en" sz="1400" b="1" i="1" u="none" strike="noStrike" cap="none" dirty="0">
+                <a:solidFill>
+                  <a:schemeClr val="dk1"/>
+                </a:solidFill>
+                <a:latin typeface="Lato" charset="0"/>
+                <a:sym typeface="Arial"/>
+              </a:rPr>
+              <a:t>V=WH</a:t>
+            </a:r>
+            <a:r>
+              <a:rPr lang="en" sz="1400" b="0" i="0" u="none" strike="noStrike" cap="none" dirty="0">
+                <a:solidFill>
+                  <a:schemeClr val="dk1"/>
+                </a:solidFill>
+                <a:latin typeface="Lato" charset="0"/>
+                <a:sym typeface="Arial"/>
+              </a:rPr>
+              <a:t> where V is the initial matrix and W and H be the factorized matrix. The multiplicative update is ran using the given equation.</a:t>
+            </a:r>
+            <a:endParaRPr sz="1400" b="0" i="0" u="none" strike="noStrike" cap="none" dirty="0">
+              <a:solidFill>
+                <a:schemeClr val="dk1"/>
+              </a:solidFill>
+              <a:latin typeface="Lato" charset="0"/>
+              <a:sym typeface="Arial"/>
+            </a:endParaRPr>
+          </a:p>
+          <a:p>
+            <a:pPr marL="0" marR="0" lvl="0" indent="0" algn="l" rtl="0">
+              <a:lnSpc>
+                <a:spcPct val="100000"/>
+              </a:lnSpc>
+              <a:spcBef>
+                <a:spcPts val="0"/>
+              </a:spcBef>
+              <a:spcAft>
+                <a:spcPts val="0"/>
+              </a:spcAft>
+              <a:buClr>
+                <a:srgbClr val="000000"/>
+              </a:buClr>
+              <a:buSzPts val="1400"/>
+              <a:buFont typeface="Arial"/>
+              <a:buNone/>
+            </a:pPr>
+            <a:endParaRPr sz="1400" b="0" i="0" u="none" strike="noStrike" cap="none" dirty="0">
+              <a:solidFill>
+                <a:srgbClr val="000000"/>
+              </a:solidFill>
+              <a:latin typeface="Lato" charset="0"/>
+              <a:ea typeface="Lato"/>
+              <a:cs typeface="Lato"/>
+              <a:sym typeface="Lato"/>
+            </a:endParaRPr>
+          </a:p>
+        </p:txBody>
+      </p:sp>
+      <p:sp>
+        <p:nvSpPr>
+          <p:cNvPr id="297" name="Google Shape;297;p18"/>
+          <p:cNvSpPr txBox="1"/>
+          <p:nvPr/>
+        </p:nvSpPr>
+        <p:spPr>
+          <a:xfrm>
+            <a:off x="1124350" y="3849200"/>
+            <a:ext cx="7000800" cy="831300"/>
+          </a:xfrm>
+          <a:prstGeom prst="rect">
+            <a:avLst/>
+          </a:prstGeom>
+          <a:noFill/>
+          <a:ln>
+            <a:noFill/>
+          </a:ln>
+        </p:spPr>
+        <p:txBody>
+          <a:bodyPr spcFirstLastPara="1" wrap="square" lIns="91425" tIns="91425" rIns="91425" bIns="91425" anchor="t" anchorCtr="0">
+            <a:spAutoFit/>
+          </a:bodyPr>
+          <a:lstStyle/>
+          <a:p>
+            <a:pPr marL="0" marR="0" lvl="0" indent="0" algn="l" rtl="0">
+              <a:lnSpc>
+                <a:spcPct val="100000"/>
+              </a:lnSpc>
+              <a:spcBef>
+                <a:spcPts val="0"/>
+              </a:spcBef>
+              <a:spcAft>
+                <a:spcPts val="0"/>
+              </a:spcAft>
+              <a:buClr>
+                <a:srgbClr val="000000"/>
+              </a:buClr>
+              <a:buSzPts val="1400"/>
+              <a:buFont typeface="Arial"/>
+              <a:buNone/>
+            </a:pPr>
+            <a:r>
+              <a:rPr lang="en" sz="1400" b="0" i="0" u="none" strike="noStrike" cap="none" dirty="0">
+                <a:solidFill>
+                  <a:schemeClr val="dk1"/>
+                </a:solidFill>
+                <a:latin typeface="Lato" charset="0"/>
+                <a:sym typeface="Arial"/>
+              </a:rPr>
+              <a:t>Here one matrix is kept constant and another one is changed as we try to get closer to the final value.</a:t>
+            </a:r>
+            <a:endParaRPr sz="1400" b="0" i="0" u="none" strike="noStrike" cap="none" dirty="0">
+              <a:solidFill>
+                <a:schemeClr val="dk1"/>
+              </a:solidFill>
+              <a:latin typeface="Lato" charset="0"/>
+              <a:sym typeface="Arial"/>
+            </a:endParaRPr>
+          </a:p>
+          <a:p>
+            <a:pPr marL="0" marR="0" lvl="0" indent="0" algn="l" rtl="0">
+              <a:lnSpc>
+                <a:spcPct val="100000"/>
+              </a:lnSpc>
+              <a:spcBef>
+                <a:spcPts val="0"/>
+              </a:spcBef>
+              <a:spcAft>
+                <a:spcPts val="0"/>
+              </a:spcAft>
+              <a:buClr>
+                <a:srgbClr val="000000"/>
+              </a:buClr>
+              <a:buSzPts val="1400"/>
+              <a:buFont typeface="Arial"/>
+              <a:buNone/>
+            </a:pPr>
+            <a:endParaRPr sz="1400" b="0" i="0" u="none" strike="noStrike" cap="none" dirty="0">
+              <a:solidFill>
+                <a:srgbClr val="000000"/>
+              </a:solidFill>
+              <a:latin typeface="Lato" charset="0"/>
+              <a:ea typeface="Lato"/>
+              <a:cs typeface="Lato"/>
+              <a:sym typeface="Lato"/>
+            </a:endParaRPr>
+          </a:p>
+        </p:txBody>
+      </p:sp>
+      <mc:AlternateContent xmlns:mc="http://schemas.openxmlformats.org/markup-compatibility/2006">
+        <mc:Choice xmlns:a14="http://schemas.microsoft.com/office/drawing/2010/main" Requires="a14">
+          <p:sp>
+            <p:nvSpPr>
+              <p:cNvPr id="7" name="TextBox 6"/>
+              <p:cNvSpPr txBox="1"/>
+              <p:nvPr/>
+            </p:nvSpPr>
+            <p:spPr>
+              <a:xfrm>
+                <a:off x="1672225" y="2802697"/>
+                <a:ext cx="2579296" cy="740395"/>
+              </a:xfrm>
+              <a:prstGeom prst="rect">
+                <a:avLst/>
+              </a:prstGeom>
+              <a:noFill/>
+            </p:spPr>
+            <p:txBody>
+              <a:bodyPr wrap="none" rtlCol="0">
+                <a:spAutoFit/>
+              </a:bodyPr>
+              <a:lstStyle/>
+              <a:p>
+                <a:pPr/>
+                <a14:m>
+                  <m:oMathPara xmlns:m="http://schemas.openxmlformats.org/officeDocument/2006/math">
+                    <m:oMathParaPr>
+                      <m:jc m:val="centerGroup"/>
+                    </m:oMathParaPr>
+                    <m:oMath xmlns:m="http://schemas.openxmlformats.org/officeDocument/2006/math">
+                      <m:sSub>
+                        <m:sSubPr>
+                          <m:ctrlPr>
+                            <a:rPr lang="en-US" sz="1800" b="1" i="1" smtClean="0">
+                              <a:latin typeface="Cambria Math"/>
+                            </a:rPr>
+                          </m:ctrlPr>
+                        </m:sSubPr>
+                        <m:e>
+                          <m:r>
+                            <a:rPr lang="en-US" sz="1800" b="1" i="1" smtClean="0">
+                              <a:latin typeface="Cambria Math"/>
+                            </a:rPr>
+                            <m:t>𝑯</m:t>
+                          </m:r>
+                        </m:e>
+                        <m:sub>
+                          <m:r>
+                            <a:rPr lang="en-US" sz="1800" b="1" i="1" smtClean="0">
+                              <a:latin typeface="Cambria Math"/>
+                            </a:rPr>
+                            <m:t>𝒂</m:t>
+                          </m:r>
+                          <m:r>
+                            <a:rPr lang="en-US" sz="1800" b="1" i="1" smtClean="0">
+                              <a:latin typeface="Cambria Math"/>
+                              <a:ea typeface="Cambria Math"/>
+                            </a:rPr>
+                            <m:t>𝝁</m:t>
+                          </m:r>
+                        </m:sub>
+                      </m:sSub>
+                      <m:r>
+                        <a:rPr lang="en-US" sz="1800" b="1" i="1" smtClean="0">
+                          <a:latin typeface="Cambria Math"/>
+                          <a:ea typeface="Cambria Math"/>
+                        </a:rPr>
+                        <m:t>←</m:t>
+                      </m:r>
+                      <m:sSub>
+                        <m:sSubPr>
+                          <m:ctrlPr>
+                            <a:rPr lang="en-US" sz="1800" b="1" i="1">
+                              <a:latin typeface="Cambria Math"/>
+                            </a:rPr>
+                          </m:ctrlPr>
+                        </m:sSubPr>
+                        <m:e>
+                          <m:r>
+                            <a:rPr lang="en-US" sz="1800" b="1" i="1">
+                              <a:latin typeface="Cambria Math"/>
+                            </a:rPr>
+                            <m:t>𝑯</m:t>
+                          </m:r>
+                        </m:e>
+                        <m:sub>
+                          <m:r>
+                            <a:rPr lang="en-US" sz="1800" b="1" i="1">
+                              <a:latin typeface="Cambria Math"/>
+                            </a:rPr>
+                            <m:t>𝒂</m:t>
+                          </m:r>
+                          <m:r>
+                            <a:rPr lang="en-US" sz="1800" b="1" i="1">
+                              <a:latin typeface="Cambria Math"/>
+                              <a:ea typeface="Cambria Math"/>
+                            </a:rPr>
+                            <m:t>𝝁</m:t>
+                          </m:r>
+                        </m:sub>
+                      </m:sSub>
+                      <m:f>
+                        <m:fPr>
+                          <m:ctrlPr>
+                            <a:rPr lang="en-US" sz="1800" b="1" i="1" smtClean="0">
+                              <a:latin typeface="Cambria Math"/>
+                              <a:ea typeface="Cambria Math"/>
+                            </a:rPr>
+                          </m:ctrlPr>
+                        </m:fPr>
+                        <m:num>
+                          <m:sSub>
+                            <m:sSubPr>
+                              <m:ctrlPr>
+                                <a:rPr lang="en-US" sz="1800" b="1" i="1" smtClean="0">
+                                  <a:latin typeface="Cambria Math"/>
+                                  <a:ea typeface="Cambria Math"/>
+                                </a:rPr>
+                              </m:ctrlPr>
+                            </m:sSubPr>
+                            <m:e>
+                              <m:r>
+                                <a:rPr lang="en-US" sz="1800" b="1" i="1">
+                                  <a:latin typeface="Cambria Math"/>
+                                  <a:ea typeface="Cambria Math"/>
+                                </a:rPr>
+                                <m:t>(</m:t>
+                              </m:r>
+                              <m:sSup>
+                                <m:sSupPr>
+                                  <m:ctrlPr>
+                                    <a:rPr lang="en-US" sz="1800" b="1" i="1">
+                                      <a:latin typeface="Cambria Math"/>
+                                      <a:ea typeface="Cambria Math"/>
+                                    </a:rPr>
+                                  </m:ctrlPr>
+                                </m:sSupPr>
+                                <m:e>
+                                  <m:r>
+                                    <a:rPr lang="en-US" sz="1800" b="1" i="1">
+                                      <a:latin typeface="Cambria Math"/>
+                                      <a:ea typeface="Cambria Math"/>
+                                    </a:rPr>
+                                    <m:t>𝑾</m:t>
+                                  </m:r>
+                                </m:e>
+                                <m:sup>
+                                  <m:r>
+                                    <a:rPr lang="en-US" sz="1800" b="1" i="1">
+                                      <a:latin typeface="Cambria Math"/>
+                                      <a:ea typeface="Cambria Math"/>
+                                    </a:rPr>
+                                    <m:t>𝑻</m:t>
+                                  </m:r>
+                                </m:sup>
+                              </m:sSup>
+                              <m:r>
+                                <a:rPr lang="en-US" sz="1800" b="1" i="1">
+                                  <a:latin typeface="Cambria Math"/>
+                                  <a:ea typeface="Cambria Math"/>
+                                </a:rPr>
+                                <m:t>𝑽</m:t>
+                              </m:r>
+                              <m:r>
+                                <a:rPr lang="en-US" sz="1800" b="1" i="1">
+                                  <a:latin typeface="Cambria Math"/>
+                                  <a:ea typeface="Cambria Math"/>
+                                </a:rPr>
+                                <m:t>)</m:t>
+                              </m:r>
+                            </m:e>
+                            <m:sub>
+                              <m:r>
+                                <a:rPr lang="en-US" sz="1800" b="1" i="1" smtClean="0">
+                                  <a:latin typeface="Cambria Math"/>
+                                  <a:ea typeface="Cambria Math"/>
+                                </a:rPr>
+                                <m:t>𝒂</m:t>
+                              </m:r>
+                              <m:r>
+                                <a:rPr lang="en-US" sz="1800" b="1" i="1" smtClean="0">
+                                  <a:latin typeface="Cambria Math"/>
+                                  <a:ea typeface="Cambria Math"/>
+                                </a:rPr>
+                                <m:t>𝝁</m:t>
+                              </m:r>
+                            </m:sub>
+                          </m:sSub>
+                        </m:num>
+                        <m:den>
+                          <m:sSub>
+                            <m:sSubPr>
+                              <m:ctrlPr>
+                                <a:rPr lang="en-US" sz="1800" b="1" i="1" smtClean="0">
+                                  <a:latin typeface="Cambria Math"/>
+                                  <a:ea typeface="Cambria Math"/>
+                                </a:rPr>
+                              </m:ctrlPr>
+                            </m:sSubPr>
+                            <m:e>
+                              <m:r>
+                                <a:rPr lang="en-US" sz="1800" b="1" i="1">
+                                  <a:latin typeface="Cambria Math"/>
+                                  <a:ea typeface="Cambria Math"/>
+                                </a:rPr>
+                                <m:t>(</m:t>
+                              </m:r>
+                              <m:sSup>
+                                <m:sSupPr>
+                                  <m:ctrlPr>
+                                    <a:rPr lang="en-US" sz="1800" b="1" i="1">
+                                      <a:latin typeface="Cambria Math"/>
+                                      <a:ea typeface="Cambria Math"/>
+                                    </a:rPr>
+                                  </m:ctrlPr>
+                                </m:sSupPr>
+                                <m:e>
+                                  <m:r>
+                                    <a:rPr lang="en-US" sz="1800" b="1" i="1">
+                                      <a:latin typeface="Cambria Math"/>
+                                      <a:ea typeface="Cambria Math"/>
+                                    </a:rPr>
+                                    <m:t>𝑾</m:t>
+                                  </m:r>
+                                </m:e>
+                                <m:sup>
+                                  <m:r>
+                                    <a:rPr lang="en-US" sz="1800" b="1" i="1">
+                                      <a:latin typeface="Cambria Math"/>
+                                      <a:ea typeface="Cambria Math"/>
+                                    </a:rPr>
+                                    <m:t>𝑻</m:t>
+                                  </m:r>
+                                </m:sup>
+                              </m:sSup>
+                              <m:r>
+                                <a:rPr lang="en-US" sz="1800" b="1" i="1">
+                                  <a:latin typeface="Cambria Math"/>
+                                  <a:ea typeface="Cambria Math"/>
+                                </a:rPr>
+                                <m:t>𝑾𝑯</m:t>
+                              </m:r>
+                              <m:r>
+                                <a:rPr lang="en-US" sz="1800" b="1" i="1">
+                                  <a:latin typeface="Cambria Math"/>
+                                  <a:ea typeface="Cambria Math"/>
+                                </a:rPr>
+                                <m:t>)</m:t>
+                              </m:r>
+                            </m:e>
+                            <m:sub>
+                              <m:r>
+                                <a:rPr lang="en-US" sz="1800" b="1" i="1" smtClean="0">
+                                  <a:latin typeface="Cambria Math"/>
+                                  <a:ea typeface="Cambria Math"/>
+                                </a:rPr>
+                                <m:t>𝒂</m:t>
+                              </m:r>
+                              <m:r>
+                                <a:rPr lang="en-US" sz="1800" b="1" i="1" smtClean="0">
+                                  <a:latin typeface="Cambria Math"/>
+                                  <a:ea typeface="Cambria Math"/>
+                                </a:rPr>
+                                <m:t>𝝁</m:t>
+                              </m:r>
+                            </m:sub>
+                          </m:sSub>
+                        </m:den>
+                      </m:f>
+                    </m:oMath>
+                  </m:oMathPara>
+                </a14:m>
+                <a:endParaRPr lang="en-US" sz="1800" b="1" dirty="0"/>
+              </a:p>
+            </p:txBody>
+          </p:sp>
+        </mc:Choice>
+        <mc:Fallback>
+          <p:sp>
+            <p:nvSpPr>
+              <p:cNvPr id="7" name="TextBox 6"/>
+              <p:cNvSpPr txBox="1">
+                <a:spLocks noRot="1" noChangeAspect="1" noMove="1" noResize="1" noEditPoints="1" noAdjustHandles="1" noChangeArrowheads="1" noChangeShapeType="1" noTextEdit="1"/>
+              </p:cNvSpPr>
+              <p:nvPr/>
+            </p:nvSpPr>
+            <p:spPr>
+              <a:xfrm>
+                <a:off x="1672225" y="2802697"/>
+                <a:ext cx="2579296" cy="740395"/>
+              </a:xfrm>
+              <a:prstGeom prst="rect">
+                <a:avLst/>
+              </a:prstGeom>
+              <a:blipFill rotWithShape="1">
+                <a:blip r:embed="rId3"/>
+                <a:stretch>
+                  <a:fillRect r="-3073"/>
+                </a:stretch>
+              </a:blipFill>
+            </p:spPr>
+            <p:txBody>
+              <a:bodyPr/>
+              <a:lstStyle/>
+              <a:p>
+                <a:r>
+                  <a:rPr lang="en-US">
+                    <a:noFill/>
+                  </a:rPr>
+                  <a:t> </a:t>
+                </a:r>
+              </a:p>
+            </p:txBody>
+          </p:sp>
+        </mc:Fallback>
+      </mc:AlternateContent>
+      <mc:AlternateContent xmlns:mc="http://schemas.openxmlformats.org/markup-compatibility/2006">
+        <mc:Choice xmlns:a14="http://schemas.microsoft.com/office/drawing/2010/main" Requires="a14">
+          <p:sp>
+            <p:nvSpPr>
+              <p:cNvPr id="8" name="TextBox 7"/>
+              <p:cNvSpPr txBox="1"/>
+              <p:nvPr/>
+            </p:nvSpPr>
+            <p:spPr>
+              <a:xfrm>
+                <a:off x="4876800" y="2802697"/>
+                <a:ext cx="2491131" cy="703078"/>
+              </a:xfrm>
+              <a:prstGeom prst="rect">
+                <a:avLst/>
+              </a:prstGeom>
+              <a:noFill/>
+            </p:spPr>
+            <p:txBody>
+              <a:bodyPr wrap="none" rtlCol="0">
+                <a:spAutoFit/>
+              </a:bodyPr>
+              <a:lstStyle/>
+              <a:p>
+                <a:pPr/>
+                <a14:m>
+                  <m:oMathPara xmlns:m="http://schemas.openxmlformats.org/officeDocument/2006/math">
+                    <m:oMathParaPr>
+                      <m:jc m:val="centerGroup"/>
+                    </m:oMathParaPr>
+                    <m:oMath xmlns:m="http://schemas.openxmlformats.org/officeDocument/2006/math">
+                      <m:sSub>
+                        <m:sSubPr>
+                          <m:ctrlPr>
+                            <a:rPr lang="en-US" sz="1800" b="1" i="1" smtClean="0">
+                              <a:latin typeface="Cambria Math"/>
+                            </a:rPr>
+                          </m:ctrlPr>
+                        </m:sSubPr>
+                        <m:e>
+                          <m:r>
+                            <a:rPr lang="en-US" sz="1800" b="1" i="1" smtClean="0">
+                              <a:latin typeface="Cambria Math"/>
+                            </a:rPr>
+                            <m:t>𝑾</m:t>
+                          </m:r>
+                        </m:e>
+                        <m:sub>
+                          <m:r>
+                            <a:rPr lang="en-US" sz="1800" b="1" i="1" smtClean="0">
+                              <a:latin typeface="Cambria Math"/>
+                            </a:rPr>
+                            <m:t>𝒊𝒂</m:t>
+                          </m:r>
+                        </m:sub>
+                      </m:sSub>
+                      <m:r>
+                        <a:rPr lang="en-US" sz="1800" b="1" i="1" smtClean="0">
+                          <a:latin typeface="Cambria Math"/>
+                          <a:ea typeface="Cambria Math"/>
+                        </a:rPr>
+                        <m:t>←</m:t>
+                      </m:r>
+                      <m:sSub>
+                        <m:sSubPr>
+                          <m:ctrlPr>
+                            <a:rPr lang="en-US" sz="1800" b="1" i="1">
+                              <a:latin typeface="Cambria Math"/>
+                            </a:rPr>
+                          </m:ctrlPr>
+                        </m:sSubPr>
+                        <m:e>
+                          <m:r>
+                            <a:rPr lang="en-US" sz="1800" b="1" i="1" smtClean="0">
+                              <a:latin typeface="Cambria Math"/>
+                            </a:rPr>
+                            <m:t>𝑾</m:t>
+                          </m:r>
+                        </m:e>
+                        <m:sub>
+                          <m:r>
+                            <a:rPr lang="en-US" sz="1800" b="1" i="1" smtClean="0">
+                              <a:latin typeface="Cambria Math"/>
+                            </a:rPr>
+                            <m:t>𝒊</m:t>
+                          </m:r>
+                          <m:r>
+                            <a:rPr lang="en-US" sz="1800" b="1" i="1">
+                              <a:latin typeface="Cambria Math"/>
+                            </a:rPr>
+                            <m:t>𝒂</m:t>
+                          </m:r>
+                        </m:sub>
+                      </m:sSub>
+                      <m:f>
+                        <m:fPr>
+                          <m:ctrlPr>
+                            <a:rPr lang="en-US" sz="1800" b="1" i="1" smtClean="0">
+                              <a:latin typeface="Cambria Math"/>
+                              <a:ea typeface="Cambria Math"/>
+                            </a:rPr>
+                          </m:ctrlPr>
+                        </m:fPr>
+                        <m:num>
+                          <m:sSub>
+                            <m:sSubPr>
+                              <m:ctrlPr>
+                                <a:rPr lang="en-US" sz="1800" b="1" i="1" smtClean="0">
+                                  <a:latin typeface="Cambria Math"/>
+                                  <a:ea typeface="Cambria Math"/>
+                                </a:rPr>
+                              </m:ctrlPr>
+                            </m:sSubPr>
+                            <m:e>
+                              <m:r>
+                                <a:rPr lang="en-US" sz="1800" b="1" i="1">
+                                  <a:latin typeface="Cambria Math"/>
+                                  <a:ea typeface="Cambria Math"/>
+                                </a:rPr>
+                                <m:t>(</m:t>
+                              </m:r>
+                              <m:sSup>
+                                <m:sSupPr>
+                                  <m:ctrlPr>
+                                    <a:rPr lang="en-US" sz="1800" b="1" i="1">
+                                      <a:latin typeface="Cambria Math"/>
+                                      <a:ea typeface="Cambria Math"/>
+                                    </a:rPr>
+                                  </m:ctrlPr>
+                                </m:sSupPr>
+                                <m:e>
+                                  <m:r>
+                                    <a:rPr lang="en-US" sz="1800" b="1" i="1" smtClean="0">
+                                      <a:latin typeface="Cambria Math"/>
+                                      <a:ea typeface="Cambria Math"/>
+                                    </a:rPr>
+                                    <m:t>𝑽𝑯</m:t>
+                                  </m:r>
+                                </m:e>
+                                <m:sup>
+                                  <m:r>
+                                    <a:rPr lang="en-US" sz="1800" b="1" i="1">
+                                      <a:latin typeface="Cambria Math"/>
+                                      <a:ea typeface="Cambria Math"/>
+                                    </a:rPr>
+                                    <m:t>𝑻</m:t>
+                                  </m:r>
+                                </m:sup>
+                              </m:sSup>
+                              <m:r>
+                                <a:rPr lang="en-US" sz="1800" b="1" i="1">
+                                  <a:latin typeface="Cambria Math"/>
+                                  <a:ea typeface="Cambria Math"/>
+                                </a:rPr>
+                                <m:t>)</m:t>
+                              </m:r>
+                            </m:e>
+                            <m:sub>
+                              <m:r>
+                                <a:rPr lang="en-US" sz="1800" b="1" i="1" smtClean="0">
+                                  <a:latin typeface="Cambria Math"/>
+                                  <a:ea typeface="Cambria Math"/>
+                                </a:rPr>
+                                <m:t>𝒊𝒂</m:t>
+                              </m:r>
+                            </m:sub>
+                          </m:sSub>
+                        </m:num>
+                        <m:den>
+                          <m:sSub>
+                            <m:sSubPr>
+                              <m:ctrlPr>
+                                <a:rPr lang="en-US" sz="1800" b="1" i="1" smtClean="0">
+                                  <a:latin typeface="Cambria Math"/>
+                                  <a:ea typeface="Cambria Math"/>
+                                </a:rPr>
+                              </m:ctrlPr>
+                            </m:sSubPr>
+                            <m:e>
+                              <m:r>
+                                <a:rPr lang="en-US" sz="1800" b="1" i="1">
+                                  <a:latin typeface="Cambria Math"/>
+                                  <a:ea typeface="Cambria Math"/>
+                                </a:rPr>
+                                <m:t>(</m:t>
+                              </m:r>
+                              <m:sSup>
+                                <m:sSupPr>
+                                  <m:ctrlPr>
+                                    <a:rPr lang="en-US" sz="1800" b="1" i="1">
+                                      <a:latin typeface="Cambria Math"/>
+                                      <a:ea typeface="Cambria Math"/>
+                                    </a:rPr>
+                                  </m:ctrlPr>
+                                </m:sSupPr>
+                                <m:e>
+                                  <m:r>
+                                    <a:rPr lang="en-US" sz="1800" b="1" i="1" smtClean="0">
+                                      <a:latin typeface="Cambria Math"/>
+                                      <a:ea typeface="Cambria Math"/>
+                                    </a:rPr>
+                                    <m:t>𝑾𝑯𝑯</m:t>
+                                  </m:r>
+                                </m:e>
+                                <m:sup>
+                                  <m:r>
+                                    <a:rPr lang="en-US" sz="1800" b="1" i="1">
+                                      <a:latin typeface="Cambria Math"/>
+                                      <a:ea typeface="Cambria Math"/>
+                                    </a:rPr>
+                                    <m:t>𝑻</m:t>
+                                  </m:r>
+                                </m:sup>
+                              </m:sSup>
+                              <m:r>
+                                <a:rPr lang="en-US" sz="1800" b="1" i="1">
+                                  <a:latin typeface="Cambria Math"/>
+                                  <a:ea typeface="Cambria Math"/>
+                                </a:rPr>
+                                <m:t>)</m:t>
+                              </m:r>
+                            </m:e>
+                            <m:sub>
+                              <m:r>
+                                <a:rPr lang="en-US" sz="1800" b="1" i="1" smtClean="0">
+                                  <a:latin typeface="Cambria Math"/>
+                                  <a:ea typeface="Cambria Math"/>
+                                </a:rPr>
+                                <m:t>𝒊𝒂</m:t>
+                              </m:r>
+                            </m:sub>
+                          </m:sSub>
+                        </m:den>
+                      </m:f>
+                    </m:oMath>
+                  </m:oMathPara>
+                </a14:m>
+                <a:endParaRPr lang="en-US" sz="1800" b="1" dirty="0"/>
+              </a:p>
+            </p:txBody>
+          </p:sp>
+        </mc:Choice>
+        <mc:Fallback>
+          <p:sp>
+            <p:nvSpPr>
+              <p:cNvPr id="8" name="TextBox 7"/>
+              <p:cNvSpPr txBox="1">
+                <a:spLocks noRot="1" noChangeAspect="1" noMove="1" noResize="1" noEditPoints="1" noAdjustHandles="1" noChangeArrowheads="1" noChangeShapeType="1" noTextEdit="1"/>
+              </p:cNvSpPr>
+              <p:nvPr/>
+            </p:nvSpPr>
+            <p:spPr>
+              <a:xfrm>
+                <a:off x="4876800" y="2802697"/>
+                <a:ext cx="2491131" cy="703078"/>
+              </a:xfrm>
+              <a:prstGeom prst="rect">
+                <a:avLst/>
+              </a:prstGeom>
+              <a:blipFill rotWithShape="1">
+                <a:blip r:embed="rId4"/>
+                <a:stretch>
+                  <a:fillRect r="-2689"/>
+                </a:stretch>
+              </a:blipFill>
+            </p:spPr>
+            <p:txBody>
+              <a:bodyPr/>
+              <a:lstStyle/>
+              <a:p>
+                <a:r>
+                  <a:rPr lang="en-US">
+                    <a:noFill/>
+                  </a:rPr>
+                  <a:t> </a:t>
+                </a:r>
+              </a:p>
+            </p:txBody>
+          </p:sp>
+        </mc:Fallback>
+      </mc:AlternateContent>
+      <mc:AlternateContent xmlns:mc="http://schemas.openxmlformats.org/markup-compatibility/2006">
+        <mc:Choice xmlns:a14="http://schemas.microsoft.com/office/drawing/2010/main" Requires="a14">
+          <p:sp>
+            <p:nvSpPr>
+              <p:cNvPr id="9" name="TextBox 8"/>
+              <p:cNvSpPr txBox="1"/>
+              <p:nvPr/>
+            </p:nvSpPr>
+            <p:spPr>
+              <a:xfrm>
+                <a:off x="1768258" y="1859073"/>
+                <a:ext cx="2247090" cy="300531"/>
+              </a:xfrm>
+              <a:prstGeom prst="rect">
+                <a:avLst/>
+              </a:prstGeom>
+              <a:noFill/>
+            </p:spPr>
+            <p:txBody>
+              <a:bodyPr wrap="none" rtlCol="0">
+                <a:spAutoFit/>
+              </a:bodyPr>
+              <a:lstStyle/>
+              <a:p>
+                <a:pPr/>
+                <a:r>
+                  <a:rPr lang="en-US" sz="1200" b="1" dirty="0" smtClean="0">
+                    <a:ea typeface="Cambria Math"/>
+                  </a:rPr>
+                  <a:t>H</a:t>
+                </a:r>
+                <a14:m>
+                  <m:oMath xmlns:m="http://schemas.openxmlformats.org/officeDocument/2006/math">
+                    <m:r>
+                      <a:rPr lang="en-US" sz="1200" b="1" i="1" smtClean="0">
+                        <a:latin typeface="Cambria Math"/>
+                        <a:ea typeface="Cambria Math"/>
+                      </a:rPr>
+                      <m:t>←</m:t>
+                    </m:r>
+                    <m:r>
+                      <a:rPr lang="en-US" sz="1200" b="1" i="1" smtClean="0">
+                        <a:latin typeface="Cambria Math"/>
+                        <a:ea typeface="Cambria Math"/>
+                      </a:rPr>
+                      <m:t>𝑯</m:t>
+                    </m:r>
+                    <m:r>
+                      <a:rPr lang="en-US" sz="1200" b="1" i="1" smtClean="0">
+                        <a:latin typeface="Cambria Math"/>
+                        <a:ea typeface="Cambria Math"/>
+                      </a:rPr>
+                      <m:t>+</m:t>
+                    </m:r>
+                    <m:sSub>
+                      <m:sSubPr>
+                        <m:ctrlPr>
+                          <a:rPr lang="en-US" sz="1200" b="1" i="1" smtClean="0">
+                            <a:latin typeface="Cambria Math"/>
+                            <a:ea typeface="Cambria Math"/>
+                          </a:rPr>
+                        </m:ctrlPr>
+                      </m:sSubPr>
+                      <m:e>
+                        <m:r>
+                          <m:rPr>
+                            <m:nor/>
+                          </m:rPr>
+                          <a:rPr lang="en-US" sz="1200" b="1"/>
+                          <m:t>η</m:t>
+                        </m:r>
+                      </m:e>
+                      <m:sub>
+                        <m:r>
+                          <a:rPr lang="en-US" sz="1200" b="1" i="1" smtClean="0">
+                            <a:latin typeface="Cambria Math"/>
+                            <a:ea typeface="Cambria Math"/>
+                          </a:rPr>
+                          <m:t>𝑯</m:t>
+                        </m:r>
+                      </m:sub>
+                    </m:sSub>
+                    <m:r>
+                      <a:rPr lang="en-US" sz="1200" b="1" i="1" smtClean="0">
+                        <a:latin typeface="Cambria Math"/>
+                        <a:ea typeface="Cambria Math"/>
+                      </a:rPr>
+                      <m:t>∙(</m:t>
+                    </m:r>
+                    <m:sSup>
+                      <m:sSupPr>
+                        <m:ctrlPr>
+                          <a:rPr lang="en-US" sz="1200" b="1" i="1" smtClean="0">
+                            <a:latin typeface="Cambria Math"/>
+                            <a:ea typeface="Cambria Math"/>
+                          </a:rPr>
+                        </m:ctrlPr>
+                      </m:sSupPr>
+                      <m:e>
+                        <m:r>
+                          <a:rPr lang="en-US" sz="1200" b="1" i="1" smtClean="0">
+                            <a:latin typeface="Cambria Math"/>
+                            <a:ea typeface="Cambria Math"/>
+                          </a:rPr>
+                          <m:t>𝑾</m:t>
+                        </m:r>
+                      </m:e>
+                      <m:sup>
+                        <m:r>
+                          <a:rPr lang="en-US" sz="1200" b="1" i="1" smtClean="0">
+                            <a:latin typeface="Cambria Math"/>
+                            <a:ea typeface="Cambria Math"/>
+                          </a:rPr>
+                          <m:t>𝑻</m:t>
+                        </m:r>
+                      </m:sup>
+                    </m:sSup>
+                    <m:r>
+                      <a:rPr lang="en-US" sz="1200" b="1" i="1" smtClean="0">
+                        <a:latin typeface="Cambria Math"/>
+                        <a:ea typeface="Cambria Math"/>
+                      </a:rPr>
+                      <m:t>𝑿</m:t>
+                    </m:r>
+                    <m:r>
+                      <a:rPr lang="en-US" sz="1200" b="1" i="1" smtClean="0">
+                        <a:latin typeface="Cambria Math"/>
+                        <a:ea typeface="Cambria Math"/>
+                      </a:rPr>
+                      <m:t> −</m:t>
+                    </m:r>
+                    <m:sSup>
+                      <m:sSupPr>
+                        <m:ctrlPr>
+                          <a:rPr lang="en-US" sz="1200" b="1" i="1">
+                            <a:latin typeface="Cambria Math"/>
+                            <a:ea typeface="Cambria Math"/>
+                          </a:rPr>
+                        </m:ctrlPr>
+                      </m:sSupPr>
+                      <m:e>
+                        <m:r>
+                          <a:rPr lang="en-US" sz="1200" b="1" i="1">
+                            <a:latin typeface="Cambria Math"/>
+                            <a:ea typeface="Cambria Math"/>
+                          </a:rPr>
+                          <m:t>𝑾</m:t>
+                        </m:r>
+                      </m:e>
+                      <m:sup>
+                        <m:r>
+                          <a:rPr lang="en-US" sz="1200" b="1" i="1">
+                            <a:latin typeface="Cambria Math"/>
+                            <a:ea typeface="Cambria Math"/>
+                          </a:rPr>
+                          <m:t>𝑻</m:t>
+                        </m:r>
+                      </m:sup>
+                    </m:sSup>
+                    <m:r>
+                      <a:rPr lang="en-US" sz="1200" b="1" i="1" smtClean="0">
+                        <a:latin typeface="Cambria Math"/>
+                        <a:ea typeface="Cambria Math"/>
+                      </a:rPr>
+                      <m:t>𝑾𝑯</m:t>
+                    </m:r>
+                    <m:r>
+                      <a:rPr lang="en-US" sz="1200" b="1" i="1" smtClean="0">
+                        <a:latin typeface="Cambria Math"/>
+                        <a:ea typeface="Cambria Math"/>
+                      </a:rPr>
+                      <m:t>)</m:t>
+                    </m:r>
+                  </m:oMath>
+                </a14:m>
+                <a:endParaRPr lang="en-US" sz="1200" b="1" dirty="0"/>
+              </a:p>
+            </p:txBody>
+          </p:sp>
+        </mc:Choice>
+        <mc:Fallback>
+          <p:sp>
+            <p:nvSpPr>
+              <p:cNvPr id="9" name="TextBox 8"/>
+              <p:cNvSpPr txBox="1">
+                <a:spLocks noRot="1" noChangeAspect="1" noMove="1" noResize="1" noEditPoints="1" noAdjustHandles="1" noChangeArrowheads="1" noChangeShapeType="1" noTextEdit="1"/>
+              </p:cNvSpPr>
+              <p:nvPr/>
+            </p:nvSpPr>
+            <p:spPr>
+              <a:xfrm>
+                <a:off x="1768258" y="1859073"/>
+                <a:ext cx="2247090" cy="300531"/>
+              </a:xfrm>
+              <a:prstGeom prst="rect">
+                <a:avLst/>
+              </a:prstGeom>
+              <a:blipFill rotWithShape="1">
+                <a:blip r:embed="rId5"/>
+                <a:stretch>
+                  <a:fillRect r="-1084" b="-8163"/>
+                </a:stretch>
+              </a:blipFill>
+            </p:spPr>
+            <p:txBody>
+              <a:bodyPr/>
+              <a:lstStyle/>
+              <a:p>
+                <a:r>
+                  <a:rPr lang="en-US">
+                    <a:noFill/>
+                  </a:rPr>
+                  <a:t> </a:t>
+                </a:r>
+              </a:p>
+            </p:txBody>
+          </p:sp>
+        </mc:Fallback>
+      </mc:AlternateContent>
+      <mc:AlternateContent xmlns:mc="http://schemas.openxmlformats.org/markup-compatibility/2006">
+        <mc:Choice xmlns:a14="http://schemas.microsoft.com/office/drawing/2010/main" Requires="a14">
+          <p:sp>
+            <p:nvSpPr>
+              <p:cNvPr id="2" name="TextBox 1"/>
+              <p:cNvSpPr txBox="1"/>
+              <p:nvPr/>
+            </p:nvSpPr>
+            <p:spPr>
+              <a:xfrm>
+                <a:off x="2696544" y="2267655"/>
+                <a:ext cx="413896" cy="461665"/>
+              </a:xfrm>
+              <a:prstGeom prst="rect">
+                <a:avLst/>
+              </a:prstGeom>
+              <a:noFill/>
+            </p:spPr>
+            <p:txBody>
+              <a:bodyPr wrap="none" rtlCol="0">
+                <a:spAutoFit/>
+              </a:bodyPr>
+              <a:lstStyle/>
+              <a:p>
+                <a14:m>
+                  <m:oMathPara xmlns:m="http://schemas.openxmlformats.org/officeDocument/2006/math">
+                    <m:oMathParaPr>
+                      <m:jc m:val="centerGroup"/>
+                    </m:oMathParaPr>
+                    <m:oMath xmlns:m="http://schemas.openxmlformats.org/officeDocument/2006/math">
+                      <m:r>
+                        <a:rPr lang="en-US" sz="2400" i="1" smtClean="0">
+                          <a:latin typeface="Cambria Math"/>
+                          <a:ea typeface="Cambria Math"/>
+                        </a:rPr>
+                        <m:t>↓</m:t>
+                      </m:r>
+                    </m:oMath>
+                  </m:oMathPara>
+                </a14:m>
+                <a:endParaRPr lang="en-US" sz="2400" dirty="0"/>
+              </a:p>
+            </p:txBody>
+          </p:sp>
+        </mc:Choice>
+        <mc:Fallback>
+          <p:sp>
+            <p:nvSpPr>
+              <p:cNvPr id="2" name="TextBox 1"/>
+              <p:cNvSpPr txBox="1">
+                <a:spLocks noRot="1" noChangeAspect="1" noMove="1" noResize="1" noEditPoints="1" noAdjustHandles="1" noChangeArrowheads="1" noChangeShapeType="1" noTextEdit="1"/>
+              </p:cNvSpPr>
+              <p:nvPr/>
+            </p:nvSpPr>
+            <p:spPr>
+              <a:xfrm>
+                <a:off x="2696544" y="2267655"/>
+                <a:ext cx="413896" cy="461665"/>
+              </a:xfrm>
+              <a:prstGeom prst="rect">
+                <a:avLst/>
+              </a:prstGeom>
+              <a:blipFill rotWithShape="1">
+                <a:blip r:embed="rId6"/>
+                <a:stretch>
+                  <a:fillRect t="-9211" r="-32353" b="-30263"/>
+                </a:stretch>
+              </a:blipFill>
+            </p:spPr>
+            <p:txBody>
+              <a:bodyPr/>
+              <a:lstStyle/>
+              <a:p>
+                <a:r>
+                  <a:rPr lang="en-US">
+                    <a:noFill/>
+                  </a:rPr>
+                  <a:t> </a:t>
+                </a:r>
+              </a:p>
+            </p:txBody>
+          </p:sp>
+        </mc:Fallback>
+      </mc:AlternateContent>
+      <mc:AlternateContent xmlns:mc="http://schemas.openxmlformats.org/markup-compatibility/2006">
+        <mc:Choice xmlns:a14="http://schemas.microsoft.com/office/drawing/2010/main" Requires="a14">
+          <p:sp>
+            <p:nvSpPr>
+              <p:cNvPr id="10" name="TextBox 9"/>
+              <p:cNvSpPr txBox="1"/>
+              <p:nvPr/>
+            </p:nvSpPr>
+            <p:spPr>
+              <a:xfrm>
+                <a:off x="4945693" y="1859073"/>
+                <a:ext cx="2275944" cy="300916"/>
+              </a:xfrm>
+              <a:prstGeom prst="rect">
+                <a:avLst/>
+              </a:prstGeom>
+              <a:noFill/>
+            </p:spPr>
+            <p:txBody>
+              <a:bodyPr wrap="none" rtlCol="0">
+                <a:spAutoFit/>
+              </a:bodyPr>
+              <a:lstStyle/>
+              <a:p>
+                <a:pPr/>
+                <a:r>
+                  <a:rPr lang="en-US" sz="1200" b="1" dirty="0" smtClean="0">
+                    <a:ea typeface="Cambria Math"/>
+                  </a:rPr>
+                  <a:t>W</a:t>
+                </a:r>
+                <a14:m>
+                  <m:oMath xmlns:m="http://schemas.openxmlformats.org/officeDocument/2006/math">
+                    <m:r>
+                      <a:rPr lang="en-US" sz="1200" b="1" i="1" smtClean="0">
+                        <a:latin typeface="Cambria Math"/>
+                        <a:ea typeface="Cambria Math"/>
+                      </a:rPr>
+                      <m:t>←</m:t>
+                    </m:r>
+                    <m:r>
+                      <a:rPr lang="en-US" sz="1200" b="1" i="1" smtClean="0">
+                        <a:latin typeface="Cambria Math"/>
+                        <a:ea typeface="Cambria Math"/>
+                      </a:rPr>
+                      <m:t>𝑾</m:t>
+                    </m:r>
+                    <m:r>
+                      <a:rPr lang="en-US" sz="1200" b="1" i="1" smtClean="0">
+                        <a:latin typeface="Cambria Math"/>
+                        <a:ea typeface="Cambria Math"/>
+                      </a:rPr>
+                      <m:t>+</m:t>
+                    </m:r>
+                    <m:sSub>
+                      <m:sSubPr>
+                        <m:ctrlPr>
+                          <a:rPr lang="en-US" sz="1200" b="1" i="1" smtClean="0">
+                            <a:latin typeface="Cambria Math"/>
+                            <a:ea typeface="Cambria Math"/>
+                          </a:rPr>
+                        </m:ctrlPr>
+                      </m:sSubPr>
+                      <m:e>
+                        <m:r>
+                          <m:rPr>
+                            <m:nor/>
+                          </m:rPr>
+                          <a:rPr lang="en-US" sz="1200" b="1"/>
+                          <m:t>η</m:t>
+                        </m:r>
+                      </m:e>
+                      <m:sub>
+                        <m:r>
+                          <a:rPr lang="en-US" sz="1200" b="1" i="1" smtClean="0">
+                            <a:latin typeface="Cambria Math"/>
+                            <a:ea typeface="Cambria Math"/>
+                          </a:rPr>
+                          <m:t>𝑾</m:t>
+                        </m:r>
+                      </m:sub>
+                    </m:sSub>
+                    <m:r>
+                      <a:rPr lang="en-US" sz="1200" b="1" i="1" smtClean="0">
+                        <a:latin typeface="Cambria Math"/>
+                        <a:ea typeface="Cambria Math"/>
+                      </a:rPr>
+                      <m:t>∙(</m:t>
+                    </m:r>
+                    <m:sSup>
+                      <m:sSupPr>
+                        <m:ctrlPr>
+                          <a:rPr lang="en-US" sz="1200" b="1" i="1" smtClean="0">
+                            <a:latin typeface="Cambria Math"/>
+                            <a:ea typeface="Cambria Math"/>
+                          </a:rPr>
+                        </m:ctrlPr>
+                      </m:sSupPr>
+                      <m:e>
+                        <m:r>
+                          <a:rPr lang="en-US" sz="1200" b="1" i="1" smtClean="0">
+                            <a:latin typeface="Cambria Math"/>
+                            <a:ea typeface="Cambria Math"/>
+                          </a:rPr>
+                          <m:t>𝑿𝑯</m:t>
+                        </m:r>
+                      </m:e>
+                      <m:sup>
+                        <m:r>
+                          <a:rPr lang="en-US" sz="1200" b="1" i="1" smtClean="0">
+                            <a:latin typeface="Cambria Math"/>
+                            <a:ea typeface="Cambria Math"/>
+                          </a:rPr>
+                          <m:t>𝑻</m:t>
+                        </m:r>
+                      </m:sup>
+                    </m:sSup>
+                    <m:r>
+                      <a:rPr lang="en-US" sz="1200" b="1" i="1" smtClean="0">
+                        <a:latin typeface="Cambria Math"/>
+                        <a:ea typeface="Cambria Math"/>
+                      </a:rPr>
+                      <m:t> −</m:t>
+                    </m:r>
+                    <m:sSup>
+                      <m:sSupPr>
+                        <m:ctrlPr>
+                          <a:rPr lang="en-US" sz="1200" b="1" i="1">
+                            <a:latin typeface="Cambria Math"/>
+                            <a:ea typeface="Cambria Math"/>
+                          </a:rPr>
+                        </m:ctrlPr>
+                      </m:sSupPr>
+                      <m:e>
+                        <m:r>
+                          <a:rPr lang="en-US" sz="1200" b="1" i="1">
+                            <a:latin typeface="Cambria Math"/>
+                            <a:ea typeface="Cambria Math"/>
+                          </a:rPr>
+                          <m:t>𝑾𝑯</m:t>
+                        </m:r>
+                        <m:r>
+                          <a:rPr lang="en-US" sz="1200" b="1" i="1" smtClean="0">
+                            <a:latin typeface="Cambria Math"/>
+                            <a:ea typeface="Cambria Math"/>
+                          </a:rPr>
+                          <m:t>𝑯</m:t>
+                        </m:r>
+                      </m:e>
+                      <m:sup>
+                        <m:r>
+                          <a:rPr lang="en-US" sz="1200" b="1" i="1">
+                            <a:latin typeface="Cambria Math"/>
+                            <a:ea typeface="Cambria Math"/>
+                          </a:rPr>
+                          <m:t>𝑻</m:t>
+                        </m:r>
+                      </m:sup>
+                    </m:sSup>
+                    <m:r>
+                      <a:rPr lang="en-US" sz="1200" b="1" i="1" smtClean="0">
+                        <a:latin typeface="Cambria Math"/>
+                        <a:ea typeface="Cambria Math"/>
+                      </a:rPr>
+                      <m:t>)</m:t>
+                    </m:r>
+                  </m:oMath>
+                </a14:m>
+                <a:endParaRPr lang="en-US" sz="1200" b="1" dirty="0"/>
+              </a:p>
+            </p:txBody>
+          </p:sp>
+        </mc:Choice>
+        <mc:Fallback>
+          <p:sp>
+            <p:nvSpPr>
+              <p:cNvPr id="10" name="TextBox 9"/>
+              <p:cNvSpPr txBox="1">
+                <a:spLocks noRot="1" noChangeAspect="1" noMove="1" noResize="1" noEditPoints="1" noAdjustHandles="1" noChangeArrowheads="1" noChangeShapeType="1" noTextEdit="1"/>
+              </p:cNvSpPr>
+              <p:nvPr/>
+            </p:nvSpPr>
+            <p:spPr>
+              <a:xfrm>
+                <a:off x="4945693" y="1859073"/>
+                <a:ext cx="2275944" cy="300916"/>
+              </a:xfrm>
+              <a:prstGeom prst="rect">
+                <a:avLst/>
+              </a:prstGeom>
+              <a:blipFill rotWithShape="1">
+                <a:blip r:embed="rId7"/>
+                <a:stretch>
+                  <a:fillRect r="-802" b="-8163"/>
+                </a:stretch>
+              </a:blipFill>
+            </p:spPr>
+            <p:txBody>
+              <a:bodyPr/>
+              <a:lstStyle/>
+              <a:p>
+                <a:r>
+                  <a:rPr lang="en-US">
+                    <a:noFill/>
+                  </a:rPr>
+                  <a:t> </a:t>
+                </a:r>
+              </a:p>
+            </p:txBody>
+          </p:sp>
+        </mc:Fallback>
+      </mc:AlternateContent>
+      <mc:AlternateContent xmlns:mc="http://schemas.openxmlformats.org/markup-compatibility/2006">
+        <mc:Choice xmlns:a14="http://schemas.microsoft.com/office/drawing/2010/main" Requires="a14">
+          <p:sp>
+            <p:nvSpPr>
+              <p:cNvPr id="11" name="TextBox 10"/>
+              <p:cNvSpPr txBox="1"/>
+              <p:nvPr/>
+            </p:nvSpPr>
+            <p:spPr>
+              <a:xfrm>
+                <a:off x="5873979" y="2267655"/>
+                <a:ext cx="413896" cy="461665"/>
+              </a:xfrm>
+              <a:prstGeom prst="rect">
+                <a:avLst/>
+              </a:prstGeom>
+              <a:noFill/>
+            </p:spPr>
+            <p:txBody>
+              <a:bodyPr wrap="none" rtlCol="0">
+                <a:spAutoFit/>
+              </a:bodyPr>
+              <a:lstStyle/>
+              <a:p>
+                <a14:m>
+                  <m:oMathPara xmlns:m="http://schemas.openxmlformats.org/officeDocument/2006/math">
+                    <m:oMathParaPr>
+                      <m:jc m:val="centerGroup"/>
+                    </m:oMathParaPr>
+                    <m:oMath xmlns:m="http://schemas.openxmlformats.org/officeDocument/2006/math">
+                      <m:r>
+                        <a:rPr lang="en-US" sz="2400" i="1" smtClean="0">
+                          <a:latin typeface="Cambria Math"/>
+                          <a:ea typeface="Cambria Math"/>
+                        </a:rPr>
+                        <m:t>↓</m:t>
+                      </m:r>
+                    </m:oMath>
+                  </m:oMathPara>
+                </a14:m>
+                <a:endParaRPr lang="en-US" sz="2400" dirty="0"/>
+              </a:p>
+            </p:txBody>
+          </p:sp>
+        </mc:Choice>
+        <mc:Fallback>
+          <p:sp>
+            <p:nvSpPr>
+              <p:cNvPr id="11" name="TextBox 10"/>
+              <p:cNvSpPr txBox="1">
+                <a:spLocks noRot="1" noChangeAspect="1" noMove="1" noResize="1" noEditPoints="1" noAdjustHandles="1" noChangeArrowheads="1" noChangeShapeType="1" noTextEdit="1"/>
+              </p:cNvSpPr>
+              <p:nvPr/>
+            </p:nvSpPr>
+            <p:spPr>
+              <a:xfrm>
+                <a:off x="5873979" y="2267655"/>
+                <a:ext cx="413896" cy="461665"/>
+              </a:xfrm>
+              <a:prstGeom prst="rect">
+                <a:avLst/>
+              </a:prstGeom>
+              <a:blipFill rotWithShape="1">
+                <a:blip r:embed="rId8"/>
+                <a:stretch>
+                  <a:fillRect t="-9211" r="-32836" b="-30263"/>
+                </a:stretch>
+              </a:blipFill>
+            </p:spPr>
+            <p:txBody>
+              <a:bodyPr/>
+              <a:lstStyle/>
+              <a:p>
+                <a:r>
+                  <a:rPr lang="en-US">
+                    <a:noFill/>
+                  </a:rPr>
+                  <a:t> </a:t>
+                </a:r>
+              </a:p>
+            </p:txBody>
+          </p:sp>
+        </mc:Fallback>
+      </mc:AlternateContent>
+    </p:spTree>
+  </p:cSld>
+  <p:clrMapOvr>
+    <a:masterClrMapping/>
+  </p:clrMapOvr>
+  <p:timing>
+    <p:tnLst>
+      <p:par>
+        <p:cTn id="1" dur="indefinite" restart="never" nodeType="tmRoot"/>
+      </p:par>
+    </p:tnLst>
+  </p:timing>
+</p:sld>
+</file>
+
+<file path=ppt/slides/slide18.xml><?xml version="1.0" encoding="utf-8"?>
+<p:sld xmlns:a="http://schemas.openxmlformats.org/drawingml/2006/main" xmlns:r="http://schemas.openxmlformats.org/officeDocument/2006/relationships" xmlns:p="http://schemas.openxmlformats.org/presentationml/2006/main">
+  <p:cSld>
+    <p:spTree>
+      <p:nvGrpSpPr>
+        <p:cNvPr id="1" name="Shape 303"/>
+        <p:cNvGrpSpPr/>
+        <p:nvPr/>
+      </p:nvGrpSpPr>
+      <p:grpSpPr>
+        <a:xfrm>
+          <a:off x="0" y="0"/>
+          <a:ext cx="0" cy="0"/>
+          <a:chOff x="0" y="0"/>
+          <a:chExt cx="0" cy="0"/>
+        </a:xfrm>
+      </p:grpSpPr>
+      <p:sp>
+        <p:nvSpPr>
+          <p:cNvPr id="304" name="Google Shape;304;g116b8cda02a_0_0"/>
+          <p:cNvSpPr txBox="1">
+            <a:spLocks noGrp="1"/>
+          </p:cNvSpPr>
+          <p:nvPr>
+            <p:ph type="title"/>
+          </p:nvPr>
+        </p:nvSpPr>
+        <p:spPr>
+          <a:xfrm>
+            <a:off x="1297500" y="393750"/>
+            <a:ext cx="7038900" cy="914100"/>
+          </a:xfrm>
+          <a:prstGeom prst="rect">
+            <a:avLst/>
+          </a:prstGeom>
+          <a:noFill/>
+          <a:ln>
+            <a:noFill/>
+          </a:ln>
+        </p:spPr>
+        <p:txBody>
+          <a:bodyPr spcFirstLastPara="1" wrap="square" lIns="91425" tIns="91425" rIns="91425" bIns="91425" anchor="t" anchorCtr="0">
+            <a:normAutofit/>
+          </a:bodyPr>
+          <a:lstStyle/>
+          <a:p>
+            <a:pPr marL="0" lvl="0" indent="0" algn="l" rtl="0">
+              <a:lnSpc>
+                <a:spcPct val="100000"/>
+              </a:lnSpc>
+              <a:spcBef>
+                <a:spcPts val="0"/>
+              </a:spcBef>
+              <a:spcAft>
+                <a:spcPts val="0"/>
+              </a:spcAft>
+              <a:buSzPts val="2400"/>
+              <a:buNone/>
+            </a:pPr>
+            <a:r>
+              <a:rPr lang="en" b="1" dirty="0" smtClean="0">
+                <a:solidFill>
+                  <a:schemeClr val="dk1"/>
+                </a:solidFill>
+              </a:rPr>
+              <a:t>Source code</a:t>
+            </a:r>
+            <a:endParaRPr b="1" dirty="0">
+              <a:solidFill>
+                <a:schemeClr val="dk1"/>
+              </a:solidFill>
+            </a:endParaRPr>
+          </a:p>
+        </p:txBody>
+      </p:sp>
+      <p:pic>
+        <p:nvPicPr>
+          <p:cNvPr id="305" name="Google Shape;305;g116b8cda02a_0_0"/>
+          <p:cNvPicPr preferRelativeResize="0"/>
+          <p:nvPr/>
+        </p:nvPicPr>
+        <p:blipFill rotWithShape="1">
+          <a:blip r:embed="rId3">
+            <a:alphaModFix/>
+          </a:blip>
+          <a:srcRect/>
+          <a:stretch/>
+        </p:blipFill>
+        <p:spPr>
+          <a:xfrm>
+            <a:off x="1402299" y="1203687"/>
+            <a:ext cx="6650437" cy="3530850"/>
+          </a:xfrm>
+          <a:prstGeom prst="rect">
+            <a:avLst/>
+          </a:prstGeom>
+          <a:noFill/>
+          <a:ln>
+            <a:noFill/>
+          </a:ln>
+        </p:spPr>
+      </p:pic>
+    </p:spTree>
+  </p:cSld>
+  <p:clrMapOvr>
+    <a:masterClrMapping/>
+  </p:clrMapOvr>
+  <p:timing>
+    <p:tnLst>
+      <p:par>
+        <p:cTn id="1" dur="indefinite" restart="never" nodeType="tmRoot"/>
+      </p:par>
+    </p:tnLst>
+  </p:timing>
+</p:sld>
+</file>
+
+<file path=ppt/slides/slide19.xml><?xml version="1.0" encoding="utf-8"?>
+<p:sld xmlns:a="http://schemas.openxmlformats.org/drawingml/2006/main" xmlns:r="http://schemas.openxmlformats.org/officeDocument/2006/relationships" xmlns:p="http://schemas.openxmlformats.org/presentationml/2006/main">
+  <p:cSld>
+    <p:spTree>
+      <p:nvGrpSpPr>
+        <p:cNvPr id="1" name="Shape 309"/>
+        <p:cNvGrpSpPr/>
+        <p:nvPr/>
+      </p:nvGrpSpPr>
+      <p:grpSpPr>
+        <a:xfrm>
+          <a:off x="0" y="0"/>
+          <a:ext cx="0" cy="0"/>
+          <a:chOff x="0" y="0"/>
+          <a:chExt cx="0" cy="0"/>
+        </a:xfrm>
+      </p:grpSpPr>
+      <p:sp>
+        <p:nvSpPr>
+          <p:cNvPr id="310" name="Google Shape;310;g116b8cda02a_0_11"/>
+          <p:cNvSpPr txBox="1">
+            <a:spLocks noGrp="1"/>
+          </p:cNvSpPr>
+          <p:nvPr>
+            <p:ph type="title"/>
+          </p:nvPr>
+        </p:nvSpPr>
+        <p:spPr>
+          <a:xfrm>
+            <a:off x="1297500" y="393750"/>
+            <a:ext cx="7038900" cy="914100"/>
+          </a:xfrm>
+          <a:prstGeom prst="rect">
+            <a:avLst/>
+          </a:prstGeom>
+          <a:noFill/>
+          <a:ln>
+            <a:noFill/>
+          </a:ln>
+        </p:spPr>
+        <p:txBody>
+          <a:bodyPr spcFirstLastPara="1" wrap="square" lIns="91425" tIns="91425" rIns="91425" bIns="91425" anchor="t" anchorCtr="0">
+            <a:normAutofit/>
+          </a:bodyPr>
+          <a:lstStyle/>
+          <a:p>
+            <a:pPr marL="0" lvl="0" indent="0" algn="l" rtl="0">
+              <a:lnSpc>
+                <a:spcPct val="100000"/>
+              </a:lnSpc>
+              <a:spcBef>
+                <a:spcPts val="0"/>
+              </a:spcBef>
+              <a:spcAft>
+                <a:spcPts val="0"/>
+              </a:spcAft>
+              <a:buSzPts val="2400"/>
+              <a:buNone/>
+            </a:pPr>
+            <a:r>
+              <a:rPr lang="en" b="1" dirty="0" smtClean="0">
+                <a:solidFill>
+                  <a:schemeClr val="dk1"/>
+                </a:solidFill>
+              </a:rPr>
+              <a:t>Source code</a:t>
+            </a:r>
+            <a:endParaRPr b="1" dirty="0">
+              <a:solidFill>
+                <a:schemeClr val="dk1"/>
+              </a:solidFill>
+            </a:endParaRPr>
+          </a:p>
+        </p:txBody>
+      </p:sp>
+      <p:pic>
+        <p:nvPicPr>
+          <p:cNvPr id="311" name="Google Shape;311;g116b8cda02a_0_11"/>
+          <p:cNvPicPr preferRelativeResize="0"/>
+          <p:nvPr/>
+        </p:nvPicPr>
+        <p:blipFill rotWithShape="1">
+          <a:blip r:embed="rId3">
+            <a:alphaModFix/>
+          </a:blip>
+          <a:srcRect/>
+          <a:stretch/>
+        </p:blipFill>
+        <p:spPr>
+          <a:xfrm>
+            <a:off x="1297500" y="1086400"/>
+            <a:ext cx="6569275" cy="3671349"/>
+          </a:xfrm>
+          <a:prstGeom prst="rect">
+            <a:avLst/>
+          </a:prstGeom>
+          <a:noFill/>
+          <a:ln>
+            <a:noFill/>
+          </a:ln>
+        </p:spPr>
+      </p:pic>
+    </p:spTree>
+  </p:cSld>
+  <p:clrMapOvr>
+    <a:masterClrMapping/>
+  </p:clrMapOvr>
+  <p:timing>
+    <p:tnLst>
+      <p:par>
+        <p:cTn id="1" dur="indefinite" restart="never" nodeType="tmRoot"/>
+      </p:par>
+    </p:tnLst>
+  </p:timing>
+</p:sld>
+</file>
+
+<file path=ppt/slides/slide2.xml><?xml version="1.0" encoding="utf-8"?>
+<p:sld xmlns:a="http://schemas.openxmlformats.org/drawingml/2006/main" xmlns:r="http://schemas.openxmlformats.org/officeDocument/2006/relationships" xmlns:p="http://schemas.openxmlformats.org/presentationml/2006/main">
+  <p:cSld>
+    <p:spTree>
+      <p:nvGrpSpPr>
         <p:cNvPr id="1" name="Shape 280"/>
         <p:cNvGrpSpPr/>
         <p:nvPr/>
@@ -24143,1558 +26625,7 @@
 </p:sld>
 </file>
 
-<file path=ppt/slides/slide18.xml><?xml version="1.0" encoding="utf-8"?>
-<p:sld xmlns:a="http://schemas.openxmlformats.org/drawingml/2006/main" xmlns:r="http://schemas.openxmlformats.org/officeDocument/2006/relationships" xmlns:p="http://schemas.openxmlformats.org/presentationml/2006/main">
-  <p:cSld>
-    <p:spTree>
-      <p:nvGrpSpPr>
-        <p:cNvPr id="1" name="Shape 294"/>
-        <p:cNvGrpSpPr/>
-        <p:nvPr/>
-      </p:nvGrpSpPr>
-      <p:grpSpPr>
-        <a:xfrm>
-          <a:off x="0" y="0"/>
-          <a:ext cx="0" cy="0"/>
-          <a:chOff x="0" y="0"/>
-          <a:chExt cx="0" cy="0"/>
-        </a:xfrm>
-      </p:grpSpPr>
-      <p:sp>
-        <p:nvSpPr>
-          <p:cNvPr id="295" name="Google Shape;295;p18"/>
-          <p:cNvSpPr txBox="1">
-            <a:spLocks noGrp="1"/>
-          </p:cNvSpPr>
-          <p:nvPr>
-            <p:ph type="title"/>
-          </p:nvPr>
-        </p:nvSpPr>
-        <p:spPr>
-          <a:xfrm>
-            <a:off x="1297500" y="393750"/>
-            <a:ext cx="7038900" cy="914100"/>
-          </a:xfrm>
-          <a:prstGeom prst="rect">
-            <a:avLst/>
-          </a:prstGeom>
-          <a:noFill/>
-          <a:ln>
-            <a:noFill/>
-          </a:ln>
-        </p:spPr>
-        <p:txBody>
-          <a:bodyPr spcFirstLastPara="1" wrap="square" lIns="91425" tIns="91425" rIns="91425" bIns="91425" anchor="t" anchorCtr="0">
-            <a:normAutofit/>
-          </a:bodyPr>
-          <a:lstStyle/>
-          <a:p>
-            <a:pPr marL="0" lvl="0" indent="0" algn="l" rtl="0">
-              <a:lnSpc>
-                <a:spcPct val="100000"/>
-              </a:lnSpc>
-              <a:spcBef>
-                <a:spcPts val="0"/>
-              </a:spcBef>
-              <a:spcAft>
-                <a:spcPts val="0"/>
-              </a:spcAft>
-              <a:buSzPts val="2400"/>
-              <a:buNone/>
-            </a:pPr>
-            <a:r>
-              <a:rPr lang="en" b="1">
-                <a:solidFill>
-                  <a:schemeClr val="dk1"/>
-                </a:solidFill>
-              </a:rPr>
-              <a:t>Multiplicative update</a:t>
-            </a:r>
-            <a:endParaRPr b="1">
-              <a:solidFill>
-                <a:schemeClr val="dk1"/>
-              </a:solidFill>
-            </a:endParaRPr>
-          </a:p>
-        </p:txBody>
-      </p:sp>
-      <p:sp>
-        <p:nvSpPr>
-          <p:cNvPr id="296" name="Google Shape;296;p18"/>
-          <p:cNvSpPr txBox="1"/>
-          <p:nvPr/>
-        </p:nvSpPr>
-        <p:spPr>
-          <a:xfrm>
-            <a:off x="1316550" y="1084725"/>
-            <a:ext cx="7000800" cy="831300"/>
-          </a:xfrm>
-          <a:prstGeom prst="rect">
-            <a:avLst/>
-          </a:prstGeom>
-          <a:noFill/>
-          <a:ln>
-            <a:noFill/>
-          </a:ln>
-        </p:spPr>
-        <p:txBody>
-          <a:bodyPr spcFirstLastPara="1" wrap="square" lIns="91425" tIns="91425" rIns="91425" bIns="91425" anchor="t" anchorCtr="0">
-            <a:spAutoFit/>
-          </a:bodyPr>
-          <a:lstStyle/>
-          <a:p>
-            <a:pPr marL="0" marR="0" lvl="0" indent="0" algn="l" rtl="0">
-              <a:lnSpc>
-                <a:spcPct val="100000"/>
-              </a:lnSpc>
-              <a:spcBef>
-                <a:spcPts val="0"/>
-              </a:spcBef>
-              <a:spcAft>
-                <a:spcPts val="0"/>
-              </a:spcAft>
-              <a:buClr>
-                <a:srgbClr val="000000"/>
-              </a:buClr>
-              <a:buSzPts val="1400"/>
-              <a:buFont typeface="Arial"/>
-              <a:buNone/>
-            </a:pPr>
-            <a:r>
-              <a:rPr lang="en" sz="1400" b="0" i="0" u="none" strike="noStrike" cap="none" dirty="0">
-                <a:solidFill>
-                  <a:schemeClr val="dk1"/>
-                </a:solidFill>
-                <a:latin typeface="Lato" charset="0"/>
-                <a:sym typeface="Arial"/>
-              </a:rPr>
-              <a:t>Let, </a:t>
-            </a:r>
-            <a:r>
-              <a:rPr lang="en" sz="1400" b="1" i="1" u="none" strike="noStrike" cap="none" dirty="0">
-                <a:solidFill>
-                  <a:schemeClr val="dk1"/>
-                </a:solidFill>
-                <a:latin typeface="Lato" charset="0"/>
-                <a:sym typeface="Arial"/>
-              </a:rPr>
-              <a:t>V=WH</a:t>
-            </a:r>
-            <a:r>
-              <a:rPr lang="en" sz="1400" b="0" i="0" u="none" strike="noStrike" cap="none" dirty="0">
-                <a:solidFill>
-                  <a:schemeClr val="dk1"/>
-                </a:solidFill>
-                <a:latin typeface="Lato" charset="0"/>
-                <a:sym typeface="Arial"/>
-              </a:rPr>
-              <a:t> where V is the initial matrix and W and H be the factorized matrix. The multiplicative update is ran using the given equation.</a:t>
-            </a:r>
-            <a:endParaRPr sz="1400" b="0" i="0" u="none" strike="noStrike" cap="none" dirty="0">
-              <a:solidFill>
-                <a:schemeClr val="dk1"/>
-              </a:solidFill>
-              <a:latin typeface="Lato" charset="0"/>
-              <a:sym typeface="Arial"/>
-            </a:endParaRPr>
-          </a:p>
-          <a:p>
-            <a:pPr marL="0" marR="0" lvl="0" indent="0" algn="l" rtl="0">
-              <a:lnSpc>
-                <a:spcPct val="100000"/>
-              </a:lnSpc>
-              <a:spcBef>
-                <a:spcPts val="0"/>
-              </a:spcBef>
-              <a:spcAft>
-                <a:spcPts val="0"/>
-              </a:spcAft>
-              <a:buClr>
-                <a:srgbClr val="000000"/>
-              </a:buClr>
-              <a:buSzPts val="1400"/>
-              <a:buFont typeface="Arial"/>
-              <a:buNone/>
-            </a:pPr>
-            <a:endParaRPr sz="1400" b="0" i="0" u="none" strike="noStrike" cap="none" dirty="0">
-              <a:solidFill>
-                <a:srgbClr val="000000"/>
-              </a:solidFill>
-              <a:latin typeface="Lato" charset="0"/>
-              <a:ea typeface="Lato"/>
-              <a:cs typeface="Lato"/>
-              <a:sym typeface="Lato"/>
-            </a:endParaRPr>
-          </a:p>
-        </p:txBody>
-      </p:sp>
-      <p:sp>
-        <p:nvSpPr>
-          <p:cNvPr id="297" name="Google Shape;297;p18"/>
-          <p:cNvSpPr txBox="1"/>
-          <p:nvPr/>
-        </p:nvSpPr>
-        <p:spPr>
-          <a:xfrm>
-            <a:off x="1124350" y="3849200"/>
-            <a:ext cx="7000800" cy="831300"/>
-          </a:xfrm>
-          <a:prstGeom prst="rect">
-            <a:avLst/>
-          </a:prstGeom>
-          <a:noFill/>
-          <a:ln>
-            <a:noFill/>
-          </a:ln>
-        </p:spPr>
-        <p:txBody>
-          <a:bodyPr spcFirstLastPara="1" wrap="square" lIns="91425" tIns="91425" rIns="91425" bIns="91425" anchor="t" anchorCtr="0">
-            <a:spAutoFit/>
-          </a:bodyPr>
-          <a:lstStyle/>
-          <a:p>
-            <a:pPr marL="0" marR="0" lvl="0" indent="0" algn="l" rtl="0">
-              <a:lnSpc>
-                <a:spcPct val="100000"/>
-              </a:lnSpc>
-              <a:spcBef>
-                <a:spcPts val="0"/>
-              </a:spcBef>
-              <a:spcAft>
-                <a:spcPts val="0"/>
-              </a:spcAft>
-              <a:buClr>
-                <a:srgbClr val="000000"/>
-              </a:buClr>
-              <a:buSzPts val="1400"/>
-              <a:buFont typeface="Arial"/>
-              <a:buNone/>
-            </a:pPr>
-            <a:r>
-              <a:rPr lang="en" sz="1400" b="0" i="0" u="none" strike="noStrike" cap="none" dirty="0">
-                <a:solidFill>
-                  <a:schemeClr val="dk1"/>
-                </a:solidFill>
-                <a:latin typeface="Lato" charset="0"/>
-                <a:sym typeface="Arial"/>
-              </a:rPr>
-              <a:t>Here one matrix is kept constant and another one is changed as we try to get closer to the final value.</a:t>
-            </a:r>
-            <a:endParaRPr sz="1400" b="0" i="0" u="none" strike="noStrike" cap="none" dirty="0">
-              <a:solidFill>
-                <a:schemeClr val="dk1"/>
-              </a:solidFill>
-              <a:latin typeface="Lato" charset="0"/>
-              <a:sym typeface="Arial"/>
-            </a:endParaRPr>
-          </a:p>
-          <a:p>
-            <a:pPr marL="0" marR="0" lvl="0" indent="0" algn="l" rtl="0">
-              <a:lnSpc>
-                <a:spcPct val="100000"/>
-              </a:lnSpc>
-              <a:spcBef>
-                <a:spcPts val="0"/>
-              </a:spcBef>
-              <a:spcAft>
-                <a:spcPts val="0"/>
-              </a:spcAft>
-              <a:buClr>
-                <a:srgbClr val="000000"/>
-              </a:buClr>
-              <a:buSzPts val="1400"/>
-              <a:buFont typeface="Arial"/>
-              <a:buNone/>
-            </a:pPr>
-            <a:endParaRPr sz="1400" b="0" i="0" u="none" strike="noStrike" cap="none" dirty="0">
-              <a:solidFill>
-                <a:srgbClr val="000000"/>
-              </a:solidFill>
-              <a:latin typeface="Lato" charset="0"/>
-              <a:ea typeface="Lato"/>
-              <a:cs typeface="Lato"/>
-              <a:sym typeface="Lato"/>
-            </a:endParaRPr>
-          </a:p>
-        </p:txBody>
-      </p:sp>
-      <mc:AlternateContent xmlns:mc="http://schemas.openxmlformats.org/markup-compatibility/2006">
-        <mc:Choice xmlns:a14="http://schemas.microsoft.com/office/drawing/2010/main" Requires="a14">
-          <p:sp>
-            <p:nvSpPr>
-              <p:cNvPr id="7" name="TextBox 6"/>
-              <p:cNvSpPr txBox="1"/>
-              <p:nvPr/>
-            </p:nvSpPr>
-            <p:spPr>
-              <a:xfrm>
-                <a:off x="1672225" y="2358024"/>
-                <a:ext cx="2579296" cy="740395"/>
-              </a:xfrm>
-              <a:prstGeom prst="rect">
-                <a:avLst/>
-              </a:prstGeom>
-              <a:noFill/>
-            </p:spPr>
-            <p:txBody>
-              <a:bodyPr wrap="none" rtlCol="0">
-                <a:spAutoFit/>
-              </a:bodyPr>
-              <a:lstStyle/>
-              <a:p>
-                <a:pPr/>
-                <a14:m>
-                  <m:oMathPara xmlns:m="http://schemas.openxmlformats.org/officeDocument/2006/math">
-                    <m:oMathParaPr>
-                      <m:jc m:val="centerGroup"/>
-                    </m:oMathParaPr>
-                    <m:oMath xmlns:m="http://schemas.openxmlformats.org/officeDocument/2006/math">
-                      <m:sSub>
-                        <m:sSubPr>
-                          <m:ctrlPr>
-                            <a:rPr lang="en-US" sz="1800" b="1" i="1" smtClean="0">
-                              <a:latin typeface="Cambria Math"/>
-                            </a:rPr>
-                          </m:ctrlPr>
-                        </m:sSubPr>
-                        <m:e>
-                          <m:r>
-                            <a:rPr lang="en-US" sz="1800" b="1" i="1" smtClean="0">
-                              <a:latin typeface="Cambria Math"/>
-                            </a:rPr>
-                            <m:t>𝑯</m:t>
-                          </m:r>
-                        </m:e>
-                        <m:sub>
-                          <m:r>
-                            <a:rPr lang="en-US" sz="1800" b="1" i="1" smtClean="0">
-                              <a:latin typeface="Cambria Math"/>
-                            </a:rPr>
-                            <m:t>𝒂</m:t>
-                          </m:r>
-                          <m:r>
-                            <a:rPr lang="en-US" sz="1800" b="1" i="1" smtClean="0">
-                              <a:latin typeface="Cambria Math"/>
-                              <a:ea typeface="Cambria Math"/>
-                            </a:rPr>
-                            <m:t>𝝁</m:t>
-                          </m:r>
-                        </m:sub>
-                      </m:sSub>
-                      <m:r>
-                        <a:rPr lang="en-US" sz="1800" b="1" i="1" smtClean="0">
-                          <a:latin typeface="Cambria Math"/>
-                          <a:ea typeface="Cambria Math"/>
-                        </a:rPr>
-                        <m:t>←</m:t>
-                      </m:r>
-                      <m:sSub>
-                        <m:sSubPr>
-                          <m:ctrlPr>
-                            <a:rPr lang="en-US" sz="1800" b="1" i="1">
-                              <a:latin typeface="Cambria Math"/>
-                            </a:rPr>
-                          </m:ctrlPr>
-                        </m:sSubPr>
-                        <m:e>
-                          <m:r>
-                            <a:rPr lang="en-US" sz="1800" b="1" i="1">
-                              <a:latin typeface="Cambria Math"/>
-                            </a:rPr>
-                            <m:t>𝑯</m:t>
-                          </m:r>
-                        </m:e>
-                        <m:sub>
-                          <m:r>
-                            <a:rPr lang="en-US" sz="1800" b="1" i="1">
-                              <a:latin typeface="Cambria Math"/>
-                            </a:rPr>
-                            <m:t>𝒂</m:t>
-                          </m:r>
-                          <m:r>
-                            <a:rPr lang="en-US" sz="1800" b="1" i="1">
-                              <a:latin typeface="Cambria Math"/>
-                              <a:ea typeface="Cambria Math"/>
-                            </a:rPr>
-                            <m:t>𝝁</m:t>
-                          </m:r>
-                        </m:sub>
-                      </m:sSub>
-                      <m:f>
-                        <m:fPr>
-                          <m:ctrlPr>
-                            <a:rPr lang="en-US" sz="1800" b="1" i="1" smtClean="0">
-                              <a:latin typeface="Cambria Math"/>
-                              <a:ea typeface="Cambria Math"/>
-                            </a:rPr>
-                          </m:ctrlPr>
-                        </m:fPr>
-                        <m:num>
-                          <m:sSub>
-                            <m:sSubPr>
-                              <m:ctrlPr>
-                                <a:rPr lang="en-US" sz="1800" b="1" i="1" smtClean="0">
-                                  <a:latin typeface="Cambria Math"/>
-                                  <a:ea typeface="Cambria Math"/>
-                                </a:rPr>
-                              </m:ctrlPr>
-                            </m:sSubPr>
-                            <m:e>
-                              <m:r>
-                                <a:rPr lang="en-US" sz="1800" b="1" i="1">
-                                  <a:latin typeface="Cambria Math"/>
-                                  <a:ea typeface="Cambria Math"/>
-                                </a:rPr>
-                                <m:t>(</m:t>
-                              </m:r>
-                              <m:sSup>
-                                <m:sSupPr>
-                                  <m:ctrlPr>
-                                    <a:rPr lang="en-US" sz="1800" b="1" i="1">
-                                      <a:latin typeface="Cambria Math"/>
-                                      <a:ea typeface="Cambria Math"/>
-                                    </a:rPr>
-                                  </m:ctrlPr>
-                                </m:sSupPr>
-                                <m:e>
-                                  <m:r>
-                                    <a:rPr lang="en-US" sz="1800" b="1" i="1">
-                                      <a:latin typeface="Cambria Math"/>
-                                      <a:ea typeface="Cambria Math"/>
-                                    </a:rPr>
-                                    <m:t>𝑾</m:t>
-                                  </m:r>
-                                </m:e>
-                                <m:sup>
-                                  <m:r>
-                                    <a:rPr lang="en-US" sz="1800" b="1" i="1">
-                                      <a:latin typeface="Cambria Math"/>
-                                      <a:ea typeface="Cambria Math"/>
-                                    </a:rPr>
-                                    <m:t>𝑻</m:t>
-                                  </m:r>
-                                </m:sup>
-                              </m:sSup>
-                              <m:r>
-                                <a:rPr lang="en-US" sz="1800" b="1" i="1">
-                                  <a:latin typeface="Cambria Math"/>
-                                  <a:ea typeface="Cambria Math"/>
-                                </a:rPr>
-                                <m:t>𝑽</m:t>
-                              </m:r>
-                              <m:r>
-                                <a:rPr lang="en-US" sz="1800" b="1" i="1">
-                                  <a:latin typeface="Cambria Math"/>
-                                  <a:ea typeface="Cambria Math"/>
-                                </a:rPr>
-                                <m:t>)</m:t>
-                              </m:r>
-                            </m:e>
-                            <m:sub>
-                              <m:r>
-                                <a:rPr lang="en-US" sz="1800" b="1" i="1" smtClean="0">
-                                  <a:latin typeface="Cambria Math"/>
-                                  <a:ea typeface="Cambria Math"/>
-                                </a:rPr>
-                                <m:t>𝒂</m:t>
-                              </m:r>
-                              <m:r>
-                                <a:rPr lang="en-US" sz="1800" b="1" i="1" smtClean="0">
-                                  <a:latin typeface="Cambria Math"/>
-                                  <a:ea typeface="Cambria Math"/>
-                                </a:rPr>
-                                <m:t>𝝁</m:t>
-                              </m:r>
-                            </m:sub>
-                          </m:sSub>
-                        </m:num>
-                        <m:den>
-                          <m:sSub>
-                            <m:sSubPr>
-                              <m:ctrlPr>
-                                <a:rPr lang="en-US" sz="1800" b="1" i="1" smtClean="0">
-                                  <a:latin typeface="Cambria Math"/>
-                                  <a:ea typeface="Cambria Math"/>
-                                </a:rPr>
-                              </m:ctrlPr>
-                            </m:sSubPr>
-                            <m:e>
-                              <m:r>
-                                <a:rPr lang="en-US" sz="1800" b="1" i="1">
-                                  <a:latin typeface="Cambria Math"/>
-                                  <a:ea typeface="Cambria Math"/>
-                                </a:rPr>
-                                <m:t>(</m:t>
-                              </m:r>
-                              <m:sSup>
-                                <m:sSupPr>
-                                  <m:ctrlPr>
-                                    <a:rPr lang="en-US" sz="1800" b="1" i="1">
-                                      <a:latin typeface="Cambria Math"/>
-                                      <a:ea typeface="Cambria Math"/>
-                                    </a:rPr>
-                                  </m:ctrlPr>
-                                </m:sSupPr>
-                                <m:e>
-                                  <m:r>
-                                    <a:rPr lang="en-US" sz="1800" b="1" i="1">
-                                      <a:latin typeface="Cambria Math"/>
-                                      <a:ea typeface="Cambria Math"/>
-                                    </a:rPr>
-                                    <m:t>𝑾</m:t>
-                                  </m:r>
-                                </m:e>
-                                <m:sup>
-                                  <m:r>
-                                    <a:rPr lang="en-US" sz="1800" b="1" i="1">
-                                      <a:latin typeface="Cambria Math"/>
-                                      <a:ea typeface="Cambria Math"/>
-                                    </a:rPr>
-                                    <m:t>𝑻</m:t>
-                                  </m:r>
-                                </m:sup>
-                              </m:sSup>
-                              <m:r>
-                                <a:rPr lang="en-US" sz="1800" b="1" i="1">
-                                  <a:latin typeface="Cambria Math"/>
-                                  <a:ea typeface="Cambria Math"/>
-                                </a:rPr>
-                                <m:t>𝑾𝑯</m:t>
-                              </m:r>
-                              <m:r>
-                                <a:rPr lang="en-US" sz="1800" b="1" i="1">
-                                  <a:latin typeface="Cambria Math"/>
-                                  <a:ea typeface="Cambria Math"/>
-                                </a:rPr>
-                                <m:t>)</m:t>
-                              </m:r>
-                            </m:e>
-                            <m:sub>
-                              <m:r>
-                                <a:rPr lang="en-US" sz="1800" b="1" i="1" smtClean="0">
-                                  <a:latin typeface="Cambria Math"/>
-                                  <a:ea typeface="Cambria Math"/>
-                                </a:rPr>
-                                <m:t>𝒂</m:t>
-                              </m:r>
-                              <m:r>
-                                <a:rPr lang="en-US" sz="1800" b="1" i="1" smtClean="0">
-                                  <a:latin typeface="Cambria Math"/>
-                                  <a:ea typeface="Cambria Math"/>
-                                </a:rPr>
-                                <m:t>𝝁</m:t>
-                              </m:r>
-                            </m:sub>
-                          </m:sSub>
-                        </m:den>
-                      </m:f>
-                    </m:oMath>
-                  </m:oMathPara>
-                </a14:m>
-                <a:endParaRPr lang="en-US" sz="1800" b="1" dirty="0"/>
-              </a:p>
-            </p:txBody>
-          </p:sp>
-        </mc:Choice>
-        <mc:Fallback>
-          <p:sp>
-            <p:nvSpPr>
-              <p:cNvPr id="7" name="TextBox 6"/>
-              <p:cNvSpPr txBox="1">
-                <a:spLocks noRot="1" noChangeAspect="1" noMove="1" noResize="1" noEditPoints="1" noAdjustHandles="1" noChangeArrowheads="1" noChangeShapeType="1" noTextEdit="1"/>
-              </p:cNvSpPr>
-              <p:nvPr/>
-            </p:nvSpPr>
-            <p:spPr>
-              <a:xfrm>
-                <a:off x="1672225" y="2358024"/>
-                <a:ext cx="2579296" cy="740395"/>
-              </a:xfrm>
-              <a:prstGeom prst="rect">
-                <a:avLst/>
-              </a:prstGeom>
-              <a:blipFill rotWithShape="1">
-                <a:blip r:embed="rId3"/>
-                <a:stretch>
-                  <a:fillRect r="-3073"/>
-                </a:stretch>
-              </a:blipFill>
-            </p:spPr>
-            <p:txBody>
-              <a:bodyPr/>
-              <a:lstStyle/>
-              <a:p>
-                <a:r>
-                  <a:rPr lang="en-US">
-                    <a:noFill/>
-                  </a:rPr>
-                  <a:t> </a:t>
-                </a:r>
-              </a:p>
-            </p:txBody>
-          </p:sp>
-        </mc:Fallback>
-      </mc:AlternateContent>
-      <mc:AlternateContent xmlns:mc="http://schemas.openxmlformats.org/markup-compatibility/2006">
-        <mc:Choice xmlns:a14="http://schemas.microsoft.com/office/drawing/2010/main" Requires="a14">
-          <p:sp>
-            <p:nvSpPr>
-              <p:cNvPr id="8" name="TextBox 7"/>
-              <p:cNvSpPr txBox="1"/>
-              <p:nvPr/>
-            </p:nvSpPr>
-            <p:spPr>
-              <a:xfrm>
-                <a:off x="4876800" y="2358024"/>
-                <a:ext cx="2491131" cy="703078"/>
-              </a:xfrm>
-              <a:prstGeom prst="rect">
-                <a:avLst/>
-              </a:prstGeom>
-              <a:noFill/>
-            </p:spPr>
-            <p:txBody>
-              <a:bodyPr wrap="none" rtlCol="0">
-                <a:spAutoFit/>
-              </a:bodyPr>
-              <a:lstStyle/>
-              <a:p>
-                <a:pPr/>
-                <a14:m>
-                  <m:oMathPara xmlns:m="http://schemas.openxmlformats.org/officeDocument/2006/math">
-                    <m:oMathParaPr>
-                      <m:jc m:val="centerGroup"/>
-                    </m:oMathParaPr>
-                    <m:oMath xmlns:m="http://schemas.openxmlformats.org/officeDocument/2006/math">
-                      <m:sSub>
-                        <m:sSubPr>
-                          <m:ctrlPr>
-                            <a:rPr lang="en-US" sz="1800" b="1" i="1" smtClean="0">
-                              <a:latin typeface="Cambria Math"/>
-                            </a:rPr>
-                          </m:ctrlPr>
-                        </m:sSubPr>
-                        <m:e>
-                          <m:r>
-                            <a:rPr lang="en-US" sz="1800" b="1" i="1" smtClean="0">
-                              <a:latin typeface="Cambria Math"/>
-                            </a:rPr>
-                            <m:t>𝑾</m:t>
-                          </m:r>
-                        </m:e>
-                        <m:sub>
-                          <m:r>
-                            <a:rPr lang="en-US" sz="1800" b="1" i="1" smtClean="0">
-                              <a:latin typeface="Cambria Math"/>
-                            </a:rPr>
-                            <m:t>𝒊𝒂</m:t>
-                          </m:r>
-                        </m:sub>
-                      </m:sSub>
-                      <m:r>
-                        <a:rPr lang="en-US" sz="1800" b="1" i="1" smtClean="0">
-                          <a:latin typeface="Cambria Math"/>
-                          <a:ea typeface="Cambria Math"/>
-                        </a:rPr>
-                        <m:t>←</m:t>
-                      </m:r>
-                      <m:sSub>
-                        <m:sSubPr>
-                          <m:ctrlPr>
-                            <a:rPr lang="en-US" sz="1800" b="1" i="1">
-                              <a:latin typeface="Cambria Math"/>
-                            </a:rPr>
-                          </m:ctrlPr>
-                        </m:sSubPr>
-                        <m:e>
-                          <m:r>
-                            <a:rPr lang="en-US" sz="1800" b="1" i="1" smtClean="0">
-                              <a:latin typeface="Cambria Math"/>
-                            </a:rPr>
-                            <m:t>𝑾</m:t>
-                          </m:r>
-                        </m:e>
-                        <m:sub>
-                          <m:r>
-                            <a:rPr lang="en-US" sz="1800" b="1" i="1" smtClean="0">
-                              <a:latin typeface="Cambria Math"/>
-                            </a:rPr>
-                            <m:t>𝒊</m:t>
-                          </m:r>
-                          <m:r>
-                            <a:rPr lang="en-US" sz="1800" b="1" i="1">
-                              <a:latin typeface="Cambria Math"/>
-                            </a:rPr>
-                            <m:t>𝒂</m:t>
-                          </m:r>
-                        </m:sub>
-                      </m:sSub>
-                      <m:f>
-                        <m:fPr>
-                          <m:ctrlPr>
-                            <a:rPr lang="en-US" sz="1800" b="1" i="1" smtClean="0">
-                              <a:latin typeface="Cambria Math"/>
-                              <a:ea typeface="Cambria Math"/>
-                            </a:rPr>
-                          </m:ctrlPr>
-                        </m:fPr>
-                        <m:num>
-                          <m:sSub>
-                            <m:sSubPr>
-                              <m:ctrlPr>
-                                <a:rPr lang="en-US" sz="1800" b="1" i="1" smtClean="0">
-                                  <a:latin typeface="Cambria Math"/>
-                                  <a:ea typeface="Cambria Math"/>
-                                </a:rPr>
-                              </m:ctrlPr>
-                            </m:sSubPr>
-                            <m:e>
-                              <m:r>
-                                <a:rPr lang="en-US" sz="1800" b="1" i="1">
-                                  <a:latin typeface="Cambria Math"/>
-                                  <a:ea typeface="Cambria Math"/>
-                                </a:rPr>
-                                <m:t>(</m:t>
-                              </m:r>
-                              <m:sSup>
-                                <m:sSupPr>
-                                  <m:ctrlPr>
-                                    <a:rPr lang="en-US" sz="1800" b="1" i="1">
-                                      <a:latin typeface="Cambria Math"/>
-                                      <a:ea typeface="Cambria Math"/>
-                                    </a:rPr>
-                                  </m:ctrlPr>
-                                </m:sSupPr>
-                                <m:e>
-                                  <m:r>
-                                    <a:rPr lang="en-US" sz="1800" b="1" i="1" smtClean="0">
-                                      <a:latin typeface="Cambria Math"/>
-                                      <a:ea typeface="Cambria Math"/>
-                                    </a:rPr>
-                                    <m:t>𝑽𝑯</m:t>
-                                  </m:r>
-                                </m:e>
-                                <m:sup>
-                                  <m:r>
-                                    <a:rPr lang="en-US" sz="1800" b="1" i="1">
-                                      <a:latin typeface="Cambria Math"/>
-                                      <a:ea typeface="Cambria Math"/>
-                                    </a:rPr>
-                                    <m:t>𝑻</m:t>
-                                  </m:r>
-                                </m:sup>
-                              </m:sSup>
-                              <m:r>
-                                <a:rPr lang="en-US" sz="1800" b="1" i="1">
-                                  <a:latin typeface="Cambria Math"/>
-                                  <a:ea typeface="Cambria Math"/>
-                                </a:rPr>
-                                <m:t>)</m:t>
-                              </m:r>
-                            </m:e>
-                            <m:sub>
-                              <m:r>
-                                <a:rPr lang="en-US" sz="1800" b="1" i="1" smtClean="0">
-                                  <a:latin typeface="Cambria Math"/>
-                                  <a:ea typeface="Cambria Math"/>
-                                </a:rPr>
-                                <m:t>𝒊𝒂</m:t>
-                              </m:r>
-                            </m:sub>
-                          </m:sSub>
-                        </m:num>
-                        <m:den>
-                          <m:sSub>
-                            <m:sSubPr>
-                              <m:ctrlPr>
-                                <a:rPr lang="en-US" sz="1800" b="1" i="1" smtClean="0">
-                                  <a:latin typeface="Cambria Math"/>
-                                  <a:ea typeface="Cambria Math"/>
-                                </a:rPr>
-                              </m:ctrlPr>
-                            </m:sSubPr>
-                            <m:e>
-                              <m:r>
-                                <a:rPr lang="en-US" sz="1800" b="1" i="1">
-                                  <a:latin typeface="Cambria Math"/>
-                                  <a:ea typeface="Cambria Math"/>
-                                </a:rPr>
-                                <m:t>(</m:t>
-                              </m:r>
-                              <m:sSup>
-                                <m:sSupPr>
-                                  <m:ctrlPr>
-                                    <a:rPr lang="en-US" sz="1800" b="1" i="1">
-                                      <a:latin typeface="Cambria Math"/>
-                                      <a:ea typeface="Cambria Math"/>
-                                    </a:rPr>
-                                  </m:ctrlPr>
-                                </m:sSupPr>
-                                <m:e>
-                                  <m:r>
-                                    <a:rPr lang="en-US" sz="1800" b="1" i="1" smtClean="0">
-                                      <a:latin typeface="Cambria Math"/>
-                                      <a:ea typeface="Cambria Math"/>
-                                    </a:rPr>
-                                    <m:t>𝑾𝑯𝑯</m:t>
-                                  </m:r>
-                                </m:e>
-                                <m:sup>
-                                  <m:r>
-                                    <a:rPr lang="en-US" sz="1800" b="1" i="1">
-                                      <a:latin typeface="Cambria Math"/>
-                                      <a:ea typeface="Cambria Math"/>
-                                    </a:rPr>
-                                    <m:t>𝑻</m:t>
-                                  </m:r>
-                                </m:sup>
-                              </m:sSup>
-                              <m:r>
-                                <a:rPr lang="en-US" sz="1800" b="1" i="1">
-                                  <a:latin typeface="Cambria Math"/>
-                                  <a:ea typeface="Cambria Math"/>
-                                </a:rPr>
-                                <m:t>)</m:t>
-                              </m:r>
-                            </m:e>
-                            <m:sub>
-                              <m:r>
-                                <a:rPr lang="en-US" sz="1800" b="1" i="1" smtClean="0">
-                                  <a:latin typeface="Cambria Math"/>
-                                  <a:ea typeface="Cambria Math"/>
-                                </a:rPr>
-                                <m:t>𝒊𝒂</m:t>
-                              </m:r>
-                            </m:sub>
-                          </m:sSub>
-                        </m:den>
-                      </m:f>
-                    </m:oMath>
-                  </m:oMathPara>
-                </a14:m>
-                <a:endParaRPr lang="en-US" sz="1800" b="1" dirty="0"/>
-              </a:p>
-            </p:txBody>
-          </p:sp>
-        </mc:Choice>
-        <mc:Fallback>
-          <p:sp>
-            <p:nvSpPr>
-              <p:cNvPr id="8" name="TextBox 7"/>
-              <p:cNvSpPr txBox="1">
-                <a:spLocks noRot="1" noChangeAspect="1" noMove="1" noResize="1" noEditPoints="1" noAdjustHandles="1" noChangeArrowheads="1" noChangeShapeType="1" noTextEdit="1"/>
-              </p:cNvSpPr>
-              <p:nvPr/>
-            </p:nvSpPr>
-            <p:spPr>
-              <a:xfrm>
-                <a:off x="4876800" y="2358024"/>
-                <a:ext cx="2491131" cy="703078"/>
-              </a:xfrm>
-              <a:prstGeom prst="rect">
-                <a:avLst/>
-              </a:prstGeom>
-              <a:blipFill rotWithShape="1">
-                <a:blip r:embed="rId4"/>
-                <a:stretch>
-                  <a:fillRect r="-2689"/>
-                </a:stretch>
-              </a:blipFill>
-            </p:spPr>
-            <p:txBody>
-              <a:bodyPr/>
-              <a:lstStyle/>
-              <a:p>
-                <a:r>
-                  <a:rPr lang="en-US">
-                    <a:noFill/>
-                  </a:rPr>
-                  <a:t> </a:t>
-                </a:r>
-              </a:p>
-            </p:txBody>
-          </p:sp>
-        </mc:Fallback>
-      </mc:AlternateContent>
-    </p:spTree>
-  </p:cSld>
-  <p:clrMapOvr>
-    <a:masterClrMapping/>
-  </p:clrMapOvr>
-  <p:timing>
-    <p:tnLst>
-      <p:par>
-        <p:cTn id="1" dur="indefinite" restart="never" nodeType="tmRoot"/>
-      </p:par>
-    </p:tnLst>
-  </p:timing>
-</p:sld>
-</file>
-
-<file path=ppt/slides/slide19.xml><?xml version="1.0" encoding="utf-8"?>
-<p:sld xmlns:a="http://schemas.openxmlformats.org/drawingml/2006/main" xmlns:r="http://schemas.openxmlformats.org/officeDocument/2006/relationships" xmlns:p="http://schemas.openxmlformats.org/presentationml/2006/main">
-  <p:cSld>
-    <p:spTree>
-      <p:nvGrpSpPr>
-        <p:cNvPr id="1" name="Shape 303"/>
-        <p:cNvGrpSpPr/>
-        <p:nvPr/>
-      </p:nvGrpSpPr>
-      <p:grpSpPr>
-        <a:xfrm>
-          <a:off x="0" y="0"/>
-          <a:ext cx="0" cy="0"/>
-          <a:chOff x="0" y="0"/>
-          <a:chExt cx="0" cy="0"/>
-        </a:xfrm>
-      </p:grpSpPr>
-      <p:sp>
-        <p:nvSpPr>
-          <p:cNvPr id="304" name="Google Shape;304;g116b8cda02a_0_0"/>
-          <p:cNvSpPr txBox="1">
-            <a:spLocks noGrp="1"/>
-          </p:cNvSpPr>
-          <p:nvPr>
-            <p:ph type="title"/>
-          </p:nvPr>
-        </p:nvSpPr>
-        <p:spPr>
-          <a:xfrm>
-            <a:off x="1297500" y="393750"/>
-            <a:ext cx="7038900" cy="914100"/>
-          </a:xfrm>
-          <a:prstGeom prst="rect">
-            <a:avLst/>
-          </a:prstGeom>
-          <a:noFill/>
-          <a:ln>
-            <a:noFill/>
-          </a:ln>
-        </p:spPr>
-        <p:txBody>
-          <a:bodyPr spcFirstLastPara="1" wrap="square" lIns="91425" tIns="91425" rIns="91425" bIns="91425" anchor="t" anchorCtr="0">
-            <a:normAutofit/>
-          </a:bodyPr>
-          <a:lstStyle/>
-          <a:p>
-            <a:pPr marL="0" lvl="0" indent="0" algn="l" rtl="0">
-              <a:lnSpc>
-                <a:spcPct val="100000"/>
-              </a:lnSpc>
-              <a:spcBef>
-                <a:spcPts val="0"/>
-              </a:spcBef>
-              <a:spcAft>
-                <a:spcPts val="0"/>
-              </a:spcAft>
-              <a:buSzPts val="2400"/>
-              <a:buNone/>
-            </a:pPr>
-            <a:r>
-              <a:rPr lang="en" b="1">
-                <a:solidFill>
-                  <a:schemeClr val="dk1"/>
-                </a:solidFill>
-              </a:rPr>
-              <a:t>Multiplicative update</a:t>
-            </a:r>
-            <a:endParaRPr b="1">
-              <a:solidFill>
-                <a:schemeClr val="dk1"/>
-              </a:solidFill>
-            </a:endParaRPr>
-          </a:p>
-        </p:txBody>
-      </p:sp>
-      <p:pic>
-        <p:nvPicPr>
-          <p:cNvPr id="305" name="Google Shape;305;g116b8cda02a_0_0"/>
-          <p:cNvPicPr preferRelativeResize="0"/>
-          <p:nvPr/>
-        </p:nvPicPr>
-        <p:blipFill rotWithShape="1">
-          <a:blip r:embed="rId3">
-            <a:alphaModFix/>
-          </a:blip>
-          <a:srcRect/>
-          <a:stretch/>
-        </p:blipFill>
-        <p:spPr>
-          <a:xfrm>
-            <a:off x="1402299" y="1203687"/>
-            <a:ext cx="6650437" cy="3530850"/>
-          </a:xfrm>
-          <a:prstGeom prst="rect">
-            <a:avLst/>
-          </a:prstGeom>
-          <a:noFill/>
-          <a:ln>
-            <a:noFill/>
-          </a:ln>
-        </p:spPr>
-      </p:pic>
-    </p:spTree>
-  </p:cSld>
-  <p:clrMapOvr>
-    <a:masterClrMapping/>
-  </p:clrMapOvr>
-  <p:timing>
-    <p:tnLst>
-      <p:par>
-        <p:cTn id="1" dur="indefinite" restart="never" nodeType="tmRoot"/>
-      </p:par>
-    </p:tnLst>
-  </p:timing>
-</p:sld>
-</file>
-
-<file path=ppt/slides/slide2.xml><?xml version="1.0" encoding="utf-8"?>
-<p:sld xmlns:a="http://schemas.openxmlformats.org/drawingml/2006/main" xmlns:r="http://schemas.openxmlformats.org/officeDocument/2006/relationships" xmlns:p="http://schemas.openxmlformats.org/presentationml/2006/main">
-  <p:cSld>
-    <p:spTree>
-      <p:nvGrpSpPr>
-        <p:cNvPr id="1" name="Shape 139"/>
-        <p:cNvGrpSpPr/>
-        <p:nvPr/>
-      </p:nvGrpSpPr>
-      <p:grpSpPr>
-        <a:xfrm>
-          <a:off x="0" y="0"/>
-          <a:ext cx="0" cy="0"/>
-          <a:chOff x="0" y="0"/>
-          <a:chExt cx="0" cy="0"/>
-        </a:xfrm>
-      </p:grpSpPr>
-      <p:sp>
-        <p:nvSpPr>
-          <p:cNvPr id="140" name="Google Shape;140;p2"/>
-          <p:cNvSpPr txBox="1">
-            <a:spLocks noGrp="1"/>
-          </p:cNvSpPr>
-          <p:nvPr>
-            <p:ph type="title"/>
-          </p:nvPr>
-        </p:nvSpPr>
-        <p:spPr>
-          <a:xfrm>
-            <a:off x="1297500" y="393750"/>
-            <a:ext cx="7038900" cy="914100"/>
-          </a:xfrm>
-          <a:prstGeom prst="rect">
-            <a:avLst/>
-          </a:prstGeom>
-          <a:noFill/>
-          <a:ln>
-            <a:noFill/>
-          </a:ln>
-        </p:spPr>
-        <p:txBody>
-          <a:bodyPr spcFirstLastPara="1" wrap="square" lIns="91425" tIns="91425" rIns="91425" bIns="91425" anchor="t" anchorCtr="0">
-            <a:normAutofit/>
-          </a:bodyPr>
-          <a:lstStyle/>
-          <a:p>
-            <a:pPr marL="0" lvl="0" indent="0" algn="l" rtl="0">
-              <a:lnSpc>
-                <a:spcPct val="100000"/>
-              </a:lnSpc>
-              <a:spcBef>
-                <a:spcPts val="0"/>
-              </a:spcBef>
-              <a:spcAft>
-                <a:spcPts val="0"/>
-              </a:spcAft>
-              <a:buSzPts val="2400"/>
-              <a:buNone/>
-            </a:pPr>
-            <a:r>
-              <a:rPr lang="en" sz="3500" b="1">
-                <a:solidFill>
-                  <a:schemeClr val="dk1"/>
-                </a:solidFill>
-              </a:rPr>
-              <a:t>Project Description</a:t>
-            </a:r>
-            <a:endParaRPr sz="3500" b="1">
-              <a:solidFill>
-                <a:schemeClr val="dk1"/>
-              </a:solidFill>
-            </a:endParaRPr>
-          </a:p>
-        </p:txBody>
-      </p:sp>
-      <p:sp>
-        <p:nvSpPr>
-          <p:cNvPr id="141" name="Google Shape;141;p2"/>
-          <p:cNvSpPr txBox="1">
-            <a:spLocks noGrp="1"/>
-          </p:cNvSpPr>
-          <p:nvPr>
-            <p:ph type="body" idx="1"/>
-          </p:nvPr>
-        </p:nvSpPr>
-        <p:spPr>
-          <a:xfrm>
-            <a:off x="1297500" y="1694150"/>
-            <a:ext cx="3372600" cy="2562900"/>
-          </a:xfrm>
-          <a:prstGeom prst="rect">
-            <a:avLst/>
-          </a:prstGeom>
-          <a:noFill/>
-          <a:ln>
-            <a:noFill/>
-          </a:ln>
-        </p:spPr>
-        <p:txBody>
-          <a:bodyPr spcFirstLastPara="1" wrap="square" lIns="91425" tIns="91425" rIns="91425" bIns="91425" anchor="t" anchorCtr="0">
-            <a:normAutofit/>
-          </a:bodyPr>
-          <a:lstStyle/>
-          <a:p>
-            <a:pPr marL="457200" lvl="0" indent="-330200" algn="l" rtl="0">
-              <a:lnSpc>
-                <a:spcPct val="115000"/>
-              </a:lnSpc>
-              <a:spcBef>
-                <a:spcPts val="0"/>
-              </a:spcBef>
-              <a:spcAft>
-                <a:spcPts val="0"/>
-              </a:spcAft>
-              <a:buClr>
-                <a:schemeClr val="dk1"/>
-              </a:buClr>
-              <a:buSzPts val="1600"/>
-              <a:buChar char="●"/>
-            </a:pPr>
-            <a:r>
-              <a:rPr lang="en" sz="1600">
-                <a:solidFill>
-                  <a:schemeClr val="dk1"/>
-                </a:solidFill>
-              </a:rPr>
-              <a:t>Addition of matrices</a:t>
-            </a:r>
-            <a:endParaRPr sz="1600">
-              <a:solidFill>
-                <a:schemeClr val="dk1"/>
-              </a:solidFill>
-            </a:endParaRPr>
-          </a:p>
-          <a:p>
-            <a:pPr marL="457200" lvl="0" indent="-330200" algn="l" rtl="0">
-              <a:lnSpc>
-                <a:spcPct val="115000"/>
-              </a:lnSpc>
-              <a:spcBef>
-                <a:spcPts val="0"/>
-              </a:spcBef>
-              <a:spcAft>
-                <a:spcPts val="0"/>
-              </a:spcAft>
-              <a:buClr>
-                <a:schemeClr val="dk1"/>
-              </a:buClr>
-              <a:buSzPts val="1600"/>
-              <a:buChar char="●"/>
-            </a:pPr>
-            <a:r>
-              <a:rPr lang="en" sz="1600">
-                <a:solidFill>
-                  <a:schemeClr val="dk1"/>
-                </a:solidFill>
-              </a:rPr>
-              <a:t>Subtraction of matrices</a:t>
-            </a:r>
-            <a:endParaRPr sz="1600">
-              <a:solidFill>
-                <a:schemeClr val="dk1"/>
-              </a:solidFill>
-            </a:endParaRPr>
-          </a:p>
-          <a:p>
-            <a:pPr marL="457200" lvl="0" indent="-330200" algn="l" rtl="0">
-              <a:lnSpc>
-                <a:spcPct val="115000"/>
-              </a:lnSpc>
-              <a:spcBef>
-                <a:spcPts val="0"/>
-              </a:spcBef>
-              <a:spcAft>
-                <a:spcPts val="0"/>
-              </a:spcAft>
-              <a:buClr>
-                <a:schemeClr val="dk1"/>
-              </a:buClr>
-              <a:buSzPts val="1600"/>
-              <a:buChar char="●"/>
-            </a:pPr>
-            <a:r>
-              <a:rPr lang="en" sz="1600">
-                <a:solidFill>
-                  <a:schemeClr val="dk1"/>
-                </a:solidFill>
-              </a:rPr>
-              <a:t>Multiplication of two matrices</a:t>
-            </a:r>
-            <a:endParaRPr sz="1600">
-              <a:solidFill>
-                <a:schemeClr val="dk1"/>
-              </a:solidFill>
-            </a:endParaRPr>
-          </a:p>
-          <a:p>
-            <a:pPr marL="457200" lvl="0" indent="-330200" algn="l" rtl="0">
-              <a:lnSpc>
-                <a:spcPct val="115000"/>
-              </a:lnSpc>
-              <a:spcBef>
-                <a:spcPts val="0"/>
-              </a:spcBef>
-              <a:spcAft>
-                <a:spcPts val="0"/>
-              </a:spcAft>
-              <a:buClr>
-                <a:schemeClr val="dk1"/>
-              </a:buClr>
-              <a:buSzPts val="1600"/>
-              <a:buChar char="●"/>
-            </a:pPr>
-            <a:r>
-              <a:rPr lang="en" sz="1600">
-                <a:solidFill>
-                  <a:schemeClr val="dk1"/>
-                </a:solidFill>
-              </a:rPr>
-              <a:t>Transpose matrix</a:t>
-            </a:r>
-            <a:endParaRPr sz="1600">
-              <a:solidFill>
-                <a:schemeClr val="dk1"/>
-              </a:solidFill>
-            </a:endParaRPr>
-          </a:p>
-          <a:p>
-            <a:pPr marL="457200" lvl="0" indent="-330200" algn="l" rtl="0">
-              <a:lnSpc>
-                <a:spcPct val="115000"/>
-              </a:lnSpc>
-              <a:spcBef>
-                <a:spcPts val="0"/>
-              </a:spcBef>
-              <a:spcAft>
-                <a:spcPts val="0"/>
-              </a:spcAft>
-              <a:buClr>
-                <a:schemeClr val="dk1"/>
-              </a:buClr>
-              <a:buSzPts val="1600"/>
-              <a:buChar char="●"/>
-            </a:pPr>
-            <a:r>
-              <a:rPr lang="en" sz="1600">
-                <a:solidFill>
-                  <a:schemeClr val="dk1"/>
-                </a:solidFill>
-              </a:rPr>
-              <a:t>Pseudo inverse of a matrix</a:t>
-            </a:r>
-            <a:endParaRPr sz="1600">
-              <a:solidFill>
-                <a:schemeClr val="dk1"/>
-              </a:solidFill>
-            </a:endParaRPr>
-          </a:p>
-        </p:txBody>
-      </p:sp>
-      <p:sp>
-        <p:nvSpPr>
-          <p:cNvPr id="142" name="Google Shape;142;p2"/>
-          <p:cNvSpPr txBox="1">
-            <a:spLocks noGrp="1"/>
-          </p:cNvSpPr>
-          <p:nvPr>
-            <p:ph type="body" idx="1"/>
-          </p:nvPr>
-        </p:nvSpPr>
-        <p:spPr>
-          <a:xfrm>
-            <a:off x="4813385" y="1694150"/>
-            <a:ext cx="4072500" cy="2562900"/>
-          </a:xfrm>
-          <a:prstGeom prst="rect">
-            <a:avLst/>
-          </a:prstGeom>
-          <a:noFill/>
-          <a:ln>
-            <a:noFill/>
-          </a:ln>
-        </p:spPr>
-        <p:txBody>
-          <a:bodyPr spcFirstLastPara="1" wrap="square" lIns="91425" tIns="91425" rIns="91425" bIns="91425" anchor="t" anchorCtr="0">
-            <a:normAutofit/>
-          </a:bodyPr>
-          <a:lstStyle/>
-          <a:p>
-            <a:pPr marL="457200" lvl="0" indent="-330200" algn="l" rtl="0">
-              <a:lnSpc>
-                <a:spcPct val="115000"/>
-              </a:lnSpc>
-              <a:spcBef>
-                <a:spcPts val="0"/>
-              </a:spcBef>
-              <a:spcAft>
-                <a:spcPts val="0"/>
-              </a:spcAft>
-              <a:buClr>
-                <a:schemeClr val="dk1"/>
-              </a:buClr>
-              <a:buSzPts val="1600"/>
-              <a:buChar char="●"/>
-            </a:pPr>
-            <a:r>
-              <a:rPr lang="en" sz="1600">
-                <a:solidFill>
-                  <a:schemeClr val="dk1"/>
-                </a:solidFill>
-              </a:rPr>
-              <a:t>Gaussian initialization</a:t>
-            </a:r>
-            <a:endParaRPr sz="1600">
-              <a:solidFill>
-                <a:schemeClr val="dk1"/>
-              </a:solidFill>
-            </a:endParaRPr>
-          </a:p>
-          <a:p>
-            <a:pPr marL="457200" lvl="0" indent="-330200" algn="l" rtl="0">
-              <a:lnSpc>
-                <a:spcPct val="115000"/>
-              </a:lnSpc>
-              <a:spcBef>
-                <a:spcPts val="0"/>
-              </a:spcBef>
-              <a:spcAft>
-                <a:spcPts val="0"/>
-              </a:spcAft>
-              <a:buClr>
-                <a:schemeClr val="dk1"/>
-              </a:buClr>
-              <a:buSzPts val="1600"/>
-              <a:buChar char="●"/>
-            </a:pPr>
-            <a:r>
-              <a:rPr lang="en" sz="1600">
-                <a:solidFill>
-                  <a:schemeClr val="dk1"/>
-                </a:solidFill>
-              </a:rPr>
-              <a:t>Matrix normalization</a:t>
-            </a:r>
-            <a:endParaRPr sz="1600">
-              <a:solidFill>
-                <a:schemeClr val="dk1"/>
-              </a:solidFill>
-            </a:endParaRPr>
-          </a:p>
-          <a:p>
-            <a:pPr marL="457200" lvl="0" indent="-330200" algn="l" rtl="0">
-              <a:lnSpc>
-                <a:spcPct val="115000"/>
-              </a:lnSpc>
-              <a:spcBef>
-                <a:spcPts val="0"/>
-              </a:spcBef>
-              <a:spcAft>
-                <a:spcPts val="0"/>
-              </a:spcAft>
-              <a:buClr>
-                <a:schemeClr val="dk1"/>
-              </a:buClr>
-              <a:buSzPts val="1600"/>
-              <a:buChar char="●"/>
-            </a:pPr>
-            <a:r>
-              <a:rPr lang="en" sz="1600">
-                <a:solidFill>
-                  <a:schemeClr val="dk1"/>
-                </a:solidFill>
-              </a:rPr>
-              <a:t>Error Calculation</a:t>
-            </a:r>
-            <a:endParaRPr sz="1600">
-              <a:solidFill>
-                <a:schemeClr val="dk1"/>
-              </a:solidFill>
-            </a:endParaRPr>
-          </a:p>
-          <a:p>
-            <a:pPr marL="457200" lvl="0" indent="-330200" algn="l" rtl="0">
-              <a:lnSpc>
-                <a:spcPct val="115000"/>
-              </a:lnSpc>
-              <a:spcBef>
-                <a:spcPts val="0"/>
-              </a:spcBef>
-              <a:spcAft>
-                <a:spcPts val="0"/>
-              </a:spcAft>
-              <a:buClr>
-                <a:schemeClr val="dk1"/>
-              </a:buClr>
-              <a:buSzPts val="1600"/>
-              <a:buChar char="●"/>
-            </a:pPr>
-            <a:r>
-              <a:rPr lang="en" sz="1600">
-                <a:solidFill>
-                  <a:schemeClr val="dk1"/>
-                </a:solidFill>
-              </a:rPr>
-              <a:t>Multiplicative Update</a:t>
-            </a:r>
-            <a:endParaRPr sz="1600">
-              <a:solidFill>
-                <a:schemeClr val="dk1"/>
-              </a:solidFill>
-            </a:endParaRPr>
-          </a:p>
-        </p:txBody>
-      </p:sp>
-    </p:spTree>
-  </p:cSld>
-  <p:clrMapOvr>
-    <a:masterClrMapping/>
-  </p:clrMapOvr>
-  <p:timing>
-    <p:tnLst>
-      <p:par>
-        <p:cTn id="1" dur="indefinite" restart="never" nodeType="tmRoot"/>
-      </p:par>
-    </p:tnLst>
-  </p:timing>
-</p:sld>
-</file>
-
 <file path=ppt/slides/slide20.xml><?xml version="1.0" encoding="utf-8"?>
-<p:sld xmlns:a="http://schemas.openxmlformats.org/drawingml/2006/main" xmlns:r="http://schemas.openxmlformats.org/officeDocument/2006/relationships" xmlns:p="http://schemas.openxmlformats.org/presentationml/2006/main">
-  <p:cSld>
-    <p:spTree>
-      <p:nvGrpSpPr>
-        <p:cNvPr id="1" name="Shape 309"/>
-        <p:cNvGrpSpPr/>
-        <p:nvPr/>
-      </p:nvGrpSpPr>
-      <p:grpSpPr>
-        <a:xfrm>
-          <a:off x="0" y="0"/>
-          <a:ext cx="0" cy="0"/>
-          <a:chOff x="0" y="0"/>
-          <a:chExt cx="0" cy="0"/>
-        </a:xfrm>
-      </p:grpSpPr>
-      <p:sp>
-        <p:nvSpPr>
-          <p:cNvPr id="310" name="Google Shape;310;g116b8cda02a_0_11"/>
-          <p:cNvSpPr txBox="1">
-            <a:spLocks noGrp="1"/>
-          </p:cNvSpPr>
-          <p:nvPr>
-            <p:ph type="title"/>
-          </p:nvPr>
-        </p:nvSpPr>
-        <p:spPr>
-          <a:xfrm>
-            <a:off x="1297500" y="393750"/>
-            <a:ext cx="7038900" cy="914100"/>
-          </a:xfrm>
-          <a:prstGeom prst="rect">
-            <a:avLst/>
-          </a:prstGeom>
-          <a:noFill/>
-          <a:ln>
-            <a:noFill/>
-          </a:ln>
-        </p:spPr>
-        <p:txBody>
-          <a:bodyPr spcFirstLastPara="1" wrap="square" lIns="91425" tIns="91425" rIns="91425" bIns="91425" anchor="t" anchorCtr="0">
-            <a:normAutofit/>
-          </a:bodyPr>
-          <a:lstStyle/>
-          <a:p>
-            <a:pPr marL="0" lvl="0" indent="0" algn="l" rtl="0">
-              <a:lnSpc>
-                <a:spcPct val="100000"/>
-              </a:lnSpc>
-              <a:spcBef>
-                <a:spcPts val="0"/>
-              </a:spcBef>
-              <a:spcAft>
-                <a:spcPts val="0"/>
-              </a:spcAft>
-              <a:buSzPts val="2400"/>
-              <a:buNone/>
-            </a:pPr>
-            <a:r>
-              <a:rPr lang="en" b="1">
-                <a:solidFill>
-                  <a:schemeClr val="dk1"/>
-                </a:solidFill>
-              </a:rPr>
-              <a:t>Multiplicative update</a:t>
-            </a:r>
-            <a:endParaRPr b="1">
-              <a:solidFill>
-                <a:schemeClr val="dk1"/>
-              </a:solidFill>
-            </a:endParaRPr>
-          </a:p>
-        </p:txBody>
-      </p:sp>
-      <p:pic>
-        <p:nvPicPr>
-          <p:cNvPr id="311" name="Google Shape;311;g116b8cda02a_0_11"/>
-          <p:cNvPicPr preferRelativeResize="0"/>
-          <p:nvPr/>
-        </p:nvPicPr>
-        <p:blipFill rotWithShape="1">
-          <a:blip r:embed="rId3">
-            <a:alphaModFix/>
-          </a:blip>
-          <a:srcRect/>
-          <a:stretch/>
-        </p:blipFill>
-        <p:spPr>
-          <a:xfrm>
-            <a:off x="1297500" y="1086400"/>
-            <a:ext cx="6569275" cy="3671349"/>
-          </a:xfrm>
-          <a:prstGeom prst="rect">
-            <a:avLst/>
-          </a:prstGeom>
-          <a:noFill/>
-          <a:ln>
-            <a:noFill/>
-          </a:ln>
-        </p:spPr>
-      </p:pic>
-    </p:spTree>
-  </p:cSld>
-  <p:clrMapOvr>
-    <a:masterClrMapping/>
-  </p:clrMapOvr>
-  <p:timing>
-    <p:tnLst>
-      <p:par>
-        <p:cTn id="1" dur="indefinite" restart="never" nodeType="tmRoot"/>
-      </p:par>
-    </p:tnLst>
-  </p:timing>
-</p:sld>
-</file>
-
-<file path=ppt/slides/slide21.xml><?xml version="1.0" encoding="utf-8"?>
 <p:sld xmlns:a="http://schemas.openxmlformats.org/drawingml/2006/main" xmlns:r="http://schemas.openxmlformats.org/officeDocument/2006/relationships" xmlns:p="http://schemas.openxmlformats.org/presentationml/2006/main">
   <p:cSld>
     <p:spTree>
@@ -25754,14 +26685,14 @@
               <a:buNone/>
             </a:pPr>
             <a:r>
-              <a:rPr lang="en" b="1">
+              <a:rPr lang="en" b="1" dirty="0" smtClean="0">
                 <a:solidFill>
                   <a:schemeClr val="dk1"/>
                 </a:solidFill>
               </a:rPr>
-              <a:t>Multiplicative update</a:t>
+              <a:t>Source code</a:t>
             </a:r>
-            <a:endParaRPr b="1">
+            <a:endParaRPr b="1" dirty="0">
               <a:solidFill>
                 <a:schemeClr val="dk1"/>
               </a:solidFill>
@@ -25811,7 +26742,7 @@
 </p:sld>
 </file>
 
-<file path=ppt/slides/slide22.xml><?xml version="1.0" encoding="utf-8"?>
+<file path=ppt/slides/slide21.xml><?xml version="1.0" encoding="utf-8"?>
 <p:sld xmlns:a="http://schemas.openxmlformats.org/drawingml/2006/main" xmlns:r="http://schemas.openxmlformats.org/officeDocument/2006/relationships" xmlns:p="http://schemas.openxmlformats.org/presentationml/2006/main">
   <p:cSld>
     <p:spTree>
@@ -25913,6 +26844,396 @@
 </file>
 
 <file path=ppt/slides/slide3.xml><?xml version="1.0" encoding="utf-8"?>
+<p:sld xmlns:a="http://schemas.openxmlformats.org/drawingml/2006/main" xmlns:r="http://schemas.openxmlformats.org/officeDocument/2006/relationships" xmlns:p="http://schemas.openxmlformats.org/presentationml/2006/main">
+  <p:cSld>
+    <p:spTree>
+      <p:nvGrpSpPr>
+        <p:cNvPr id="1" name="Shape 139"/>
+        <p:cNvGrpSpPr/>
+        <p:nvPr/>
+      </p:nvGrpSpPr>
+      <p:grpSpPr>
+        <a:xfrm>
+          <a:off x="0" y="0"/>
+          <a:ext cx="0" cy="0"/>
+          <a:chOff x="0" y="0"/>
+          <a:chExt cx="0" cy="0"/>
+        </a:xfrm>
+      </p:grpSpPr>
+      <p:sp>
+        <p:nvSpPr>
+          <p:cNvPr id="140" name="Google Shape;140;p2"/>
+          <p:cNvSpPr txBox="1">
+            <a:spLocks noGrp="1"/>
+          </p:cNvSpPr>
+          <p:nvPr>
+            <p:ph type="title"/>
+          </p:nvPr>
+        </p:nvSpPr>
+        <p:spPr>
+          <a:xfrm>
+            <a:off x="1297500" y="393750"/>
+            <a:ext cx="7038900" cy="914100"/>
+          </a:xfrm>
+          <a:prstGeom prst="rect">
+            <a:avLst/>
+          </a:prstGeom>
+          <a:noFill/>
+          <a:ln>
+            <a:noFill/>
+          </a:ln>
+        </p:spPr>
+        <p:txBody>
+          <a:bodyPr spcFirstLastPara="1" wrap="square" lIns="91425" tIns="91425" rIns="91425" bIns="91425" anchor="t" anchorCtr="0">
+            <a:normAutofit/>
+          </a:bodyPr>
+          <a:lstStyle/>
+          <a:p>
+            <a:pPr marL="0" lvl="0" indent="0" algn="l" rtl="0">
+              <a:lnSpc>
+                <a:spcPct val="100000"/>
+              </a:lnSpc>
+              <a:spcBef>
+                <a:spcPts val="0"/>
+              </a:spcBef>
+              <a:spcAft>
+                <a:spcPts val="0"/>
+              </a:spcAft>
+              <a:buSzPts val="2400"/>
+              <a:buNone/>
+            </a:pPr>
+            <a:r>
+              <a:rPr lang="en" sz="3500" b="1">
+                <a:solidFill>
+                  <a:schemeClr val="dk1"/>
+                </a:solidFill>
+              </a:rPr>
+              <a:t>Project Description</a:t>
+            </a:r>
+            <a:endParaRPr sz="3500" b="1">
+              <a:solidFill>
+                <a:schemeClr val="dk1"/>
+              </a:solidFill>
+            </a:endParaRPr>
+          </a:p>
+        </p:txBody>
+      </p:sp>
+      <p:sp>
+        <p:nvSpPr>
+          <p:cNvPr id="141" name="Google Shape;141;p2"/>
+          <p:cNvSpPr txBox="1">
+            <a:spLocks noGrp="1"/>
+          </p:cNvSpPr>
+          <p:nvPr>
+            <p:ph type="body" idx="1"/>
+          </p:nvPr>
+        </p:nvSpPr>
+        <p:spPr>
+          <a:xfrm>
+            <a:off x="1297500" y="1694150"/>
+            <a:ext cx="3372600" cy="2562900"/>
+          </a:xfrm>
+          <a:prstGeom prst="rect">
+            <a:avLst/>
+          </a:prstGeom>
+          <a:noFill/>
+          <a:ln>
+            <a:noFill/>
+          </a:ln>
+        </p:spPr>
+        <p:txBody>
+          <a:bodyPr spcFirstLastPara="1" wrap="square" lIns="91425" tIns="91425" rIns="91425" bIns="91425" anchor="t" anchorCtr="0">
+            <a:normAutofit/>
+          </a:bodyPr>
+          <a:lstStyle/>
+          <a:p>
+            <a:pPr marL="457200" lvl="0" indent="-330200" algn="l" rtl="0">
+              <a:lnSpc>
+                <a:spcPct val="115000"/>
+              </a:lnSpc>
+              <a:spcBef>
+                <a:spcPts val="0"/>
+              </a:spcBef>
+              <a:spcAft>
+                <a:spcPts val="0"/>
+              </a:spcAft>
+              <a:buClr>
+                <a:schemeClr val="dk1"/>
+              </a:buClr>
+              <a:buSzPts val="1600"/>
+              <a:buChar char="●"/>
+            </a:pPr>
+            <a:r>
+              <a:rPr lang="en" sz="1600" dirty="0">
+                <a:solidFill>
+                  <a:schemeClr val="dk1"/>
+                </a:solidFill>
+              </a:rPr>
+              <a:t>Addition of matrices</a:t>
+            </a:r>
+            <a:endParaRPr sz="1600" dirty="0">
+              <a:solidFill>
+                <a:schemeClr val="dk1"/>
+              </a:solidFill>
+            </a:endParaRPr>
+          </a:p>
+          <a:p>
+            <a:pPr marL="457200" lvl="0" indent="-330200" algn="l" rtl="0">
+              <a:lnSpc>
+                <a:spcPct val="115000"/>
+              </a:lnSpc>
+              <a:spcBef>
+                <a:spcPts val="0"/>
+              </a:spcBef>
+              <a:spcAft>
+                <a:spcPts val="0"/>
+              </a:spcAft>
+              <a:buClr>
+                <a:schemeClr val="dk1"/>
+              </a:buClr>
+              <a:buSzPts val="1600"/>
+              <a:buChar char="●"/>
+            </a:pPr>
+            <a:r>
+              <a:rPr lang="en" sz="1600" dirty="0">
+                <a:solidFill>
+                  <a:schemeClr val="dk1"/>
+                </a:solidFill>
+              </a:rPr>
+              <a:t>Subtraction of matrices</a:t>
+            </a:r>
+            <a:endParaRPr sz="1600" dirty="0">
+              <a:solidFill>
+                <a:schemeClr val="dk1"/>
+              </a:solidFill>
+            </a:endParaRPr>
+          </a:p>
+          <a:p>
+            <a:pPr marL="457200" lvl="0" indent="-330200" algn="l" rtl="0">
+              <a:lnSpc>
+                <a:spcPct val="115000"/>
+              </a:lnSpc>
+              <a:spcBef>
+                <a:spcPts val="0"/>
+              </a:spcBef>
+              <a:spcAft>
+                <a:spcPts val="0"/>
+              </a:spcAft>
+              <a:buClr>
+                <a:schemeClr val="dk1"/>
+              </a:buClr>
+              <a:buSzPts val="1600"/>
+              <a:buChar char="●"/>
+            </a:pPr>
+            <a:r>
+              <a:rPr lang="en" sz="1600" dirty="0">
+                <a:solidFill>
+                  <a:schemeClr val="dk1"/>
+                </a:solidFill>
+              </a:rPr>
+              <a:t>Multiplication of two matrices</a:t>
+            </a:r>
+            <a:endParaRPr sz="1600" dirty="0">
+              <a:solidFill>
+                <a:schemeClr val="dk1"/>
+              </a:solidFill>
+            </a:endParaRPr>
+          </a:p>
+          <a:p>
+            <a:pPr marL="457200" lvl="0" indent="-330200" algn="l" rtl="0">
+              <a:lnSpc>
+                <a:spcPct val="115000"/>
+              </a:lnSpc>
+              <a:spcBef>
+                <a:spcPts val="0"/>
+              </a:spcBef>
+              <a:spcAft>
+                <a:spcPts val="0"/>
+              </a:spcAft>
+              <a:buClr>
+                <a:schemeClr val="dk1"/>
+              </a:buClr>
+              <a:buSzPts val="1600"/>
+              <a:buChar char="●"/>
+            </a:pPr>
+            <a:r>
+              <a:rPr lang="en" sz="1600" dirty="0">
+                <a:solidFill>
+                  <a:schemeClr val="dk1"/>
+                </a:solidFill>
+              </a:rPr>
+              <a:t>Transpose matrix</a:t>
+            </a:r>
+            <a:endParaRPr sz="1600" dirty="0">
+              <a:solidFill>
+                <a:schemeClr val="dk1"/>
+              </a:solidFill>
+            </a:endParaRPr>
+          </a:p>
+          <a:p>
+            <a:pPr marL="457200" lvl="0" indent="-330200" algn="l" rtl="0">
+              <a:lnSpc>
+                <a:spcPct val="115000"/>
+              </a:lnSpc>
+              <a:spcBef>
+                <a:spcPts val="0"/>
+              </a:spcBef>
+              <a:spcAft>
+                <a:spcPts val="0"/>
+              </a:spcAft>
+              <a:buClr>
+                <a:schemeClr val="dk1"/>
+              </a:buClr>
+              <a:buSzPts val="1600"/>
+              <a:buChar char="●"/>
+            </a:pPr>
+            <a:r>
+              <a:rPr lang="en" sz="1600" dirty="0">
+                <a:solidFill>
+                  <a:schemeClr val="dk1"/>
+                </a:solidFill>
+              </a:rPr>
+              <a:t>Pseudo inverse of a matrix</a:t>
+            </a:r>
+            <a:endParaRPr sz="1600" dirty="0">
+              <a:solidFill>
+                <a:schemeClr val="dk1"/>
+              </a:solidFill>
+            </a:endParaRPr>
+          </a:p>
+        </p:txBody>
+      </p:sp>
+      <p:sp>
+        <p:nvSpPr>
+          <p:cNvPr id="142" name="Google Shape;142;p2"/>
+          <p:cNvSpPr txBox="1">
+            <a:spLocks noGrp="1"/>
+          </p:cNvSpPr>
+          <p:nvPr>
+            <p:ph type="body" idx="1"/>
+          </p:nvPr>
+        </p:nvSpPr>
+        <p:spPr>
+          <a:xfrm>
+            <a:off x="4813385" y="1694150"/>
+            <a:ext cx="4072500" cy="2562900"/>
+          </a:xfrm>
+          <a:prstGeom prst="rect">
+            <a:avLst/>
+          </a:prstGeom>
+          <a:noFill/>
+          <a:ln>
+            <a:noFill/>
+          </a:ln>
+        </p:spPr>
+        <p:txBody>
+          <a:bodyPr spcFirstLastPara="1" wrap="square" lIns="91425" tIns="91425" rIns="91425" bIns="91425" anchor="t" anchorCtr="0">
+            <a:normAutofit/>
+          </a:bodyPr>
+          <a:lstStyle/>
+          <a:p>
+            <a:pPr lvl="0" indent="-330200">
+              <a:buClr>
+                <a:schemeClr val="dk1"/>
+              </a:buClr>
+              <a:buSzPts val="1600"/>
+            </a:pPr>
+            <a:r>
+              <a:rPr lang="en-US" sz="1600" dirty="0">
+                <a:solidFill>
+                  <a:schemeClr val="dk1"/>
+                </a:solidFill>
+              </a:rPr>
+              <a:t>Matrix normalization</a:t>
+            </a:r>
+          </a:p>
+          <a:p>
+            <a:pPr lvl="0" indent="-330200">
+              <a:buClr>
+                <a:schemeClr val="dk1"/>
+              </a:buClr>
+              <a:buSzPts val="1600"/>
+            </a:pPr>
+            <a:r>
+              <a:rPr lang="en-US" sz="1600" dirty="0">
+                <a:solidFill>
+                  <a:schemeClr val="dk1"/>
+                </a:solidFill>
+              </a:rPr>
+              <a:t>Error Calculation</a:t>
+            </a:r>
+          </a:p>
+          <a:p>
+            <a:pPr lvl="0" indent="-330200">
+              <a:buClr>
+                <a:schemeClr val="dk1"/>
+              </a:buClr>
+              <a:buSzPts val="1600"/>
+            </a:pPr>
+            <a:r>
+              <a:rPr lang="en-US" sz="1600" dirty="0">
+                <a:solidFill>
+                  <a:schemeClr val="dk1"/>
+                </a:solidFill>
+              </a:rPr>
+              <a:t>Multiplicative </a:t>
+            </a:r>
+            <a:r>
+              <a:rPr lang="en-US" sz="1600" dirty="0" smtClean="0">
+                <a:solidFill>
+                  <a:schemeClr val="dk1"/>
+                </a:solidFill>
+              </a:rPr>
+              <a:t>Update</a:t>
+            </a:r>
+          </a:p>
+          <a:p>
+            <a:pPr lvl="0" indent="-330200">
+              <a:buClr>
+                <a:schemeClr val="dk1"/>
+              </a:buClr>
+              <a:buSzPts val="1600"/>
+            </a:pPr>
+            <a:r>
+              <a:rPr lang="en-US" sz="1600" dirty="0" err="1" smtClean="0">
+                <a:solidFill>
+                  <a:schemeClr val="dk1"/>
+                </a:solidFill>
+              </a:rPr>
+              <a:t>Hadamard</a:t>
+            </a:r>
+            <a:r>
+              <a:rPr lang="en-US" sz="1600" dirty="0" smtClean="0">
+                <a:solidFill>
+                  <a:schemeClr val="dk1"/>
+                </a:solidFill>
+              </a:rPr>
+              <a:t> initialization</a:t>
+            </a:r>
+            <a:endParaRPr lang="en-US" sz="1600" dirty="0">
+              <a:solidFill>
+                <a:schemeClr val="dk1"/>
+              </a:solidFill>
+            </a:endParaRPr>
+          </a:p>
+        </p:txBody>
+      </p:sp>
+    </p:spTree>
+  </p:cSld>
+  <p:clrMapOvr>
+    <a:masterClrMapping/>
+  </p:clrMapOvr>
+  <p:timing>
+    <p:tnLst>
+      <p:par>
+        <p:cTn id="1" dur="indefinite" restart="never" nodeType="tmRoot"/>
+      </p:par>
+    </p:tnLst>
+  </p:timing>
+</p:sld>
+</file>
+
+<file path=ppt/slides/slide4.xml><?xml version="1.0" encoding="utf-8"?>
 <p:sld xmlns:a="http://schemas.openxmlformats.org/drawingml/2006/main" xmlns:r="http://schemas.openxmlformats.org/officeDocument/2006/relationships" xmlns:p="http://schemas.openxmlformats.org/presentationml/2006/main">
   <p:cSld>
     <p:spTree>
@@ -28331,7 +29652,7 @@
 </p:sld>
 </file>
 
-<file path=ppt/slides/slide4.xml><?xml version="1.0" encoding="utf-8"?>
+<file path=ppt/slides/slide5.xml><?xml version="1.0" encoding="utf-8"?>
 <p:sld xmlns:a="http://schemas.openxmlformats.org/drawingml/2006/main" xmlns:r="http://schemas.openxmlformats.org/officeDocument/2006/relationships" xmlns:p="http://schemas.openxmlformats.org/presentationml/2006/main">
   <p:cSld>
     <p:spTree>
@@ -28391,14 +29712,14 @@
               <a:buNone/>
             </a:pPr>
             <a:r>
-              <a:rPr lang="en" sz="2500" b="1">
+              <a:rPr lang="en" sz="2500" b="1" dirty="0" smtClean="0">
                 <a:solidFill>
                   <a:schemeClr val="dk1"/>
                 </a:solidFill>
               </a:rPr>
-              <a:t>Addition of two matrices</a:t>
+              <a:t>Source code</a:t>
             </a:r>
-            <a:endParaRPr sz="2500" b="1">
+            <a:endParaRPr sz="2500" b="1" dirty="0">
               <a:solidFill>
                 <a:schemeClr val="dk1"/>
               </a:solidFill>
@@ -28448,7 +29769,7 @@
 </p:sld>
 </file>
 
-<file path=ppt/slides/slide5.xml><?xml version="1.0" encoding="utf-8"?>
+<file path=ppt/slides/slide6.xml><?xml version="1.0" encoding="utf-8"?>
 <p:sld xmlns:a="http://schemas.openxmlformats.org/drawingml/2006/main" xmlns:r="http://schemas.openxmlformats.org/officeDocument/2006/relationships" xmlns:p="http://schemas.openxmlformats.org/presentationml/2006/main">
   <p:cSld>
     <p:spTree>
@@ -30909,7 +32230,7 @@
 </p:sld>
 </file>
 
-<file path=ppt/slides/slide6.xml><?xml version="1.0" encoding="utf-8"?>
+<file path=ppt/slides/slide7.xml><?xml version="1.0" encoding="utf-8"?>
 <p:sld xmlns:a="http://schemas.openxmlformats.org/drawingml/2006/main" xmlns:r="http://schemas.openxmlformats.org/officeDocument/2006/relationships" xmlns:p="http://schemas.openxmlformats.org/presentationml/2006/main">
   <p:cSld>
     <p:spTree>
@@ -30996,14 +32317,14 @@
               <a:buNone/>
             </a:pPr>
             <a:r>
-              <a:rPr lang="en" sz="2500" b="1">
+              <a:rPr lang="en" sz="2500" b="1" dirty="0" smtClean="0">
                 <a:solidFill>
                   <a:schemeClr val="dk1"/>
                 </a:solidFill>
               </a:rPr>
-              <a:t>Subtraction of two matrices</a:t>
+              <a:t>Source code</a:t>
             </a:r>
-            <a:endParaRPr sz="2500" b="1">
+            <a:endParaRPr sz="2500" b="1" dirty="0">
               <a:solidFill>
                 <a:schemeClr val="dk1"/>
               </a:solidFill>
@@ -31026,7 +32347,7 @@
 </p:sld>
 </file>
 
-<file path=ppt/slides/slide7.xml><?xml version="1.0" encoding="utf-8"?>
+<file path=ppt/slides/slide8.xml><?xml version="1.0" encoding="utf-8"?>
 <p:sld xmlns:a="http://schemas.openxmlformats.org/drawingml/2006/main" xmlns:r="http://schemas.openxmlformats.org/officeDocument/2006/relationships" xmlns:p="http://schemas.openxmlformats.org/presentationml/2006/main">
   <p:cSld>
     <p:spTree>
@@ -33294,7 +34615,7 @@
 </p:sld>
 </file>
 
-<file path=ppt/slides/slide8.xml><?xml version="1.0" encoding="utf-8"?>
+<file path=ppt/slides/slide9.xml><?xml version="1.0" encoding="utf-8"?>
 <p:sld xmlns:a="http://schemas.openxmlformats.org/drawingml/2006/main" xmlns:r="http://schemas.openxmlformats.org/officeDocument/2006/relationships" xmlns:p="http://schemas.openxmlformats.org/presentationml/2006/main">
   <p:cSld>
     <p:spTree>
@@ -33354,14 +34675,14 @@
               <a:buNone/>
             </a:pPr>
             <a:r>
-              <a:rPr lang="en" b="1">
+              <a:rPr lang="en" b="1" dirty="0" smtClean="0">
                 <a:solidFill>
                   <a:schemeClr val="dk1"/>
                 </a:solidFill>
               </a:rPr>
-              <a:t>Multiplication of two Matrices</a:t>
+              <a:t>Source code</a:t>
             </a:r>
-            <a:endParaRPr b="1">
+            <a:endParaRPr b="1" dirty="0">
               <a:solidFill>
                 <a:schemeClr val="dk1"/>
               </a:solidFill>
@@ -33405,1691 +34726,6 @@
     <p:tnLst>
       <p:par>
         <p:cTn id="1" dur="indefinite" restart="never" nodeType="tmRoot"/>
-      </p:par>
-    </p:tnLst>
-  </p:timing>
-</p:sld>
-</file>
-
-<file path=ppt/slides/slide9.xml><?xml version="1.0" encoding="utf-8"?>
-<p:sld xmlns:a="http://schemas.openxmlformats.org/drawingml/2006/main" xmlns:r="http://schemas.openxmlformats.org/officeDocument/2006/relationships" xmlns:p="http://schemas.openxmlformats.org/presentationml/2006/main">
-  <p:cSld>
-    <p:spTree>
-      <p:nvGrpSpPr>
-        <p:cNvPr id="1" name="Shape 208"/>
-        <p:cNvGrpSpPr/>
-        <p:nvPr/>
-      </p:nvGrpSpPr>
-      <p:grpSpPr>
-        <a:xfrm>
-          <a:off x="0" y="0"/>
-          <a:ext cx="0" cy="0"/>
-          <a:chOff x="0" y="0"/>
-          <a:chExt cx="0" cy="0"/>
-        </a:xfrm>
-      </p:grpSpPr>
-      <p:sp>
-        <p:nvSpPr>
-          <p:cNvPr id="209" name="Google Shape;209;p9"/>
-          <p:cNvSpPr txBox="1">
-            <a:spLocks noGrp="1"/>
-          </p:cNvSpPr>
-          <p:nvPr>
-            <p:ph type="title"/>
-          </p:nvPr>
-        </p:nvSpPr>
-        <p:spPr>
-          <a:xfrm>
-            <a:off x="1297500" y="393750"/>
-            <a:ext cx="7038900" cy="914100"/>
-          </a:xfrm>
-          <a:prstGeom prst="rect">
-            <a:avLst/>
-          </a:prstGeom>
-          <a:noFill/>
-          <a:ln>
-            <a:noFill/>
-          </a:ln>
-        </p:spPr>
-        <p:txBody>
-          <a:bodyPr spcFirstLastPara="1" wrap="square" lIns="91425" tIns="91425" rIns="91425" bIns="91425" anchor="t" anchorCtr="0">
-            <a:normAutofit/>
-          </a:bodyPr>
-          <a:lstStyle/>
-          <a:p>
-            <a:pPr marL="0" lvl="0" indent="0" algn="l" rtl="0">
-              <a:lnSpc>
-                <a:spcPct val="100000"/>
-              </a:lnSpc>
-              <a:spcBef>
-                <a:spcPts val="0"/>
-              </a:spcBef>
-              <a:spcAft>
-                <a:spcPts val="0"/>
-              </a:spcAft>
-              <a:buSzPts val="2400"/>
-              <a:buNone/>
-            </a:pPr>
-            <a:r>
-              <a:rPr lang="en" b="1">
-                <a:solidFill>
-                  <a:schemeClr val="dk1"/>
-                </a:solidFill>
-              </a:rPr>
-              <a:t>Transpose matrix</a:t>
-            </a:r>
-            <a:endParaRPr b="1">
-              <a:solidFill>
-                <a:schemeClr val="dk1"/>
-              </a:solidFill>
-            </a:endParaRPr>
-          </a:p>
-        </p:txBody>
-      </p:sp>
-      <p:graphicFrame>
-        <p:nvGraphicFramePr>
-          <p:cNvPr id="210" name="Google Shape;210;p9"/>
-          <p:cNvGraphicFramePr/>
-          <p:nvPr/>
-        </p:nvGraphicFramePr>
-        <p:xfrm>
-          <a:off x="6860700" y="1914225"/>
-          <a:ext cx="1649450" cy="1915525"/>
-        </p:xfrm>
-        <a:graphic>
-          <a:graphicData uri="http://schemas.openxmlformats.org/drawingml/2006/table">
-            <a:tbl>
-              <a:tblPr>
-                <a:noFill/>
-                <a:tableStyleId>{B1467741-9774-427B-8A85-8F639238AC20}</a:tableStyleId>
-              </a:tblPr>
-              <a:tblGrid>
-                <a:gridCol w="824725"/>
-                <a:gridCol w="824725"/>
-              </a:tblGrid>
-              <a:tr h="630125">
-                <a:tc>
-                  <a:txBody>
-                    <a:bodyPr/>
-                    <a:lstStyle/>
-                    <a:p>
-                      <a:pPr marL="0" marR="0" lvl="0" indent="0" algn="ctr" rtl="0">
-                        <a:lnSpc>
-                          <a:spcPct val="100000"/>
-                        </a:lnSpc>
-                        <a:spcBef>
-                          <a:spcPts val="0"/>
-                        </a:spcBef>
-                        <a:spcAft>
-                          <a:spcPts val="0"/>
-                        </a:spcAft>
-                        <a:buClr>
-                          <a:srgbClr val="000000"/>
-                        </a:buClr>
-                        <a:buSzPts val="1400"/>
-                        <a:buFont typeface="Arial"/>
-                        <a:buNone/>
-                      </a:pPr>
-                      <a:r>
-                        <a:rPr lang="en" sz="1400" u="none" strike="noStrike" cap="none">
-                          <a:solidFill>
-                            <a:schemeClr val="dk1"/>
-                          </a:solidFill>
-                        </a:rPr>
-                        <a:t>a</a:t>
-                      </a:r>
-                      <a:endParaRPr sz="1400" u="none" strike="noStrike" cap="none">
-                        <a:solidFill>
-                          <a:schemeClr val="dk1"/>
-                        </a:solidFill>
-                      </a:endParaRPr>
-                    </a:p>
-                  </a:txBody>
-                  <a:tcPr marL="91425" marR="91425" marT="91425" marB="91425">
-                    <a:lnL w="9525" cap="flat" cmpd="sng">
-                      <a:solidFill>
-                        <a:schemeClr val="dk1"/>
-                      </a:solidFill>
-                      <a:prstDash val="solid"/>
-                      <a:round/>
-                      <a:headEnd type="none" w="sm" len="sm"/>
-                      <a:tailEnd type="none" w="sm" len="sm"/>
-                    </a:lnL>
-                    <a:lnR w="9525" cap="flat" cmpd="sng">
-                      <a:solidFill>
-                        <a:schemeClr val="dk1"/>
-                      </a:solidFill>
-                      <a:prstDash val="solid"/>
-                      <a:round/>
-                      <a:headEnd type="none" w="sm" len="sm"/>
-                      <a:tailEnd type="none" w="sm" len="sm"/>
-                    </a:lnR>
-                    <a:lnT w="9525" cap="flat" cmpd="sng">
-                      <a:solidFill>
-                        <a:schemeClr val="dk1"/>
-                      </a:solidFill>
-                      <a:prstDash val="solid"/>
-                      <a:round/>
-                      <a:headEnd type="none" w="sm" len="sm"/>
-                      <a:tailEnd type="none" w="sm" len="sm"/>
-                    </a:lnT>
-                    <a:lnB w="9525" cap="flat" cmpd="sng">
-                      <a:solidFill>
-                        <a:schemeClr val="dk1"/>
-                      </a:solidFill>
-                      <a:prstDash val="solid"/>
-                      <a:round/>
-                      <a:headEnd type="none" w="sm" len="sm"/>
-                      <a:tailEnd type="none" w="sm" len="sm"/>
-                    </a:lnB>
-                  </a:tcPr>
-                </a:tc>
-                <a:tc>
-                  <a:txBody>
-                    <a:bodyPr/>
-                    <a:lstStyle/>
-                    <a:p>
-                      <a:pPr marL="0" marR="0" lvl="0" indent="0" algn="ctr" rtl="0">
-                        <a:lnSpc>
-                          <a:spcPct val="100000"/>
-                        </a:lnSpc>
-                        <a:spcBef>
-                          <a:spcPts val="0"/>
-                        </a:spcBef>
-                        <a:spcAft>
-                          <a:spcPts val="0"/>
-                        </a:spcAft>
-                        <a:buClr>
-                          <a:srgbClr val="000000"/>
-                        </a:buClr>
-                        <a:buSzPts val="1400"/>
-                        <a:buFont typeface="Arial"/>
-                        <a:buNone/>
-                      </a:pPr>
-                      <a:r>
-                        <a:rPr lang="en" sz="1400" u="none" strike="noStrike" cap="none">
-                          <a:solidFill>
-                            <a:schemeClr val="dk1"/>
-                          </a:solidFill>
-                        </a:rPr>
-                        <a:t>b</a:t>
-                      </a:r>
-                      <a:endParaRPr sz="1400" u="none" strike="noStrike" cap="none">
-                        <a:solidFill>
-                          <a:schemeClr val="dk1"/>
-                        </a:solidFill>
-                      </a:endParaRPr>
-                    </a:p>
-                  </a:txBody>
-                  <a:tcPr marL="91425" marR="91425" marT="91425" marB="91425">
-                    <a:lnL w="9525" cap="flat" cmpd="sng">
-                      <a:solidFill>
-                        <a:schemeClr val="dk1"/>
-                      </a:solidFill>
-                      <a:prstDash val="solid"/>
-                      <a:round/>
-                      <a:headEnd type="none" w="sm" len="sm"/>
-                      <a:tailEnd type="none" w="sm" len="sm"/>
-                    </a:lnL>
-                    <a:lnR w="9525" cap="flat" cmpd="sng">
-                      <a:solidFill>
-                        <a:schemeClr val="dk1"/>
-                      </a:solidFill>
-                      <a:prstDash val="solid"/>
-                      <a:round/>
-                      <a:headEnd type="none" w="sm" len="sm"/>
-                      <a:tailEnd type="none" w="sm" len="sm"/>
-                    </a:lnR>
-                    <a:lnT w="9525" cap="flat" cmpd="sng">
-                      <a:solidFill>
-                        <a:schemeClr val="dk1"/>
-                      </a:solidFill>
-                      <a:prstDash val="solid"/>
-                      <a:round/>
-                      <a:headEnd type="none" w="sm" len="sm"/>
-                      <a:tailEnd type="none" w="sm" len="sm"/>
-                    </a:lnT>
-                    <a:lnB w="9525" cap="flat" cmpd="sng">
-                      <a:solidFill>
-                        <a:schemeClr val="dk1"/>
-                      </a:solidFill>
-                      <a:prstDash val="solid"/>
-                      <a:round/>
-                      <a:headEnd type="none" w="sm" len="sm"/>
-                      <a:tailEnd type="none" w="sm" len="sm"/>
-                    </a:lnB>
-                  </a:tcPr>
-                </a:tc>
-              </a:tr>
-              <a:tr h="655275">
-                <a:tc>
-                  <a:txBody>
-                    <a:bodyPr/>
-                    <a:lstStyle/>
-                    <a:p>
-                      <a:pPr marL="0" marR="0" lvl="0" indent="0" algn="ctr" rtl="0">
-                        <a:lnSpc>
-                          <a:spcPct val="100000"/>
-                        </a:lnSpc>
-                        <a:spcBef>
-                          <a:spcPts val="0"/>
-                        </a:spcBef>
-                        <a:spcAft>
-                          <a:spcPts val="0"/>
-                        </a:spcAft>
-                        <a:buClr>
-                          <a:srgbClr val="000000"/>
-                        </a:buClr>
-                        <a:buSzPts val="1400"/>
-                        <a:buFont typeface="Arial"/>
-                        <a:buNone/>
-                      </a:pPr>
-                      <a:r>
-                        <a:rPr lang="en" sz="1400" u="none" strike="noStrike" cap="none">
-                          <a:solidFill>
-                            <a:schemeClr val="dk1"/>
-                          </a:solidFill>
-                        </a:rPr>
-                        <a:t>c</a:t>
-                      </a:r>
-                      <a:endParaRPr sz="1400" u="none" strike="noStrike" cap="none">
-                        <a:solidFill>
-                          <a:schemeClr val="dk1"/>
-                        </a:solidFill>
-                      </a:endParaRPr>
-                    </a:p>
-                  </a:txBody>
-                  <a:tcPr marL="91425" marR="91425" marT="91425" marB="91425">
-                    <a:lnL w="9525" cap="flat" cmpd="sng">
-                      <a:solidFill>
-                        <a:schemeClr val="dk1"/>
-                      </a:solidFill>
-                      <a:prstDash val="solid"/>
-                      <a:round/>
-                      <a:headEnd type="none" w="sm" len="sm"/>
-                      <a:tailEnd type="none" w="sm" len="sm"/>
-                    </a:lnL>
-                    <a:lnR w="9525" cap="flat" cmpd="sng">
-                      <a:solidFill>
-                        <a:schemeClr val="dk1"/>
-                      </a:solidFill>
-                      <a:prstDash val="solid"/>
-                      <a:round/>
-                      <a:headEnd type="none" w="sm" len="sm"/>
-                      <a:tailEnd type="none" w="sm" len="sm"/>
-                    </a:lnR>
-                    <a:lnT w="9525" cap="flat" cmpd="sng">
-                      <a:solidFill>
-                        <a:schemeClr val="dk1"/>
-                      </a:solidFill>
-                      <a:prstDash val="solid"/>
-                      <a:round/>
-                      <a:headEnd type="none" w="sm" len="sm"/>
-                      <a:tailEnd type="none" w="sm" len="sm"/>
-                    </a:lnT>
-                    <a:lnB w="9525" cap="flat" cmpd="sng">
-                      <a:solidFill>
-                        <a:schemeClr val="dk1"/>
-                      </a:solidFill>
-                      <a:prstDash val="solid"/>
-                      <a:round/>
-                      <a:headEnd type="none" w="sm" len="sm"/>
-                      <a:tailEnd type="none" w="sm" len="sm"/>
-                    </a:lnB>
-                  </a:tcPr>
-                </a:tc>
-                <a:tc>
-                  <a:txBody>
-                    <a:bodyPr/>
-                    <a:lstStyle/>
-                    <a:p>
-                      <a:pPr marL="0" marR="0" lvl="0" indent="0" algn="ctr" rtl="0">
-                        <a:lnSpc>
-                          <a:spcPct val="100000"/>
-                        </a:lnSpc>
-                        <a:spcBef>
-                          <a:spcPts val="0"/>
-                        </a:spcBef>
-                        <a:spcAft>
-                          <a:spcPts val="0"/>
-                        </a:spcAft>
-                        <a:buClr>
-                          <a:srgbClr val="000000"/>
-                        </a:buClr>
-                        <a:buSzPts val="1400"/>
-                        <a:buFont typeface="Arial"/>
-                        <a:buNone/>
-                      </a:pPr>
-                      <a:r>
-                        <a:rPr lang="en" sz="1400" u="none" strike="noStrike" cap="none">
-                          <a:solidFill>
-                            <a:schemeClr val="dk1"/>
-                          </a:solidFill>
-                        </a:rPr>
-                        <a:t>d</a:t>
-                      </a:r>
-                      <a:endParaRPr sz="1400" u="none" strike="noStrike" cap="none">
-                        <a:solidFill>
-                          <a:schemeClr val="dk1"/>
-                        </a:solidFill>
-                      </a:endParaRPr>
-                    </a:p>
-                  </a:txBody>
-                  <a:tcPr marL="91425" marR="91425" marT="91425" marB="91425">
-                    <a:lnL w="9525" cap="flat" cmpd="sng">
-                      <a:solidFill>
-                        <a:schemeClr val="dk1"/>
-                      </a:solidFill>
-                      <a:prstDash val="solid"/>
-                      <a:round/>
-                      <a:headEnd type="none" w="sm" len="sm"/>
-                      <a:tailEnd type="none" w="sm" len="sm"/>
-                    </a:lnL>
-                    <a:lnR w="9525" cap="flat" cmpd="sng">
-                      <a:solidFill>
-                        <a:schemeClr val="dk1"/>
-                      </a:solidFill>
-                      <a:prstDash val="solid"/>
-                      <a:round/>
-                      <a:headEnd type="none" w="sm" len="sm"/>
-                      <a:tailEnd type="none" w="sm" len="sm"/>
-                    </a:lnR>
-                    <a:lnT w="9525" cap="flat" cmpd="sng">
-                      <a:solidFill>
-                        <a:schemeClr val="dk1"/>
-                      </a:solidFill>
-                      <a:prstDash val="solid"/>
-                      <a:round/>
-                      <a:headEnd type="none" w="sm" len="sm"/>
-                      <a:tailEnd type="none" w="sm" len="sm"/>
-                    </a:lnT>
-                    <a:lnB w="9525" cap="flat" cmpd="sng">
-                      <a:solidFill>
-                        <a:schemeClr val="dk1"/>
-                      </a:solidFill>
-                      <a:prstDash val="solid"/>
-                      <a:round/>
-                      <a:headEnd type="none" w="sm" len="sm"/>
-                      <a:tailEnd type="none" w="sm" len="sm"/>
-                    </a:lnB>
-                  </a:tcPr>
-                </a:tc>
-              </a:tr>
-              <a:tr h="630125">
-                <a:tc>
-                  <a:txBody>
-                    <a:bodyPr/>
-                    <a:lstStyle/>
-                    <a:p>
-                      <a:pPr marL="0" marR="0" lvl="0" indent="0" algn="ctr" rtl="0">
-                        <a:lnSpc>
-                          <a:spcPct val="100000"/>
-                        </a:lnSpc>
-                        <a:spcBef>
-                          <a:spcPts val="0"/>
-                        </a:spcBef>
-                        <a:spcAft>
-                          <a:spcPts val="0"/>
-                        </a:spcAft>
-                        <a:buClr>
-                          <a:srgbClr val="000000"/>
-                        </a:buClr>
-                        <a:buSzPts val="1400"/>
-                        <a:buFont typeface="Arial"/>
-                        <a:buNone/>
-                      </a:pPr>
-                      <a:r>
-                        <a:rPr lang="en" sz="1400" u="none" strike="noStrike" cap="none">
-                          <a:solidFill>
-                            <a:schemeClr val="dk1"/>
-                          </a:solidFill>
-                        </a:rPr>
-                        <a:t>e</a:t>
-                      </a:r>
-                      <a:endParaRPr sz="1400" u="none" strike="noStrike" cap="none">
-                        <a:solidFill>
-                          <a:schemeClr val="dk1"/>
-                        </a:solidFill>
-                      </a:endParaRPr>
-                    </a:p>
-                  </a:txBody>
-                  <a:tcPr marL="91425" marR="91425" marT="91425" marB="91425">
-                    <a:lnL w="9525" cap="flat" cmpd="sng">
-                      <a:solidFill>
-                        <a:schemeClr val="dk1"/>
-                      </a:solidFill>
-                      <a:prstDash val="solid"/>
-                      <a:round/>
-                      <a:headEnd type="none" w="sm" len="sm"/>
-                      <a:tailEnd type="none" w="sm" len="sm"/>
-                    </a:lnL>
-                    <a:lnR w="9525" cap="flat" cmpd="sng">
-                      <a:solidFill>
-                        <a:schemeClr val="dk1"/>
-                      </a:solidFill>
-                      <a:prstDash val="solid"/>
-                      <a:round/>
-                      <a:headEnd type="none" w="sm" len="sm"/>
-                      <a:tailEnd type="none" w="sm" len="sm"/>
-                    </a:lnR>
-                    <a:lnT w="9525" cap="flat" cmpd="sng">
-                      <a:solidFill>
-                        <a:schemeClr val="dk1"/>
-                      </a:solidFill>
-                      <a:prstDash val="solid"/>
-                      <a:round/>
-                      <a:headEnd type="none" w="sm" len="sm"/>
-                      <a:tailEnd type="none" w="sm" len="sm"/>
-                    </a:lnT>
-                    <a:lnB w="9525" cap="flat" cmpd="sng">
-                      <a:solidFill>
-                        <a:schemeClr val="dk1"/>
-                      </a:solidFill>
-                      <a:prstDash val="solid"/>
-                      <a:round/>
-                      <a:headEnd type="none" w="sm" len="sm"/>
-                      <a:tailEnd type="none" w="sm" len="sm"/>
-                    </a:lnB>
-                  </a:tcPr>
-                </a:tc>
-                <a:tc>
-                  <a:txBody>
-                    <a:bodyPr/>
-                    <a:lstStyle/>
-                    <a:p>
-                      <a:pPr marL="0" marR="0" lvl="0" indent="0" algn="ctr" rtl="0">
-                        <a:lnSpc>
-                          <a:spcPct val="100000"/>
-                        </a:lnSpc>
-                        <a:spcBef>
-                          <a:spcPts val="0"/>
-                        </a:spcBef>
-                        <a:spcAft>
-                          <a:spcPts val="0"/>
-                        </a:spcAft>
-                        <a:buClr>
-                          <a:srgbClr val="000000"/>
-                        </a:buClr>
-                        <a:buSzPts val="1400"/>
-                        <a:buFont typeface="Arial"/>
-                        <a:buNone/>
-                      </a:pPr>
-                      <a:r>
-                        <a:rPr lang="en" sz="1400" u="none" strike="noStrike" cap="none">
-                          <a:solidFill>
-                            <a:schemeClr val="dk1"/>
-                          </a:solidFill>
-                        </a:rPr>
-                        <a:t>f</a:t>
-                      </a:r>
-                      <a:endParaRPr sz="1400" u="none" strike="noStrike" cap="none">
-                        <a:solidFill>
-                          <a:schemeClr val="dk1"/>
-                        </a:solidFill>
-                      </a:endParaRPr>
-                    </a:p>
-                  </a:txBody>
-                  <a:tcPr marL="91425" marR="91425" marT="91425" marB="91425">
-                    <a:lnL w="9525" cap="flat" cmpd="sng">
-                      <a:solidFill>
-                        <a:schemeClr val="dk1"/>
-                      </a:solidFill>
-                      <a:prstDash val="solid"/>
-                      <a:round/>
-                      <a:headEnd type="none" w="sm" len="sm"/>
-                      <a:tailEnd type="none" w="sm" len="sm"/>
-                    </a:lnL>
-                    <a:lnR w="9525" cap="flat" cmpd="sng">
-                      <a:solidFill>
-                        <a:schemeClr val="dk1"/>
-                      </a:solidFill>
-                      <a:prstDash val="solid"/>
-                      <a:round/>
-                      <a:headEnd type="none" w="sm" len="sm"/>
-                      <a:tailEnd type="none" w="sm" len="sm"/>
-                    </a:lnR>
-                    <a:lnT w="9525" cap="flat" cmpd="sng">
-                      <a:solidFill>
-                        <a:schemeClr val="dk1"/>
-                      </a:solidFill>
-                      <a:prstDash val="solid"/>
-                      <a:round/>
-                      <a:headEnd type="none" w="sm" len="sm"/>
-                      <a:tailEnd type="none" w="sm" len="sm"/>
-                    </a:lnT>
-                    <a:lnB w="9525" cap="flat" cmpd="sng">
-                      <a:solidFill>
-                        <a:schemeClr val="dk1"/>
-                      </a:solidFill>
-                      <a:prstDash val="solid"/>
-                      <a:round/>
-                      <a:headEnd type="none" w="sm" len="sm"/>
-                      <a:tailEnd type="none" w="sm" len="sm"/>
-                    </a:lnB>
-                  </a:tcPr>
-                </a:tc>
-              </a:tr>
-            </a:tbl>
-          </a:graphicData>
-        </a:graphic>
-      </p:graphicFrame>
-      <p:graphicFrame>
-        <p:nvGraphicFramePr>
-          <p:cNvPr id="211" name="Google Shape;211;p9"/>
-          <p:cNvGraphicFramePr/>
-          <p:nvPr/>
-        </p:nvGraphicFramePr>
-        <p:xfrm>
-          <a:off x="1386225" y="2270100"/>
-          <a:ext cx="2474175" cy="1285400"/>
-        </p:xfrm>
-        <a:graphic>
-          <a:graphicData uri="http://schemas.openxmlformats.org/drawingml/2006/table">
-            <a:tbl>
-              <a:tblPr>
-                <a:noFill/>
-                <a:tableStyleId>{B1467741-9774-427B-8A85-8F639238AC20}</a:tableStyleId>
-              </a:tblPr>
-              <a:tblGrid>
-                <a:gridCol w="824725"/>
-                <a:gridCol w="824725"/>
-                <a:gridCol w="824725"/>
-              </a:tblGrid>
-              <a:tr h="630125">
-                <a:tc>
-                  <a:txBody>
-                    <a:bodyPr/>
-                    <a:lstStyle/>
-                    <a:p>
-                      <a:pPr marL="0" marR="0" lvl="0" indent="0" algn="ctr" rtl="0">
-                        <a:lnSpc>
-                          <a:spcPct val="100000"/>
-                        </a:lnSpc>
-                        <a:spcBef>
-                          <a:spcPts val="0"/>
-                        </a:spcBef>
-                        <a:spcAft>
-                          <a:spcPts val="0"/>
-                        </a:spcAft>
-                        <a:buClr>
-                          <a:srgbClr val="000000"/>
-                        </a:buClr>
-                        <a:buSzPts val="1400"/>
-                        <a:buFont typeface="Arial"/>
-                        <a:buNone/>
-                      </a:pPr>
-                      <a:r>
-                        <a:rPr lang="en" sz="1400" u="none" strike="noStrike" cap="none">
-                          <a:solidFill>
-                            <a:schemeClr val="dk1"/>
-                          </a:solidFill>
-                        </a:rPr>
-                        <a:t>a</a:t>
-                      </a:r>
-                      <a:endParaRPr sz="1400" u="none" strike="noStrike" cap="none">
-                        <a:solidFill>
-                          <a:schemeClr val="dk1"/>
-                        </a:solidFill>
-                      </a:endParaRPr>
-                    </a:p>
-                  </a:txBody>
-                  <a:tcPr marL="91425" marR="91425" marT="91425" marB="91425">
-                    <a:lnL w="9525" cap="flat" cmpd="sng">
-                      <a:solidFill>
-                        <a:schemeClr val="dk1"/>
-                      </a:solidFill>
-                      <a:prstDash val="solid"/>
-                      <a:round/>
-                      <a:headEnd type="none" w="sm" len="sm"/>
-                      <a:tailEnd type="none" w="sm" len="sm"/>
-                    </a:lnL>
-                    <a:lnR w="9525" cap="flat" cmpd="sng">
-                      <a:solidFill>
-                        <a:schemeClr val="dk1"/>
-                      </a:solidFill>
-                      <a:prstDash val="solid"/>
-                      <a:round/>
-                      <a:headEnd type="none" w="sm" len="sm"/>
-                      <a:tailEnd type="none" w="sm" len="sm"/>
-                    </a:lnR>
-                    <a:lnT w="9525" cap="flat" cmpd="sng">
-                      <a:solidFill>
-                        <a:schemeClr val="dk1"/>
-                      </a:solidFill>
-                      <a:prstDash val="solid"/>
-                      <a:round/>
-                      <a:headEnd type="none" w="sm" len="sm"/>
-                      <a:tailEnd type="none" w="sm" len="sm"/>
-                    </a:lnT>
-                    <a:lnB w="9525" cap="flat" cmpd="sng">
-                      <a:solidFill>
-                        <a:schemeClr val="dk1"/>
-                      </a:solidFill>
-                      <a:prstDash val="solid"/>
-                      <a:round/>
-                      <a:headEnd type="none" w="sm" len="sm"/>
-                      <a:tailEnd type="none" w="sm" len="sm"/>
-                    </a:lnB>
-                  </a:tcPr>
-                </a:tc>
-                <a:tc>
-                  <a:txBody>
-                    <a:bodyPr/>
-                    <a:lstStyle/>
-                    <a:p>
-                      <a:pPr marL="0" marR="0" lvl="0" indent="0" algn="ctr" rtl="0">
-                        <a:lnSpc>
-                          <a:spcPct val="100000"/>
-                        </a:lnSpc>
-                        <a:spcBef>
-                          <a:spcPts val="0"/>
-                        </a:spcBef>
-                        <a:spcAft>
-                          <a:spcPts val="0"/>
-                        </a:spcAft>
-                        <a:buClr>
-                          <a:srgbClr val="000000"/>
-                        </a:buClr>
-                        <a:buSzPts val="1400"/>
-                        <a:buFont typeface="Arial"/>
-                        <a:buNone/>
-                      </a:pPr>
-                      <a:r>
-                        <a:rPr lang="en" sz="1400" u="none" strike="noStrike" cap="none">
-                          <a:solidFill>
-                            <a:schemeClr val="dk1"/>
-                          </a:solidFill>
-                        </a:rPr>
-                        <a:t>c</a:t>
-                      </a:r>
-                      <a:endParaRPr sz="1400" u="none" strike="noStrike" cap="none">
-                        <a:solidFill>
-                          <a:schemeClr val="dk1"/>
-                        </a:solidFill>
-                      </a:endParaRPr>
-                    </a:p>
-                  </a:txBody>
-                  <a:tcPr marL="91425" marR="91425" marT="91425" marB="91425">
-                    <a:lnL w="9525" cap="flat" cmpd="sng">
-                      <a:solidFill>
-                        <a:schemeClr val="dk1"/>
-                      </a:solidFill>
-                      <a:prstDash val="solid"/>
-                      <a:round/>
-                      <a:headEnd type="none" w="sm" len="sm"/>
-                      <a:tailEnd type="none" w="sm" len="sm"/>
-                    </a:lnL>
-                    <a:lnR w="9525" cap="flat" cmpd="sng">
-                      <a:solidFill>
-                        <a:schemeClr val="dk1"/>
-                      </a:solidFill>
-                      <a:prstDash val="solid"/>
-                      <a:round/>
-                      <a:headEnd type="none" w="sm" len="sm"/>
-                      <a:tailEnd type="none" w="sm" len="sm"/>
-                    </a:lnR>
-                    <a:lnT w="9525" cap="flat" cmpd="sng">
-                      <a:solidFill>
-                        <a:schemeClr val="dk1"/>
-                      </a:solidFill>
-                      <a:prstDash val="solid"/>
-                      <a:round/>
-                      <a:headEnd type="none" w="sm" len="sm"/>
-                      <a:tailEnd type="none" w="sm" len="sm"/>
-                    </a:lnT>
-                    <a:lnB w="9525" cap="flat" cmpd="sng">
-                      <a:solidFill>
-                        <a:schemeClr val="dk1"/>
-                      </a:solidFill>
-                      <a:prstDash val="solid"/>
-                      <a:round/>
-                      <a:headEnd type="none" w="sm" len="sm"/>
-                      <a:tailEnd type="none" w="sm" len="sm"/>
-                    </a:lnB>
-                  </a:tcPr>
-                </a:tc>
-                <a:tc>
-                  <a:txBody>
-                    <a:bodyPr/>
-                    <a:lstStyle/>
-                    <a:p>
-                      <a:pPr marL="0" marR="0" lvl="0" indent="0" algn="ctr" rtl="0">
-                        <a:lnSpc>
-                          <a:spcPct val="100000"/>
-                        </a:lnSpc>
-                        <a:spcBef>
-                          <a:spcPts val="0"/>
-                        </a:spcBef>
-                        <a:spcAft>
-                          <a:spcPts val="0"/>
-                        </a:spcAft>
-                        <a:buClr>
-                          <a:srgbClr val="000000"/>
-                        </a:buClr>
-                        <a:buSzPts val="1400"/>
-                        <a:buFont typeface="Arial"/>
-                        <a:buNone/>
-                      </a:pPr>
-                      <a:r>
-                        <a:rPr lang="en" sz="1400" u="none" strike="noStrike" cap="none">
-                          <a:solidFill>
-                            <a:schemeClr val="dk1"/>
-                          </a:solidFill>
-                        </a:rPr>
-                        <a:t>e</a:t>
-                      </a:r>
-                      <a:endParaRPr sz="1400" u="none" strike="noStrike" cap="none">
-                        <a:solidFill>
-                          <a:schemeClr val="dk1"/>
-                        </a:solidFill>
-                      </a:endParaRPr>
-                    </a:p>
-                  </a:txBody>
-                  <a:tcPr marL="91425" marR="91425" marT="91425" marB="91425">
-                    <a:lnL w="9525" cap="flat" cmpd="sng">
-                      <a:solidFill>
-                        <a:schemeClr val="dk1"/>
-                      </a:solidFill>
-                      <a:prstDash val="solid"/>
-                      <a:round/>
-                      <a:headEnd type="none" w="sm" len="sm"/>
-                      <a:tailEnd type="none" w="sm" len="sm"/>
-                    </a:lnL>
-                    <a:lnR w="9525" cap="flat" cmpd="sng">
-                      <a:solidFill>
-                        <a:schemeClr val="dk1"/>
-                      </a:solidFill>
-                      <a:prstDash val="solid"/>
-                      <a:round/>
-                      <a:headEnd type="none" w="sm" len="sm"/>
-                      <a:tailEnd type="none" w="sm" len="sm"/>
-                    </a:lnR>
-                    <a:lnT w="9525" cap="flat" cmpd="sng">
-                      <a:solidFill>
-                        <a:schemeClr val="dk1"/>
-                      </a:solidFill>
-                      <a:prstDash val="solid"/>
-                      <a:round/>
-                      <a:headEnd type="none" w="sm" len="sm"/>
-                      <a:tailEnd type="none" w="sm" len="sm"/>
-                    </a:lnT>
-                    <a:lnB w="9525" cap="flat" cmpd="sng">
-                      <a:solidFill>
-                        <a:schemeClr val="dk1"/>
-                      </a:solidFill>
-                      <a:prstDash val="solid"/>
-                      <a:round/>
-                      <a:headEnd type="none" w="sm" len="sm"/>
-                      <a:tailEnd type="none" w="sm" len="sm"/>
-                    </a:lnB>
-                  </a:tcPr>
-                </a:tc>
-              </a:tr>
-              <a:tr h="655275">
-                <a:tc>
-                  <a:txBody>
-                    <a:bodyPr/>
-                    <a:lstStyle/>
-                    <a:p>
-                      <a:pPr marL="0" marR="0" lvl="0" indent="0" algn="ctr" rtl="0">
-                        <a:lnSpc>
-                          <a:spcPct val="100000"/>
-                        </a:lnSpc>
-                        <a:spcBef>
-                          <a:spcPts val="0"/>
-                        </a:spcBef>
-                        <a:spcAft>
-                          <a:spcPts val="0"/>
-                        </a:spcAft>
-                        <a:buClr>
-                          <a:srgbClr val="000000"/>
-                        </a:buClr>
-                        <a:buSzPts val="1400"/>
-                        <a:buFont typeface="Arial"/>
-                        <a:buNone/>
-                      </a:pPr>
-                      <a:r>
-                        <a:rPr lang="en" sz="1400" u="none" strike="noStrike" cap="none">
-                          <a:solidFill>
-                            <a:schemeClr val="dk1"/>
-                          </a:solidFill>
-                        </a:rPr>
-                        <a:t>b</a:t>
-                      </a:r>
-                      <a:endParaRPr sz="1400" u="none" strike="noStrike" cap="none">
-                        <a:solidFill>
-                          <a:schemeClr val="dk1"/>
-                        </a:solidFill>
-                      </a:endParaRPr>
-                    </a:p>
-                  </a:txBody>
-                  <a:tcPr marL="91425" marR="91425" marT="91425" marB="91425">
-                    <a:lnL w="9525" cap="flat" cmpd="sng">
-                      <a:solidFill>
-                        <a:schemeClr val="dk1"/>
-                      </a:solidFill>
-                      <a:prstDash val="solid"/>
-                      <a:round/>
-                      <a:headEnd type="none" w="sm" len="sm"/>
-                      <a:tailEnd type="none" w="sm" len="sm"/>
-                    </a:lnL>
-                    <a:lnR w="9525" cap="flat" cmpd="sng">
-                      <a:solidFill>
-                        <a:schemeClr val="dk1"/>
-                      </a:solidFill>
-                      <a:prstDash val="solid"/>
-                      <a:round/>
-                      <a:headEnd type="none" w="sm" len="sm"/>
-                      <a:tailEnd type="none" w="sm" len="sm"/>
-                    </a:lnR>
-                    <a:lnT w="9525" cap="flat" cmpd="sng">
-                      <a:solidFill>
-                        <a:schemeClr val="dk1"/>
-                      </a:solidFill>
-                      <a:prstDash val="solid"/>
-                      <a:round/>
-                      <a:headEnd type="none" w="sm" len="sm"/>
-                      <a:tailEnd type="none" w="sm" len="sm"/>
-                    </a:lnT>
-                    <a:lnB w="9525" cap="flat" cmpd="sng">
-                      <a:solidFill>
-                        <a:schemeClr val="dk1"/>
-                      </a:solidFill>
-                      <a:prstDash val="solid"/>
-                      <a:round/>
-                      <a:headEnd type="none" w="sm" len="sm"/>
-                      <a:tailEnd type="none" w="sm" len="sm"/>
-                    </a:lnB>
-                  </a:tcPr>
-                </a:tc>
-                <a:tc>
-                  <a:txBody>
-                    <a:bodyPr/>
-                    <a:lstStyle/>
-                    <a:p>
-                      <a:pPr marL="0" marR="0" lvl="0" indent="0" algn="ctr" rtl="0">
-                        <a:lnSpc>
-                          <a:spcPct val="100000"/>
-                        </a:lnSpc>
-                        <a:spcBef>
-                          <a:spcPts val="0"/>
-                        </a:spcBef>
-                        <a:spcAft>
-                          <a:spcPts val="0"/>
-                        </a:spcAft>
-                        <a:buClr>
-                          <a:srgbClr val="000000"/>
-                        </a:buClr>
-                        <a:buSzPts val="1400"/>
-                        <a:buFont typeface="Arial"/>
-                        <a:buNone/>
-                      </a:pPr>
-                      <a:r>
-                        <a:rPr lang="en" sz="1400" u="none" strike="noStrike" cap="none">
-                          <a:solidFill>
-                            <a:schemeClr val="dk1"/>
-                          </a:solidFill>
-                        </a:rPr>
-                        <a:t>d</a:t>
-                      </a:r>
-                      <a:endParaRPr sz="1400" u="none" strike="noStrike" cap="none">
-                        <a:solidFill>
-                          <a:schemeClr val="dk1"/>
-                        </a:solidFill>
-                      </a:endParaRPr>
-                    </a:p>
-                  </a:txBody>
-                  <a:tcPr marL="91425" marR="91425" marT="91425" marB="91425">
-                    <a:lnL w="9525" cap="flat" cmpd="sng">
-                      <a:solidFill>
-                        <a:schemeClr val="dk1"/>
-                      </a:solidFill>
-                      <a:prstDash val="solid"/>
-                      <a:round/>
-                      <a:headEnd type="none" w="sm" len="sm"/>
-                      <a:tailEnd type="none" w="sm" len="sm"/>
-                    </a:lnL>
-                    <a:lnR w="9525" cap="flat" cmpd="sng">
-                      <a:solidFill>
-                        <a:schemeClr val="dk1"/>
-                      </a:solidFill>
-                      <a:prstDash val="solid"/>
-                      <a:round/>
-                      <a:headEnd type="none" w="sm" len="sm"/>
-                      <a:tailEnd type="none" w="sm" len="sm"/>
-                    </a:lnR>
-                    <a:lnT w="9525" cap="flat" cmpd="sng">
-                      <a:solidFill>
-                        <a:schemeClr val="dk1"/>
-                      </a:solidFill>
-                      <a:prstDash val="solid"/>
-                      <a:round/>
-                      <a:headEnd type="none" w="sm" len="sm"/>
-                      <a:tailEnd type="none" w="sm" len="sm"/>
-                    </a:lnT>
-                    <a:lnB w="9525" cap="flat" cmpd="sng">
-                      <a:solidFill>
-                        <a:schemeClr val="dk1"/>
-                      </a:solidFill>
-                      <a:prstDash val="solid"/>
-                      <a:round/>
-                      <a:headEnd type="none" w="sm" len="sm"/>
-                      <a:tailEnd type="none" w="sm" len="sm"/>
-                    </a:lnB>
-                  </a:tcPr>
-                </a:tc>
-                <a:tc>
-                  <a:txBody>
-                    <a:bodyPr/>
-                    <a:lstStyle/>
-                    <a:p>
-                      <a:pPr marL="0" marR="0" lvl="0" indent="0" algn="ctr" rtl="0">
-                        <a:lnSpc>
-                          <a:spcPct val="100000"/>
-                        </a:lnSpc>
-                        <a:spcBef>
-                          <a:spcPts val="0"/>
-                        </a:spcBef>
-                        <a:spcAft>
-                          <a:spcPts val="0"/>
-                        </a:spcAft>
-                        <a:buClr>
-                          <a:srgbClr val="000000"/>
-                        </a:buClr>
-                        <a:buSzPts val="1400"/>
-                        <a:buFont typeface="Arial"/>
-                        <a:buNone/>
-                      </a:pPr>
-                      <a:r>
-                        <a:rPr lang="en" sz="1400" u="none" strike="noStrike" cap="none">
-                          <a:solidFill>
-                            <a:schemeClr val="dk1"/>
-                          </a:solidFill>
-                        </a:rPr>
-                        <a:t>f</a:t>
-                      </a:r>
-                      <a:endParaRPr sz="1400" u="none" strike="noStrike" cap="none">
-                        <a:solidFill>
-                          <a:schemeClr val="dk1"/>
-                        </a:solidFill>
-                      </a:endParaRPr>
-                    </a:p>
-                  </a:txBody>
-                  <a:tcPr marL="91425" marR="91425" marT="91425" marB="91425">
-                    <a:lnL w="9525" cap="flat" cmpd="sng">
-                      <a:solidFill>
-                        <a:schemeClr val="dk1"/>
-                      </a:solidFill>
-                      <a:prstDash val="solid"/>
-                      <a:round/>
-                      <a:headEnd type="none" w="sm" len="sm"/>
-                      <a:tailEnd type="none" w="sm" len="sm"/>
-                    </a:lnL>
-                    <a:lnR w="9525" cap="flat" cmpd="sng">
-                      <a:solidFill>
-                        <a:schemeClr val="dk1"/>
-                      </a:solidFill>
-                      <a:prstDash val="solid"/>
-                      <a:round/>
-                      <a:headEnd type="none" w="sm" len="sm"/>
-                      <a:tailEnd type="none" w="sm" len="sm"/>
-                    </a:lnR>
-                    <a:lnT w="9525" cap="flat" cmpd="sng">
-                      <a:solidFill>
-                        <a:schemeClr val="dk1"/>
-                      </a:solidFill>
-                      <a:prstDash val="solid"/>
-                      <a:round/>
-                      <a:headEnd type="none" w="sm" len="sm"/>
-                      <a:tailEnd type="none" w="sm" len="sm"/>
-                    </a:lnT>
-                    <a:lnB w="9525" cap="flat" cmpd="sng">
-                      <a:solidFill>
-                        <a:schemeClr val="dk1"/>
-                      </a:solidFill>
-                      <a:prstDash val="solid"/>
-                      <a:round/>
-                      <a:headEnd type="none" w="sm" len="sm"/>
-                      <a:tailEnd type="none" w="sm" len="sm"/>
-                    </a:lnB>
-                  </a:tcPr>
-                </a:tc>
-              </a:tr>
-            </a:tbl>
-          </a:graphicData>
-        </a:graphic>
-      </p:graphicFrame>
-      <p:cxnSp>
-        <p:nvCxnSpPr>
-          <p:cNvPr id="212" name="Google Shape;212;p9"/>
-          <p:cNvCxnSpPr/>
-          <p:nvPr/>
-        </p:nvCxnSpPr>
-        <p:spPr>
-          <a:xfrm>
-            <a:off x="3861950" y="2912800"/>
-            <a:ext cx="3006600" cy="0"/>
-          </a:xfrm>
-          <a:prstGeom prst="straightConnector1">
-            <a:avLst/>
-          </a:prstGeom>
-          <a:noFill/>
-          <a:ln w="9525" cap="flat" cmpd="sng">
-            <a:solidFill>
-              <a:schemeClr val="dk1"/>
-            </a:solidFill>
-            <a:prstDash val="solid"/>
-            <a:round/>
-            <a:headEnd type="none" w="sm" len="sm"/>
-            <a:tailEnd type="triangle" w="med" len="med"/>
-          </a:ln>
-        </p:spPr>
-      </p:cxnSp>
-      <p:sp>
-        <p:nvSpPr>
-          <p:cNvPr id="213" name="Google Shape;213;p9"/>
-          <p:cNvSpPr txBox="1"/>
-          <p:nvPr/>
-        </p:nvSpPr>
-        <p:spPr>
-          <a:xfrm>
-            <a:off x="7175588" y="3848450"/>
-            <a:ext cx="978300" cy="400200"/>
-          </a:xfrm>
-          <a:prstGeom prst="rect">
-            <a:avLst/>
-          </a:prstGeom>
-          <a:noFill/>
-          <a:ln>
-            <a:noFill/>
-          </a:ln>
-        </p:spPr>
-        <p:txBody>
-          <a:bodyPr spcFirstLastPara="1" wrap="square" lIns="91425" tIns="91425" rIns="91425" bIns="91425" anchor="t" anchorCtr="0">
-            <a:spAutoFit/>
-          </a:bodyPr>
-          <a:lstStyle/>
-          <a:p>
-            <a:pPr marL="0" marR="0" lvl="0" indent="0" algn="ctr" rtl="0">
-              <a:lnSpc>
-                <a:spcPct val="100000"/>
-              </a:lnSpc>
-              <a:spcBef>
-                <a:spcPts val="0"/>
-              </a:spcBef>
-              <a:spcAft>
-                <a:spcPts val="0"/>
-              </a:spcAft>
-              <a:buClr>
-                <a:srgbClr val="000000"/>
-              </a:buClr>
-              <a:buSzPts val="1400"/>
-              <a:buFont typeface="Arial"/>
-              <a:buNone/>
-            </a:pPr>
-            <a:r>
-              <a:rPr lang="en" sz="1400" b="0" i="0" u="none" strike="noStrike" cap="none">
-                <a:solidFill>
-                  <a:schemeClr val="dk1"/>
-                </a:solidFill>
-                <a:latin typeface="Lato"/>
-                <a:ea typeface="Lato"/>
-                <a:cs typeface="Lato"/>
-                <a:sym typeface="Lato"/>
-              </a:rPr>
-              <a:t>(3*2)</a:t>
-            </a:r>
-            <a:endParaRPr sz="1400" b="0" i="0" u="none" strike="noStrike" cap="none">
-              <a:solidFill>
-                <a:schemeClr val="dk1"/>
-              </a:solidFill>
-              <a:latin typeface="Lato"/>
-              <a:ea typeface="Lato"/>
-              <a:cs typeface="Lato"/>
-              <a:sym typeface="Lato"/>
-            </a:endParaRPr>
-          </a:p>
-        </p:txBody>
-      </p:sp>
-      <p:sp>
-        <p:nvSpPr>
-          <p:cNvPr id="214" name="Google Shape;214;p9"/>
-          <p:cNvSpPr txBox="1"/>
-          <p:nvPr/>
-        </p:nvSpPr>
-        <p:spPr>
-          <a:xfrm>
-            <a:off x="2122775" y="3582675"/>
-            <a:ext cx="978300" cy="400200"/>
-          </a:xfrm>
-          <a:prstGeom prst="rect">
-            <a:avLst/>
-          </a:prstGeom>
-          <a:noFill/>
-          <a:ln>
-            <a:noFill/>
-          </a:ln>
-        </p:spPr>
-        <p:txBody>
-          <a:bodyPr spcFirstLastPara="1" wrap="square" lIns="91425" tIns="91425" rIns="91425" bIns="91425" anchor="t" anchorCtr="0">
-            <a:spAutoFit/>
-          </a:bodyPr>
-          <a:lstStyle/>
-          <a:p>
-            <a:pPr marL="0" marR="0" lvl="0" indent="0" algn="ctr" rtl="0">
-              <a:lnSpc>
-                <a:spcPct val="100000"/>
-              </a:lnSpc>
-              <a:spcBef>
-                <a:spcPts val="0"/>
-              </a:spcBef>
-              <a:spcAft>
-                <a:spcPts val="0"/>
-              </a:spcAft>
-              <a:buClr>
-                <a:srgbClr val="000000"/>
-              </a:buClr>
-              <a:buSzPts val="1400"/>
-              <a:buFont typeface="Arial"/>
-              <a:buNone/>
-            </a:pPr>
-            <a:r>
-              <a:rPr lang="en" sz="1400" b="0" i="0" u="none" strike="noStrike" cap="none">
-                <a:solidFill>
-                  <a:schemeClr val="dk1"/>
-                </a:solidFill>
-                <a:latin typeface="Lato"/>
-                <a:ea typeface="Lato"/>
-                <a:cs typeface="Lato"/>
-                <a:sym typeface="Lato"/>
-              </a:rPr>
-              <a:t>(2*3)</a:t>
-            </a:r>
-            <a:endParaRPr sz="1400" b="0" i="0" u="none" strike="noStrike" cap="none">
-              <a:solidFill>
-                <a:schemeClr val="dk1"/>
-              </a:solidFill>
-              <a:latin typeface="Lato"/>
-              <a:ea typeface="Lato"/>
-              <a:cs typeface="Lato"/>
-              <a:sym typeface="Lato"/>
-            </a:endParaRPr>
-          </a:p>
-        </p:txBody>
-      </p:sp>
-      <p:sp>
-        <p:nvSpPr>
-          <p:cNvPr id="215" name="Google Shape;215;p9"/>
-          <p:cNvSpPr txBox="1"/>
-          <p:nvPr/>
-        </p:nvSpPr>
-        <p:spPr>
-          <a:xfrm>
-            <a:off x="1297500" y="1078250"/>
-            <a:ext cx="5991900" cy="400200"/>
-          </a:xfrm>
-          <a:prstGeom prst="rect">
-            <a:avLst/>
-          </a:prstGeom>
-          <a:noFill/>
-          <a:ln>
-            <a:noFill/>
-          </a:ln>
-        </p:spPr>
-        <p:txBody>
-          <a:bodyPr spcFirstLastPara="1" wrap="square" lIns="91425" tIns="91425" rIns="91425" bIns="91425" anchor="t" anchorCtr="0">
-            <a:spAutoFit/>
-          </a:bodyPr>
-          <a:lstStyle/>
-          <a:p>
-            <a:pPr marL="0" marR="0" lvl="0" indent="0" algn="l" rtl="0">
-              <a:lnSpc>
-                <a:spcPct val="100000"/>
-              </a:lnSpc>
-              <a:spcBef>
-                <a:spcPts val="0"/>
-              </a:spcBef>
-              <a:spcAft>
-                <a:spcPts val="0"/>
-              </a:spcAft>
-              <a:buClr>
-                <a:srgbClr val="000000"/>
-              </a:buClr>
-              <a:buSzPts val="1400"/>
-              <a:buFont typeface="Arial"/>
-              <a:buNone/>
-            </a:pPr>
-            <a:r>
-              <a:rPr lang="en" sz="1400" b="0" i="0" u="none" strike="noStrike" cap="none">
-                <a:solidFill>
-                  <a:schemeClr val="dk1"/>
-                </a:solidFill>
-                <a:latin typeface="Lato"/>
-                <a:ea typeface="Lato"/>
-                <a:cs typeface="Lato"/>
-                <a:sym typeface="Lato"/>
-              </a:rPr>
-              <a:t>Transforming the row into columns and columns into rows.</a:t>
-            </a:r>
-            <a:endParaRPr sz="1400" b="0" i="0" u="none" strike="noStrike" cap="none">
-              <a:solidFill>
-                <a:schemeClr val="dk1"/>
-              </a:solidFill>
-              <a:latin typeface="Lato"/>
-              <a:ea typeface="Lato"/>
-              <a:cs typeface="Lato"/>
-              <a:sym typeface="Lato"/>
-            </a:endParaRPr>
-          </a:p>
-        </p:txBody>
-      </p:sp>
-      <p:graphicFrame>
-        <p:nvGraphicFramePr>
-          <p:cNvPr id="216" name="Google Shape;216;p9"/>
-          <p:cNvGraphicFramePr/>
-          <p:nvPr/>
-        </p:nvGraphicFramePr>
-        <p:xfrm>
-          <a:off x="4267938" y="2065000"/>
-          <a:ext cx="2145475" cy="641175"/>
-        </p:xfrm>
-        <a:graphic>
-          <a:graphicData uri="http://schemas.openxmlformats.org/drawingml/2006/table">
-            <a:tbl>
-              <a:tblPr>
-                <a:noFill/>
-                <a:tableStyleId>{B1467741-9774-427B-8A85-8F639238AC20}</a:tableStyleId>
-              </a:tblPr>
-              <a:tblGrid>
-                <a:gridCol w="2145475"/>
-              </a:tblGrid>
-              <a:tr h="641175">
-                <a:tc>
-                  <a:txBody>
-                    <a:bodyPr/>
-                    <a:lstStyle/>
-                    <a:p>
-                      <a:pPr marL="0" marR="0" lvl="0" indent="0" algn="ctr" rtl="0">
-                        <a:lnSpc>
-                          <a:spcPct val="100000"/>
-                        </a:lnSpc>
-                        <a:spcBef>
-                          <a:spcPts val="0"/>
-                        </a:spcBef>
-                        <a:spcAft>
-                          <a:spcPts val="0"/>
-                        </a:spcAft>
-                        <a:buClr>
-                          <a:srgbClr val="000000"/>
-                        </a:buClr>
-                        <a:buSzPts val="2500"/>
-                        <a:buFont typeface="Arial"/>
-                        <a:buNone/>
-                      </a:pPr>
-                      <a:r>
-                        <a:rPr lang="en" sz="2500" b="1" i="1" u="none" strike="noStrike" cap="none">
-                          <a:solidFill>
-                            <a:schemeClr val="dk1"/>
-                          </a:solidFill>
-                          <a:latin typeface="Lato"/>
-                          <a:ea typeface="Lato"/>
-                          <a:cs typeface="Lato"/>
-                          <a:sym typeface="Lato"/>
-                        </a:rPr>
-                        <a:t>A</a:t>
-                      </a:r>
-                      <a:r>
-                        <a:rPr lang="en" sz="2500" b="1" i="1" u="none" strike="noStrike" cap="none" baseline="-25000">
-                          <a:solidFill>
-                            <a:schemeClr val="dk1"/>
-                          </a:solidFill>
-                          <a:latin typeface="Lato"/>
-                          <a:ea typeface="Lato"/>
-                          <a:cs typeface="Lato"/>
-                          <a:sym typeface="Lato"/>
-                        </a:rPr>
-                        <a:t>i,j</a:t>
-                      </a:r>
-                      <a:r>
-                        <a:rPr lang="en" sz="2500" b="1" i="1" u="none" strike="noStrike" cap="none">
-                          <a:solidFill>
-                            <a:schemeClr val="dk1"/>
-                          </a:solidFill>
-                          <a:latin typeface="Lato"/>
-                          <a:ea typeface="Lato"/>
-                          <a:cs typeface="Lato"/>
-                          <a:sym typeface="Lato"/>
-                        </a:rPr>
-                        <a:t>= A</a:t>
-                      </a:r>
-                      <a:r>
-                        <a:rPr lang="en" sz="2500" b="1" i="1" u="none" strike="noStrike" cap="none" baseline="-25000">
-                          <a:solidFill>
-                            <a:schemeClr val="dk1"/>
-                          </a:solidFill>
-                          <a:latin typeface="Lato"/>
-                          <a:ea typeface="Lato"/>
-                          <a:cs typeface="Lato"/>
-                          <a:sym typeface="Lato"/>
-                        </a:rPr>
-                        <a:t>j,i</a:t>
-                      </a:r>
-                      <a:endParaRPr sz="2500" b="1" i="1" u="none" strike="noStrike" cap="none">
-                        <a:solidFill>
-                          <a:schemeClr val="dk1"/>
-                        </a:solidFill>
-                        <a:latin typeface="Lato"/>
-                        <a:ea typeface="Lato"/>
-                        <a:cs typeface="Lato"/>
-                        <a:sym typeface="Lato"/>
-                      </a:endParaRPr>
-                    </a:p>
-                  </a:txBody>
-                  <a:tcPr marL="91425" marR="91425" marT="91425" marB="91425">
-                    <a:lnL w="9525" cap="flat" cmpd="sng">
-                      <a:solidFill>
-                        <a:schemeClr val="dk1"/>
-                      </a:solidFill>
-                      <a:prstDash val="solid"/>
-                      <a:round/>
-                      <a:headEnd type="none" w="sm" len="sm"/>
-                      <a:tailEnd type="none" w="sm" len="sm"/>
-                    </a:lnL>
-                    <a:lnR w="9525" cap="flat" cmpd="sng">
-                      <a:solidFill>
-                        <a:schemeClr val="dk1"/>
-                      </a:solidFill>
-                      <a:prstDash val="solid"/>
-                      <a:round/>
-                      <a:headEnd type="none" w="sm" len="sm"/>
-                      <a:tailEnd type="none" w="sm" len="sm"/>
-                    </a:lnR>
-                    <a:lnT w="9525" cap="flat" cmpd="sng">
-                      <a:solidFill>
-                        <a:schemeClr val="dk1"/>
-                      </a:solidFill>
-                      <a:prstDash val="solid"/>
-                      <a:round/>
-                      <a:headEnd type="none" w="sm" len="sm"/>
-                      <a:tailEnd type="none" w="sm" len="sm"/>
-                    </a:lnT>
-                    <a:lnB w="9525" cap="flat" cmpd="sng">
-                      <a:solidFill>
-                        <a:schemeClr val="dk1"/>
-                      </a:solidFill>
-                      <a:prstDash val="solid"/>
-                      <a:round/>
-                      <a:headEnd type="none" w="sm" len="sm"/>
-                      <a:tailEnd type="none" w="sm" len="sm"/>
-                    </a:lnB>
-                  </a:tcPr>
-                </a:tc>
-              </a:tr>
-            </a:tbl>
-          </a:graphicData>
-        </a:graphic>
-      </p:graphicFrame>
-    </p:spTree>
-  </p:cSld>
-  <p:clrMapOvr>
-    <a:masterClrMapping/>
-  </p:clrMapOvr>
-  <p:timing>
-    <p:tnLst>
-      <p:par>
-        <p:cTn id="1" dur="indefinite" restart="never" nodeType="tmRoot">
-          <p:childTnLst>
-            <p:seq concurrent="1" nextAc="seek">
-              <p:cTn id="2" dur="indefinite" nodeType="mainSeq">
-                <p:childTnLst>
-                  <p:par>
-                    <p:cTn id="3" fill="hold">
-                      <p:stCondLst>
-                        <p:cond delay="indefinite"/>
-                      </p:stCondLst>
-                      <p:childTnLst>
-                        <p:par>
-                          <p:cTn id="4" fill="hold">
-                            <p:stCondLst>
-                              <p:cond delay="0"/>
-                            </p:stCondLst>
-                            <p:childTnLst>
-                              <p:par>
-                                <p:cTn id="5" presetID="10" presetClass="entr" presetSubtype="0" fill="hold" nodeType="clickEffect">
-                                  <p:stCondLst>
-                                    <p:cond delay="0"/>
-                                  </p:stCondLst>
-                                  <p:childTnLst>
-                                    <p:set>
-                                      <p:cBhvr>
-                                        <p:cTn id="6" dur="1" fill="hold">
-                                          <p:stCondLst>
-                                            <p:cond delay="0"/>
-                                          </p:stCondLst>
-                                        </p:cTn>
-                                        <p:tgtEl>
-                                          <p:spTgt spid="211"/>
-                                        </p:tgtEl>
-                                        <p:attrNameLst>
-                                          <p:attrName>style.visibility</p:attrName>
-                                        </p:attrNameLst>
-                                      </p:cBhvr>
-                                      <p:to>
-                                        <p:strVal val="visible"/>
-                                      </p:to>
-                                    </p:set>
-                                    <p:animEffect transition="in" filter="fade">
-                                      <p:cBhvr>
-                                        <p:cTn id="7" dur="1000"/>
-                                        <p:tgtEl>
-                                          <p:spTgt spid="211"/>
-                                        </p:tgtEl>
-                                      </p:cBhvr>
-                                    </p:animEffect>
-                                  </p:childTnLst>
-                                </p:cTn>
-                              </p:par>
-                            </p:childTnLst>
-                          </p:cTn>
-                        </p:par>
-                      </p:childTnLst>
-                    </p:cTn>
-                  </p:par>
-                  <p:par>
-                    <p:cTn id="8" fill="hold">
-                      <p:stCondLst>
-                        <p:cond delay="indefinite"/>
-                      </p:stCondLst>
-                      <p:childTnLst>
-                        <p:par>
-                          <p:cTn id="9" fill="hold">
-                            <p:stCondLst>
-                              <p:cond delay="0"/>
-                            </p:stCondLst>
-                            <p:childTnLst>
-                              <p:par>
-                                <p:cTn id="10" presetID="10" presetClass="entr" presetSubtype="0" fill="hold" nodeType="clickEffect">
-                                  <p:stCondLst>
-                                    <p:cond delay="0"/>
-                                  </p:stCondLst>
-                                  <p:childTnLst>
-                                    <p:set>
-                                      <p:cBhvr>
-                                        <p:cTn id="11" dur="1" fill="hold">
-                                          <p:stCondLst>
-                                            <p:cond delay="0"/>
-                                          </p:stCondLst>
-                                        </p:cTn>
-                                        <p:tgtEl>
-                                          <p:spTgt spid="210"/>
-                                        </p:tgtEl>
-                                        <p:attrNameLst>
-                                          <p:attrName>style.visibility</p:attrName>
-                                        </p:attrNameLst>
-                                      </p:cBhvr>
-                                      <p:to>
-                                        <p:strVal val="visible"/>
-                                      </p:to>
-                                    </p:set>
-                                    <p:animEffect transition="in" filter="fade">
-                                      <p:cBhvr>
-                                        <p:cTn id="12" dur="1000"/>
-                                        <p:tgtEl>
-                                          <p:spTgt spid="210"/>
-                                        </p:tgtEl>
-                                      </p:cBhvr>
-                                    </p:animEffect>
-                                  </p:childTnLst>
-                                </p:cTn>
-                              </p:par>
-                              <p:par>
-                                <p:cTn id="13" presetID="10" presetClass="entr" presetSubtype="0" fill="hold" nodeType="withEffect">
-                                  <p:stCondLst>
-                                    <p:cond delay="0"/>
-                                  </p:stCondLst>
-                                  <p:childTnLst>
-                                    <p:set>
-                                      <p:cBhvr>
-                                        <p:cTn id="14" dur="1" fill="hold">
-                                          <p:stCondLst>
-                                            <p:cond delay="0"/>
-                                          </p:stCondLst>
-                                        </p:cTn>
-                                        <p:tgtEl>
-                                          <p:spTgt spid="212"/>
-                                        </p:tgtEl>
-                                        <p:attrNameLst>
-                                          <p:attrName>style.visibility</p:attrName>
-                                        </p:attrNameLst>
-                                      </p:cBhvr>
-                                      <p:to>
-                                        <p:strVal val="visible"/>
-                                      </p:to>
-                                    </p:set>
-                                    <p:animEffect transition="in" filter="fade">
-                                      <p:cBhvr>
-                                        <p:cTn id="15" dur="1000"/>
-                                        <p:tgtEl>
-                                          <p:spTgt spid="212"/>
-                                        </p:tgtEl>
-                                      </p:cBhvr>
-                                    </p:animEffect>
-                                  </p:childTnLst>
-                                </p:cTn>
-                              </p:par>
-                            </p:childTnLst>
-                          </p:cTn>
-                        </p:par>
-                      </p:childTnLst>
-                    </p:cTn>
-                  </p:par>
-                  <p:par>
-                    <p:cTn id="16" fill="hold">
-                      <p:stCondLst>
-                        <p:cond delay="indefinite"/>
-                      </p:stCondLst>
-                      <p:childTnLst>
-                        <p:par>
-                          <p:cTn id="17" fill="hold">
-                            <p:stCondLst>
-                              <p:cond delay="0"/>
-                            </p:stCondLst>
-                            <p:childTnLst>
-                              <p:par>
-                                <p:cTn id="18" presetID="10" presetClass="entr" presetSubtype="0" fill="hold" nodeType="clickEffect">
-                                  <p:stCondLst>
-                                    <p:cond delay="0"/>
-                                  </p:stCondLst>
-                                  <p:childTnLst>
-                                    <p:set>
-                                      <p:cBhvr>
-                                        <p:cTn id="19" dur="1" fill="hold">
-                                          <p:stCondLst>
-                                            <p:cond delay="0"/>
-                                          </p:stCondLst>
-                                        </p:cTn>
-                                        <p:tgtEl>
-                                          <p:spTgt spid="213"/>
-                                        </p:tgtEl>
-                                        <p:attrNameLst>
-                                          <p:attrName>style.visibility</p:attrName>
-                                        </p:attrNameLst>
-                                      </p:cBhvr>
-                                      <p:to>
-                                        <p:strVal val="visible"/>
-                                      </p:to>
-                                    </p:set>
-                                    <p:animEffect transition="in" filter="fade">
-                                      <p:cBhvr>
-                                        <p:cTn id="20" dur="1000"/>
-                                        <p:tgtEl>
-                                          <p:spTgt spid="213"/>
-                                        </p:tgtEl>
-                                      </p:cBhvr>
-                                    </p:animEffect>
-                                  </p:childTnLst>
-                                </p:cTn>
-                              </p:par>
-                              <p:par>
-                                <p:cTn id="21" presetID="10" presetClass="entr" presetSubtype="0" fill="hold" nodeType="withEffect">
-                                  <p:stCondLst>
-                                    <p:cond delay="0"/>
-                                  </p:stCondLst>
-                                  <p:childTnLst>
-                                    <p:set>
-                                      <p:cBhvr>
-                                        <p:cTn id="22" dur="1" fill="hold">
-                                          <p:stCondLst>
-                                            <p:cond delay="0"/>
-                                          </p:stCondLst>
-                                        </p:cTn>
-                                        <p:tgtEl>
-                                          <p:spTgt spid="214"/>
-                                        </p:tgtEl>
-                                        <p:attrNameLst>
-                                          <p:attrName>style.visibility</p:attrName>
-                                        </p:attrNameLst>
-                                      </p:cBhvr>
-                                      <p:to>
-                                        <p:strVal val="visible"/>
-                                      </p:to>
-                                    </p:set>
-                                    <p:animEffect transition="in" filter="fade">
-                                      <p:cBhvr>
-                                        <p:cTn id="23" dur="1000"/>
-                                        <p:tgtEl>
-                                          <p:spTgt spid="214"/>
-                                        </p:tgtEl>
-                                      </p:cBhvr>
-                                    </p:animEffect>
-                                  </p:childTnLst>
-                                </p:cTn>
-                              </p:par>
-                            </p:childTnLst>
-                          </p:cTn>
-                        </p:par>
-                      </p:childTnLst>
-                    </p:cTn>
-                  </p:par>
-                </p:childTnLst>
-              </p:cTn>
-              <p:prevCondLst>
-                <p:cond evt="onPrev" delay="0">
-                  <p:tgtEl>
-                    <p:sldTgt/>
-                  </p:tgtEl>
-                </p:cond>
-              </p:prevCondLst>
-              <p:nextCondLst>
-                <p:cond evt="onNext" delay="0">
-                  <p:tgtEl>
-                    <p:sldTgt/>
-                  </p:tgtEl>
-                </p:cond>
-              </p:nextCondLst>
-            </p:seq>
-          </p:childTnLst>
-        </p:cTn>
       </p:par>
     </p:tnLst>
   </p:timing>
